--- a/Class 2/deep-neural-network/03_hyperparameter-tuning-batch-normalization-and-programming-frameworks/04_introduction-to-programming-frameworks/02_tensorflow_C2W3L09.pptx
+++ b/Class 2/deep-neural-network/03_hyperparameter-tuning-batch-normalization-and-programming-frameworks/04_introduction-to-programming-frameworks/02_tensorflow_C2W3L09.pptx
@@ -1,16 +1,16 @@
 
 <file path=ppt/presentation.xml><?xml version="1.0" encoding="utf-8"?>
-<p:presentation xmlns:a="http://schemas.openxmlformats.org/drawingml/2006/main" xmlns:r="http://schemas.openxmlformats.org/officeDocument/2006/relationships" xmlns:p="http://schemas.openxmlformats.org/presentationml/2006/main" saveSubsetFonts="1" autoCompressPictures="0">
+<p:presentation xmlns:a="http://schemas.openxmlformats.org/drawingml/2006/main" xmlns:r="http://schemas.openxmlformats.org/officeDocument/2006/relationships" xmlns:p="http://schemas.openxmlformats.org/presentationml/2006/main" autoCompressPictures="0" saveSubsetFonts="1">
   <p:sldMasterIdLst>
-    <p:sldMasterId id="2147483648" r:id="rId1"/>
+    <p:sldMasterId id="2147483659" r:id="rId5"/>
   </p:sldMasterIdLst>
   <p:notesMasterIdLst>
-    <p:notesMasterId r:id="rId5"/>
+    <p:notesMasterId r:id="rId6"/>
   </p:notesMasterIdLst>
   <p:sldIdLst>
-    <p:sldId id="257" r:id="rId2"/>
-    <p:sldId id="266" r:id="rId3"/>
-    <p:sldId id="265" r:id="rId4"/>
+    <p:sldId id="256" r:id="rId7"/>
+    <p:sldId id="257" r:id="rId8"/>
+    <p:sldId id="258" r:id="rId9"/>
   </p:sldIdLst>
   <p:sldSz cx="12192000" cy="6858000"/>
   <p:notesSz cx="6858000" cy="9144000"/>
@@ -18,8 +18,8 @@
     <a:defPPr>
       <a:defRPr lang="en-US"/>
     </a:defPPr>
-    <a:lvl1pPr marL="0" algn="l" defTabSz="914400" rtl="0" eaLnBrk="1" latinLnBrk="0" hangingPunct="1">
-      <a:defRPr sz="1800" kern="1200">
+    <a:lvl1pPr algn="l" defTabSz="914400" eaLnBrk="1" hangingPunct="1" latinLnBrk="0" marL="0" rtl="0">
+      <a:defRPr kern="1200" sz="1800">
         <a:solidFill>
           <a:schemeClr val="tx1"/>
         </a:solidFill>
@@ -28,8 +28,8 @@
         <a:cs typeface="+mn-cs"/>
       </a:defRPr>
     </a:lvl1pPr>
-    <a:lvl2pPr marL="457200" algn="l" defTabSz="914400" rtl="0" eaLnBrk="1" latinLnBrk="0" hangingPunct="1">
-      <a:defRPr sz="1800" kern="1200">
+    <a:lvl2pPr algn="l" defTabSz="914400" eaLnBrk="1" hangingPunct="1" latinLnBrk="0" marL="457200" rtl="0">
+      <a:defRPr kern="1200" sz="1800">
         <a:solidFill>
           <a:schemeClr val="tx1"/>
         </a:solidFill>
@@ -38,8 +38,8 @@
         <a:cs typeface="+mn-cs"/>
       </a:defRPr>
     </a:lvl2pPr>
-    <a:lvl3pPr marL="914400" algn="l" defTabSz="914400" rtl="0" eaLnBrk="1" latinLnBrk="0" hangingPunct="1">
-      <a:defRPr sz="1800" kern="1200">
+    <a:lvl3pPr algn="l" defTabSz="914400" eaLnBrk="1" hangingPunct="1" latinLnBrk="0" marL="914400" rtl="0">
+      <a:defRPr kern="1200" sz="1800">
         <a:solidFill>
           <a:schemeClr val="tx1"/>
         </a:solidFill>
@@ -48,8 +48,8 @@
         <a:cs typeface="+mn-cs"/>
       </a:defRPr>
     </a:lvl3pPr>
-    <a:lvl4pPr marL="1371600" algn="l" defTabSz="914400" rtl="0" eaLnBrk="1" latinLnBrk="0" hangingPunct="1">
-      <a:defRPr sz="1800" kern="1200">
+    <a:lvl4pPr algn="l" defTabSz="914400" eaLnBrk="1" hangingPunct="1" latinLnBrk="0" marL="1371600" rtl="0">
+      <a:defRPr kern="1200" sz="1800">
         <a:solidFill>
           <a:schemeClr val="tx1"/>
         </a:solidFill>
@@ -58,8 +58,8 @@
         <a:cs typeface="+mn-cs"/>
       </a:defRPr>
     </a:lvl4pPr>
-    <a:lvl5pPr marL="1828800" algn="l" defTabSz="914400" rtl="0" eaLnBrk="1" latinLnBrk="0" hangingPunct="1">
-      <a:defRPr sz="1800" kern="1200">
+    <a:lvl5pPr algn="l" defTabSz="914400" eaLnBrk="1" hangingPunct="1" latinLnBrk="0" marL="1828800" rtl="0">
+      <a:defRPr kern="1200" sz="1800">
         <a:solidFill>
           <a:schemeClr val="tx1"/>
         </a:solidFill>
@@ -68,8 +68,8 @@
         <a:cs typeface="+mn-cs"/>
       </a:defRPr>
     </a:lvl5pPr>
-    <a:lvl6pPr marL="2286000" algn="l" defTabSz="914400" rtl="0" eaLnBrk="1" latinLnBrk="0" hangingPunct="1">
-      <a:defRPr sz="1800" kern="1200">
+    <a:lvl6pPr algn="l" defTabSz="914400" eaLnBrk="1" hangingPunct="1" latinLnBrk="0" marL="2286000" rtl="0">
+      <a:defRPr kern="1200" sz="1800">
         <a:solidFill>
           <a:schemeClr val="tx1"/>
         </a:solidFill>
@@ -78,8 +78,8 @@
         <a:cs typeface="+mn-cs"/>
       </a:defRPr>
     </a:lvl6pPr>
-    <a:lvl7pPr marL="2743200" algn="l" defTabSz="914400" rtl="0" eaLnBrk="1" latinLnBrk="0" hangingPunct="1">
-      <a:defRPr sz="1800" kern="1200">
+    <a:lvl7pPr algn="l" defTabSz="914400" eaLnBrk="1" hangingPunct="1" latinLnBrk="0" marL="2743200" rtl="0">
+      <a:defRPr kern="1200" sz="1800">
         <a:solidFill>
           <a:schemeClr val="tx1"/>
         </a:solidFill>
@@ -88,8 +88,8 @@
         <a:cs typeface="+mn-cs"/>
       </a:defRPr>
     </a:lvl7pPr>
-    <a:lvl8pPr marL="3200400" algn="l" defTabSz="914400" rtl="0" eaLnBrk="1" latinLnBrk="0" hangingPunct="1">
-      <a:defRPr sz="1800" kern="1200">
+    <a:lvl8pPr algn="l" defTabSz="914400" eaLnBrk="1" hangingPunct="1" latinLnBrk="0" marL="3200400" rtl="0">
+      <a:defRPr kern="1200" sz="1800">
         <a:solidFill>
           <a:schemeClr val="tx1"/>
         </a:solidFill>
@@ -98,8 +98,8 @@
         <a:cs typeface="+mn-cs"/>
       </a:defRPr>
     </a:lvl8pPr>
-    <a:lvl9pPr marL="3657600" algn="l" defTabSz="914400" rtl="0" eaLnBrk="1" latinLnBrk="0" hangingPunct="1">
-      <a:defRPr sz="1800" kern="1200">
+    <a:lvl9pPr algn="l" defTabSz="914400" eaLnBrk="1" hangingPunct="1" latinLnBrk="0" marL="3657600" rtl="0">
+      <a:defRPr kern="1200" sz="1800">
         <a:solidFill>
           <a:schemeClr val="tx1"/>
         </a:solidFill>
@@ -115,301 +115,6 @@
     </p:ext>
   </p:extLst>
 </p:presentation>
-</file>
-
-<file path=ppt/revisionInfo.xml><?xml version="1.0" encoding="utf-8"?>
-<p1510:revInfo xmlns:a="http://schemas.openxmlformats.org/drawingml/2006/main" xmlns:r="http://schemas.openxmlformats.org/officeDocument/2006/relationships" xmlns:p1510="http://schemas.microsoft.com/office/powerpoint/2015/10/main"/>
-</file>
-
-<file path=ppt/ink/ink1.xml><?xml version="1.0" encoding="utf-8"?>
-<inkml:ink xmlns:inkml="http://www.w3.org/2003/InkML">
-  <inkml:definitions>
-    <inkml:context xml:id="ctx0">
-      <inkml:inkSource xml:id="inkSrc0">
-        <inkml:traceFormat>
-          <inkml:channel name="X" type="integer" max="1920" units="cm"/>
-          <inkml:channel name="Y" type="integer" max="1080" units="cm"/>
-          <inkml:channel name="T" type="integer" max="2.14748E9" units="dev"/>
-        </inkml:traceFormat>
-        <inkml:channelProperties>
-          <inkml:channelProperty channel="X" name="resolution" value="65.52901" units="1/cm"/>
-          <inkml:channelProperty channel="Y" name="resolution" value="65.45454" units="1/cm"/>
-          <inkml:channelProperty channel="T" name="resolution" value="1" units="1/dev"/>
-        </inkml:channelProperties>
-      </inkml:inkSource>
-      <inkml:timestamp xml:id="ts0" timeString="2017-07-25T02:04:59.508"/>
-    </inkml:context>
-    <inkml:brush xml:id="br0">
-      <inkml:brushProperty name="width" value="0.05292" units="cm"/>
-      <inkml:brushProperty name="height" value="0.05292" units="cm"/>
-      <inkml:brushProperty name="color" value="#0070C0"/>
-    </inkml:brush>
-  </inkml:definitions>
-  <inkml:trace contextRef="#ctx0" brushRef="#br0">5309 6209 0,'18'0'47,"35"0"-31,-18 0-16,71-18 16,-53 1-16,0 17 15,70-18 1,1 0-16,-54 18 15,-17-17-15,53-1 16,-35 0 0,-54 1-16,1 17 15</inkml:trace>
-  <inkml:trace contextRef="#ctx0" brushRef="#br0" timeOffset="350.4287">5962 6209 0,'0'35'16,"0"-70"-16,18 88 0,-1 0 15,1-18 1,-18 0-16,35-17 0,0 52 15,-17-34-15,17 34 16,-17-34-16,17 34 16,-17-35-16,-18-17 15,0 17-15,0-17 0,-18 35 16,1-35 0,-36-1-16,17-17 15,-52 18-15,18-18 16,-54 0-1,71 0-15,-70 0 0,88 0 16,-36 0 0,53 0-16,1 17 15</inkml:trace>
-  <inkml:trace contextRef="#ctx0" brushRef="#br0" timeOffset="2624.8122">7391 6456 0,'17'0'15,"1"0"-15,17 0 0,18 0 16,-18-18-1,1 18-15,17-17 0,17 17 16,-52-18-16,35 18 16,-36 0-16,1 0 15,-36 18 1</inkml:trace>
-  <inkml:trace contextRef="#ctx0" brushRef="#br0" timeOffset="2780.7117">7479 6632 0,'0'0'0,"18"36"0,17-36 15,18 0-15,-36-18 16,54 0-16,-36 18 16,-17-17-16,-1 17 15</inkml:trace>
-  <inkml:trace contextRef="#ctx0" brushRef="#br0" timeOffset="5783.7528">9243 6297 0,'0'-18'0,"0"1"16,-18 17 30,1 53-30,17-18-16,-18 36 16,0-19-16,18 19 15,18-36-15,-18-17 0,18 17 16,-1-17-16,18 0 16,-17-18-16,17 17 15,-17-17-15,17 0 16,-17 0-16,0-17 15,-18-1-15,17-17 16,-17 17 0,18 36-1,-1 17 1,1-17-16,17 17 16,1-18-16,-19-17 15,54 18 1,-36-18-16,36-18 15,-54 1-15,19-1 16,-36-35-16,-18 36 16,0-1-16,1-17 0,-1 17 15,-53-17 1,54 17-16,-36-17 16,53 17-16,-18 1 15,36-1-15</inkml:trace>
-  <inkml:trace contextRef="#ctx0" brushRef="#br0" timeOffset="6528.4617">9913 5821 0,'18'-35'16,"-1"35"-1,36-18 1,-35 18-16,17 0 0,0 18 16,-17-1-16,17 18 15,-35-17 1,-17 35-16,-1-35 15,-17 35-15,17-36 16,1-17-16,17 18 0,17 0 16,1-18-1,17 0-15,0 0 0,36-18 16,-36 18 0,0 0-16,1 0 15</inkml:trace>
-  <inkml:trace contextRef="#ctx0" brushRef="#br0" timeOffset="8053.4419">6544 6191 0,'0'-35'15,"0"70"-15,18-88 16,-36 71-1,18 17-15,-18 1 16,1 69 0,-1-34-16,0 35 15,18-53-15,-17 0 16,17 0-16,0-18 0,35 35 16,-17-34-16,35-19 15,-36 1-15,36-36 16,-17 1-16</inkml:trace>
-  <inkml:trace contextRef="#ctx0" brushRef="#br0" timeOffset="8423.7223">6650 6632 0,'-18'71'0,"36"-142"0,-36 159 16,18-35-16,18-35 15,17 0-15,-17-18 16,17 0-16,-17 0 16,-1-36-1,1 19-15,-18-1 16,0 0-16,0 36 16,0 0-1,18-18 1,17 35-16,-17-17 15,34-18-15,-16 0 16,-1 0-16,-17-18 16,-1 18-16,-17-18 0,-17 1 15,-1-1-15,-17-35 16,-1 36-16,19-1 16,-18 0-16,17-17 15,18 17-15,18 1 16</inkml:trace>
-  <inkml:trace contextRef="#ctx0" brushRef="#br0" timeOffset="8703.7922">6985 6050 0,'35'18'0,"-70"-36"0,88 53 16,-18 1-16,0 52 15,1-35-15,-19 17 16,1 19-16,0 69 16,-18-69-16,0-19 0,0 54 15,-18-19 1,0-69-16,1-1 15,-19 35 1,19-52-16</inkml:trace>
-  <inkml:trace contextRef="#ctx0" brushRef="#br0" timeOffset="10221.586">10742 6438 0,'18'0'16,"-18"18"-16,35-18 15,0 0-15,1 0 16,-1 0-16,-18 0 15,19 0-15,-19 0 0,19 0 16,-1 17-16,-17 1 16</inkml:trace>
-  <inkml:trace contextRef="#ctx0" brushRef="#br0" timeOffset="10465.0571">11518 6103 0,'0'0'16,"0"53"-16,0-18 0,0 1 16,0-1-16,0 18 0,0 35 15,0-35 1,0 0-16,0 35 15,18-53-15,17 18 16,-17-35-16,-1-18 16</inkml:trace>
-  <inkml:trace contextRef="#ctx0" brushRef="#br0" timeOffset="10793.7881">11906 6315 0,'0'53'15,"0"-18"-15,0 53 16,0-53-16,18 1 0,35 34 16,0-34-1,-18-19-15,0-17 16,36 0-16,-36-17 15,0-36-15,-35 17 16,18 19-16,-53-54 16,17 36-16,-35-36 15,0 36-15,-17 0 16,52 35-16,-17-18 16,0 18-1,35 18-15,35-1 16</inkml:trace>
-  <inkml:trace contextRef="#ctx0" brushRef="#br0" timeOffset="11178.565">12383 6491 0,'0'0'15,"17"35"-15,-17 1 0,18-1 16,-1-17-1,19 17-15,-19-35 16,1 18-16,0-18 16,17-36-1,-17 1-15,-18 17 0,17 1 16,-17 34 0,0 1-1,18 0-15,-1 17 16,1-17-16,17-1 15,-17-17-15,0 0 16,-1 0-16,1 0 16,0-17-16,-18-1 15,0-17-15,-18 17 16,-17-17-16,-1-1 16,19 36-16,17-17 0,-18-1 15,36 18 1,-18-18-16,17 18 15</inkml:trace>
-  <inkml:trace contextRef="#ctx0" brushRef="#br0" timeOffset="11633.8432">13353 6544 0,'53'0'16,"-106"0"-16,141 0 0,-53 0 0,53-18 16,-35 1-16,-17-1 15,16 0-15,-34 1 16,0-1-16</inkml:trace>
-  <inkml:trace contextRef="#ctx0" brushRef="#br0" timeOffset="11830.1324">13617 6332 0,'0'0'16,"18"89"-16,0-37 0,-1 37 16,-17-54-16,18 0 15,-1 1-15,-17-1 0,36 18 16,-19-18-16,19-17 15,-19-18-15,1-18 16</inkml:trace>
-  <inkml:trace contextRef="#ctx0" brushRef="#br0" timeOffset="12312.2359">14111 6138 0,'53'-17'16,"-18"17"-1,36-18-15,-36 18 16,0 18-16,1-1 0,-19 1 15,1 0-15,-18-1 16,0 19-16,0-1 0,-35 18 16,35-18-16,-18 0 15,0 1-15,18-19 16,0 1-16,18 17 16,0-35-16,35 0 15,-36 0-15,36 0 16,-35 0-16,17-18 15</inkml:trace>
-  <inkml:trace contextRef="#ctx0" brushRef="#br0" timeOffset="12774.3723">14852 6033 0,'53'0'16,"-106"0"-16,141-18 0,-70 0 0,17 18 16,-17-17-16,-1 17 0,1-18 15,-18 0-15,-18 18 16,1 0-16,-36 0 15,35 18 1,-17 0-16,17-1 16,-17 19-16,35-19 15,0 18-15,0-17 16,18 17 0,-1 1-16,19-1 15,-19 0-15,54 18 16,-54-35-16,19 17 15,-19-17-15,1-1 0,-18 1 16,0 17-16,-35-17 16,-18-18-1,-18 0 1,1 0-16,17 0 16,17 0-1</inkml:trace>
-  <inkml:trace contextRef="#ctx0" brushRef="#br0" timeOffset="13528.0302">4868 7479 0,'-17'0'15,"-1"0"1,0 35-1,1 0-15,-18 54 16,35-54-16,0 53 16,0-35-16,35 18 15,-18-54-15,19 36 16,-1-35-16,18-18 16,-35 0-16</inkml:trace>
-  <inkml:trace contextRef="#ctx0" brushRef="#br0" timeOffset="13758.4875">5151 7779 0,'0'0'0,"-18"17"0,0 54 15,18-53-15,18 35 16,0-18-16,-1-18 16,36 1-1,35 0 1,-35-36-16</inkml:trace>
-  <inkml:trace contextRef="#ctx0" brushRef="#br0" timeOffset="14036.2248">5433 7902 0,'0'0'16,"0"36"-16,0-19 16,17 1-16,19-1 15,-19-17-15,36 0 16,-35 0-16,35 0 15,-36-17-15,1-18 16,-18 17-16,0 0 16,-18 1-16,-34-19 15,34 19-15,-17 17 16,17 0-16,0-18 16,36 36-1</inkml:trace>
-  <inkml:trace contextRef="#ctx0" brushRef="#br0" timeOffset="14286.9364">5733 7779 0,'0'17'31,"17"1"-15,1 0-16,0-1 15,17 1-15,-35 0 0,35-1 16,-17 1-16,-1 0 16,-34-1-1,-1-17 1,0 0-16,-34-17 16,34 17-16,18-18 15</inkml:trace>
-  <inkml:trace contextRef="#ctx0" brushRef="#br0" timeOffset="14437.1909">5997 7796 0,'0'0'16,"71"-17"-16,-36-1 16,0 0-16,1 1 0,-19 17 15,19-18-15,-36 1 16,17-1-16,-17 0 0,-17 18 15</inkml:trace>
-  <inkml:trace contextRef="#ctx0" brushRef="#br0" timeOffset="14631.8432">6085 7673 0,'0'0'0,"0"35"0,0 18 15,0-35-15,18 35 16,-18-36-16,18 1 0,-1-18 16,19 18-16,-19-18 0,36-18 15,-18 18 1,1-35-16</inkml:trace>
-  <inkml:trace contextRef="#ctx0" brushRef="#br0" timeOffset="14849.0506">6350 7426 0,'0'0'16,"71"71"-16,-36-36 0,0 0 15,0 0-15,-17 18 0,17-17 16,-17-1-16,-18 35 15,0-34-15,-35 52 16,-1-35-16,1 0 0,0-18 16,0 18-1</inkml:trace>
-  <inkml:trace contextRef="#ctx0" brushRef="#br0" timeOffset="19758.649">12859 8943 0,'0'0'0,"17"0"16,-17-18-16,0 1 15,18-1-15,-18 36 63,-18 35-48,18-18-15,0 18 16,0-36-16,18 36 16,-18-17-16,0-19 15,35 19-15,-35-19 16,36 18-16,-19-35 16,1 0-1,0 0 1,-1 0-1,1-17-15,-18-1 16,17 18-16,1 0 16,0 0-1,-1 0-15,1 18 0,35-1 16,-35-17-16,34 18 16,-16-18-16,-1 0 15,-17 0-15,17-18 16,-17 1-16,-1-18 15,-17-1-15,0-34 16,0 17 0,-35-18-16,17 36 15,-17 0-15,17 17 16</inkml:trace>
-  <inkml:trace contextRef="#ctx0" brushRef="#br0" timeOffset="20570.8455">13176 9119 0,'0'18'47,"0"0"-31,-17-1-16,17 19 15,0-19-15,0 18 16,17-35-16,1 18 15</inkml:trace>
-  <inkml:trace contextRef="#ctx0" brushRef="#br0" timeOffset="20848.0703">13741 9084 0,'17'0'31,"1"-18"-16,17 18-15,-17 0 0,17 0 16,0 0-16,1 0 16,-36-17-16</inkml:trace>
-  <inkml:trace contextRef="#ctx0" brushRef="#br0" timeOffset="21388.8655">14323 8749 0,'35'-18'15,"-17"18"-15,-1-17 16,19-1-16,17 0 16,-18 18-16,-18-17 0,1 17 15,-36 17 1,-17 1-1,-18 0 1,18-1-16,-18 36 16,35-35-16,18-1 0,-17 36 15,17-35 1,53 17 0,-18-17-16,36 0 15,-36-1-15,0 1 16,0-1-16,-17-17 0,17 36 15,-35-19-15,-17 1 16,-1 0-16,0-1 0,-52 1 16,35 0-16,-36-18 15,36 17-15,-36-17 16,54 0-16,-19 0 16</inkml:trace>
-  <inkml:trace contextRef="#ctx0" brushRef="#br0" timeOffset="21822.2044">12277 8484 0,'0'36'15,"-18"-1"-15,18 18 0,-18 17 0,18 89 16,18-88 0,35 70-16,-18-71 15,18-17-15,0 0 0,0 0 16,88 35-16,-70-52 15,17-1-15,0-18 16</inkml:trace>
-  <inkml:trace contextRef="#ctx0" brushRef="#br0" timeOffset="22289.2192">14728 8431 0,'18'18'16,"17"17"-16,-17-17 15,35 53 1,-18-36-16,1 0 0,-1 71 15,-18-53-15,19 53 16,-36-71-16,0 18 16,17-18-16,-17-17 0,0 17 15,-17 0-15,-1-17 16,0 0 0,1-18-16,-1 0 15,1 0-15,17-18 16</inkml:trace>
-  <inkml:trace contextRef="#ctx0" brushRef="#br0" timeOffset="22640.0508">15046 8220 0,'0'0'16,"35"-18"-16,1 18 15,-19 18-15,1-18 0,17 35 16,-17-17-16,-1 17 16,-17-17-16,0-1 15,-17 1-15,-1-1 16,18 19-1,-18-19-15,18 1 0,18-18 0,-18 18 16,35-18-16,-17 0 16,35 0-16,-18 0 15,36 0-15,-54 0 16,19 0-16,-36 17 16</inkml:trace>
-  <inkml:trace contextRef="#ctx0" brushRef="#br0" timeOffset="24219.5242">11501 9066 0,'0'18'16,"-18"0"-16,0-1 15,1 1-15,-19 0 0,1-1 16,-53 19-16,35-19 15,-70 18-15,34-17 16,-52 35-16,71-35 16,-54-1-1,89-17-15,-36 0 16,54 0-16,-1-17 16,0-19-16,18 1 15,18 0-15,-18 0 0,35-89 16,-17 53-16,35-87 15,-35 52-15,17-106 16,0 124-16,0-141 16,1 141-16,17-106 15,-18 88-15,-18 17 16,36-52 0,-35 106-16,-18-18 15,-18 36-15,18-1 16,-17 18-16,-1 0 15,0 35 1,1-17-16,-1 17 0,1-17 16</inkml:trace>
-  <inkml:trace contextRef="#ctx0" brushRef="#br0" timeOffset="24503.1617">10407 7567 0,'0'0'15,"35"-35"-15,1 17 0,-1 1 16,0-19-16,18 19 0,0-19 16,70-52-1,-52 53-15,-1 0 16,-17-1-16,53-17 0,-70 36 15,-1 17-15,-18 35 16,-17 0-16,0 54 16,0-37-16,0-16 15,0 17-15,36 35 16,-36-35-16</inkml:trace>
-  <inkml:trace contextRef="#ctx0" brushRef="#br0" timeOffset="29458.0656">12594 11095 0,'-17'0'15,"34"0"-15,-34 18 0,-19 34 16,19-16-16,-19 34 15,36-17-15,0 18 16,18-36-16,17 18 16,-17-35-16,0-18 15,17 17-15,-18-17 0,36-17 16,-17-1-16,-1-17 16,-35 17-16,18 0 15,-1 18-15,1 0 16,-18 18-16,35 35 15,-17-18 1,35 0-16,-36-17 16,36 0-16,-17-18 15,34-36-15,-52 19 16,17-18 0,-35 17-16,0-17 15,-18 17-15,1 0 0,-36-17 16,18 17-16,-1-17 15,19 35-15,17-17 16,17-1-16</inkml:trace>
-  <inkml:trace contextRef="#ctx0" brushRef="#br0" timeOffset="29660.4235">13476 11183 0,'18'0'0,"-1"0"16,19-18-16,-19 18 0,1-17 15,35-1 1,-35 18-16,-1 0 0,1 0 16,-18 18-1,0-1-15</inkml:trace>
-  <inkml:trace contextRef="#ctx0" brushRef="#br0" timeOffset="29774.5728">13617 11342 0,'0'0'16,"53"0"-16,-35 0 0,35-18 16,-36 1-16,19 17 0</inkml:trace>
-  <inkml:trace contextRef="#ctx0" brushRef="#br0" timeOffset="30008.902">14252 10901 0,'0'0'0,"18"0"0,17-18 16,0 1-16,-17 17 16,35-18-1,0 0 1,-35 1-16</inkml:trace>
-  <inkml:trace contextRef="#ctx0" brushRef="#br0" timeOffset="30319.7762">14235 10883 0,'0'0'15,"0"35"-15,0-17 0,0 17 16,0-17 0,0 17-16,0-17 0,17 17 15,1-35-15,17 36 16,0-19-16,1 1 15,34 17 1,-34-17-16,-1 17 0,0-17 16,-17 17-16,-1 0 0,-17-17 15,0 17-15,0 0 0,-53 18 16,18-35-16,-53 17 16,35-17-16,0-18 15,-35-18 1,35 18-16,35-17 0,-35-19 15,36 36-15</inkml:trace>
-  <inkml:trace contextRef="#ctx0" brushRef="#br0" timeOffset="33956.9407">9066 7161 0,'18'0'62,"0"0"-46,-1 0 0,1 18-16,17-18 15,1 0-15,-1 0 16,18 0-16,-18 0 0,88 0 15,-70 0-15,18 0 16,88 18 0,-71-18-16,88 0 15,-70 0-15,0 0 0,123 0 16,-105-18-16,-18 18 16,140 0-1,-122 0-15,141 18 0,-124-18 16,-18 0-16,18 0 15,124 0-15,17 0 16,-141 0-16,141 0 16,-141 0-16,142 0 15,-142 0-15,141 0 16,-158 0-16,140 17 16,-140-17-1,123 18-15,-142-18 16,125 0-16,-125 0 15,90 0-15,-107 0 16,70 0 0,-87 18-16,52-18 15,-70 0-15,18 0 16,-36 0-16,-17 0 0,17-18 16,-17 18-16,-1 0 15,-17-18 1,0 1-16,0-1 15,0 0-15,-17 1 0,17-1 16,-18-52-16,1 34 16,-1 1-16,0-53 15,18 35-15,-17 0 0,-1 0 16,18-70 0,0 70-16,18-88 15,-1 70-15,1 0 0,0 1 16,34-54-1,-16-17-15,-19 88 16,1-35-16,-18 35 16,18 18-16,-18 0 15,17 17-15,-17-17 0,0-18 16,0 18-16,18-1 16,-18 19-16,-18-1 15,1 18-15,-19-18 16,1 18-16,-18 18 15,18-18-15,-18 0 16,18 0-16,-18 18 0,-53-18 16,35 0-16,-70 0 15,71 0-15,-107 0 16,89 0 0,-124-18-16,107 18 15,-125-18-15,107 18 16,-124-17-16,123 17 15,-140-18 1,123 18-16,-124-17 16,124-1-16,-159 0 15,159 18-15,-159 0 16,141-17-16,1 17 0,-142 17 16,141-17-1,0 0-15,18 0 0,-18 0 16,-123 18-16,141 0 15,-123-18-15,140 0 16,-105 0-16,123 0 16,0-18-16,-88 18 15,124-18-15,-1 18 16,18 0-16,0-17 0,18 17 16,0 0-16,-18-18 15,35 18-15,0 0 16,1 0-16,-1 18 31,18-1-31,0 1 16,-18 0-1,18-1-15,0 1 16,0-1-16,0 1 0,-17 35 16,17-35-16,0-1 15,0 19 1,0-19-16,0 18 0,0-17 15,0 35-15,0-35 16,0 35-16,0-18 0,0 35 16,0-17-16,-18 106 15,1-88-15,-1 105 16,18-105-16,-18-1 16,18 1-16,0-1 0,0 1 15,-17 52-15,17-87 16,0 69-16,-18-52 15,18-17-15,0 52 16,0 18 0,-18-71-16,18 0 0,0 36 15,0-54-15,0 1 16,0 0-16,0-1 0,18-17 62,17 0-46,1 18-16</inkml:trace>
-  <inkml:trace contextRef="#ctx0" brushRef="#br0" timeOffset="47921.3889">17727 4286 0,'0'18'141,"0"0"-126,0-1-15,18 1 16,-18-1-16,17 19 16,-17-19-1,0 19-15,0-19 0,18 19 16,-18 16-16,0-16 16,0 34-16,0-34 15,0 34-15,18-17 16,-18-18-16,0 18 15,17 53-15,1-71 16,0 71-16,-1-53 16,18 71-16,-35-71 15,36 88-15,-36-71 16,35 89-16,-17-71 16,-1-17-16,1 17 0,0 0 15,17 0-15,-17 0 0,-1 124 16,18-106-1,1 123-15,-36-105 16,17-1-16,1 1 0,0-1 16,-18 1-16,35 140 15,-35-123-15,18 159 16,-1-159-16,-17 159 16,18-141-16,-18-18 15,0 18-15,17 0 16,-17-1-16,18 1 0,-18 159 15,18-160-15,-18 160 16,17-159-16,1 158 16,-18-158-16,0 141 15,18-142-15,-18 142 16,0-141-16,0 141 16,0-141-16,-18 140 15,18-157 1,0 140-16,0-141 15,-18 123-15,18-140 16,-17 105 0,17-141-16,0 18 0,-18-35 0,18 70 15,0-88 1,0 0-16,0-18 0,18 18 16,-18-35-16,0-36 15,0-17 1</inkml:trace>
-  <inkml:trace contextRef="#ctx0" brushRef="#br0" timeOffset="49182.3258">20267 5697 0,'0'0'0,"18"0"16,52 0 0,-17 0-16,71 0 15,-54 0-15,71 0 16,-70 0-16,52-17 16,-70-1-16,35 0 15,-70 1-15,0-1 16,-18 1-1</inkml:trace>
-  <inkml:trace contextRef="#ctx0" brushRef="#br0" timeOffset="49411.4647">20902 5733 0,'-18'88'16,"36"-176"-16,-18 282 0,18-141 16,-1 0-16,36 35 15,-17-35-15,16 35 16,-34-53-16,0 0 0,-18 54 15,0-54 1,-53 35-16,18-52 16,-36 17-16,36-35 15,-18 18-15,18-18 0,-18 0 16,-36 0-16,54-18 16,18 18-16,17-17 15,0-1 1</inkml:trace>
-  <inkml:trace contextRef="#ctx0" brushRef="#br0" timeOffset="49700.233">21625 5715 0,'-35'18'16,"70"-36"-16,-88 71 16,18 17-16,35-17 15,0 0-15,-18 88 16,1-70-16,17 0 16,0-1-16,0 1 0,17-1 15,1-17-15,0 0 0,35 18 16,-36-36-16,54 0 15,-36-17-15,-17-18 16</inkml:trace>
-  <inkml:trace contextRef="#ctx0" brushRef="#br0" timeOffset="50118.2811">21978 6279 0,'-18'36'16,"18"-19"-16,0 1 0,-17 35 16,17-35-1,17 34-15,-17-34 16,18 0-16,0-18 16,-1 0-16,1 0 15,0 0-15,-1-18 0,1 18 16,-18-18-16,18 1 15,-1 17-15,1-18 16,-1 18-16,1 0 0,0 0 0,-1 0 16,1 0-16,0 18 0,35-18 15,-36 17 1,18-17-16,-17 0 16,17 0-16,-35-17 15,18-1-15,-18-17 16,-18-18-16,1 35 15,-19-35-15,19 36 16,-1-1 0,18 1-16,18 34 15,-1-17 1</inkml:trace>
-  <inkml:trace contextRef="#ctx0" brushRef="#br0" timeOffset="50378.6022">22842 6315 0,'0'0'16,"18"0"-16,-18 17 15,0 1-15,-18 35 16,1-18 0,-19 0-16,19-17 15,-1 0-15,18-1 16</inkml:trace>
-  <inkml:trace contextRef="#ctx0" brushRef="#br0" timeOffset="50835.8835">23213 5644 0,'0'0'0,"0"18"0,17 0 16,-17 17-16,0 18 0,18 0 15,-18 0-15,0 0 0,18 70 16,-18-70-16,-18 18 16,18-36-16,0 18 15,-18-53-15,18 17 16,18-34-16,17-1 15,1 18-15,34-17 16,-17 17-16,0 35 16,-18-18-1,-17 1-15,-18 0 0,0 17 16,-53-35 0,18 18-16,-36-18 15,18-18-15,0 18 16,36-18-1,34 18 1,19-17-16</inkml:trace>
-  <inkml:trace contextRef="#ctx0" brushRef="#br0" timeOffset="51196.6193">23618 5468 0,'0'-18'15,"0"36"-15,18-36 16,17 36-16,1 0 16,-1 17-16,18 18 15,-18 0-15,36 106 16,-54-71-16,19 88 0,-36-88 16,0 1-16,0 87 15,-18-106-15,-53 54 16,36-89-16,-18 18 15,0-18-15,0 1 16</inkml:trace>
-  <inkml:trace contextRef="#ctx0" brushRef="#br0" timeOffset="55974.3878">22013 5821 0,'0'-18'0,"0"36"63,0-1-47,0 1-16,0 53 15,-17-36-15,17 0 16,-18 71-16,18-71 15,-18 18-15,18-17 16,0-1-16,0 18 16,0-36-16,0 1 0</inkml:trace>
-  <inkml:trace contextRef="#ctx0" brushRef="#br0" timeOffset="56520.2245">22331 5927 0,'0'-36'16,"-18"36"15,36 0-16,-18 36 1,0-19-16,0 19 0,0-19 16,0 54-1,0-54-15,0 54 16,0-53-16,0 17 16,0-17-16,17-1 0</inkml:trace>
-  <inkml:trace contextRef="#ctx0" brushRef="#br0" timeOffset="63427.2751">22190 7126 0,'0'18'16,"0"-1"-1,17 36 1,-17 0-16,18 71 16,-18-54-1,0 18-15,0 1 0,0-1 16,0-18-16,18 54 16,-18-89-16,17-17 15,-17-1-15,0 1 0,0-36 16,0-17-16</inkml:trace>
-  <inkml:trace contextRef="#ctx0" brushRef="#br0" timeOffset="63742.4729">21960 7391 0,'0'-18'16,"18"0"0,0 1-16,-1-1 15,19-17-15,-19 17 0,19-35 16,-19 18-16,1 17 16,17-35-16,-35 36 15,18 17-15,-18 17 31,0 19-31,17-19 16,1 19-16,0-19 0,35 19 16,-18-19-16,-18 1 15,19 0-15,-19-18 0</inkml:trace>
-  <inkml:trace contextRef="#ctx0" brushRef="#br0" timeOffset="64192.1772">23213 7232 0,'0'18'0,"0"-1"16,0 36-1,0-18-15,0 54 16,0-36-16,-18 35 16,18-35-16,18 35 15,-18-71-15,0 36 16,17-35-16,-17 0 15</inkml:trace>
-  <inkml:trace contextRef="#ctx0" brushRef="#br0" timeOffset="64543.5455">23072 7426 0,'17'-35'16,"1"17"-16,0-35 16,-1 36-16,1-36 15,0 35-15,-1-17 16,-17 17-16,0 0 15,18 36 17,-1 17-32,-17-17 15,18 17-15,0-17 16,17 17 0,-17-35-16,-1 18 0,1-1 15,17 1-15</inkml:trace>
-</inkml:ink>
-</file>
-
-<file path=ppt/ink/ink2.xml><?xml version="1.0" encoding="utf-8"?>
-<inkml:ink xmlns:inkml="http://www.w3.org/2003/InkML">
-  <inkml:definitions>
-    <inkml:context xml:id="ctx0">
-      <inkml:inkSource xml:id="inkSrc0">
-        <inkml:traceFormat>
-          <inkml:channel name="X" type="integer" max="1920" units="cm"/>
-          <inkml:channel name="Y" type="integer" max="1080" units="cm"/>
-          <inkml:channel name="T" type="integer" max="2.14748E9" units="dev"/>
-        </inkml:traceFormat>
-        <inkml:channelProperties>
-          <inkml:channelProperty channel="X" name="resolution" value="65.52901" units="1/cm"/>
-          <inkml:channelProperty channel="Y" name="resolution" value="65.45454" units="1/cm"/>
-          <inkml:channelProperty channel="T" name="resolution" value="1" units="1/dev"/>
-        </inkml:channelProperties>
-      </inkml:inkSource>
-      <inkml:timestamp xml:id="ts0" timeString="2017-07-25T02:24:36.736"/>
-    </inkml:context>
-    <inkml:brush xml:id="br0">
-      <inkml:brushProperty name="width" value="0.05292" units="cm"/>
-      <inkml:brushProperty name="height" value="0.05292" units="cm"/>
-      <inkml:brushProperty name="color" value="#0070C0"/>
-    </inkml:brush>
-    <inkml:brush xml:id="br1">
-      <inkml:brushProperty name="width" value="0.05292" units="cm"/>
-      <inkml:brushProperty name="height" value="0.05292" units="cm"/>
-      <inkml:brushProperty name="color" value="#FF0000"/>
-    </inkml:brush>
-    <inkml:brush xml:id="br2">
-      <inkml:brushProperty name="width" value="0.05292" units="cm"/>
-      <inkml:brushProperty name="height" value="0.05292" units="cm"/>
-      <inkml:brushProperty name="color" value="#7030A0"/>
-    </inkml:brush>
-  </inkml:definitions>
-  <inkml:trace contextRef="#ctx0" brushRef="#br0">10689 12259 0,'0'-18'62,"35"18"-46,-17 0-1,17 0-15,-17-17 0,17 17 16,18 0-16,-18 0 16,18 35-16,-17-17 15,-19-1-15,1 1 0,0 35 16,-18-35 0,0 17-16,-18 0 0,18 18 15,-18-18-15,-35 53 16,36-35-16,-1 0 0,0 0 15,-17 35 1,35-35-16,-17 0 0,17 0 16,0 0-16,0 0 0,0 0 15,0-18-15,0 0 0,0 1 16,0-1-16,17-17 0,-17 17 16,0 0-1,18-35-15,-1 18 16,-17-1-16,18-17 15,0 0-15,-1 0 16,-17 18-16,0 0 16,0 17-1,-17-17 1,-1-1-16,18 1 0,-18 17 16,1 18-16,-1-18 15,18 54-15,0-54 16,18 53-16,-18-35 15,17 53-15,1-36 16,0 72 0,-18-72-16,0 18 0,17-17 15,-17-1-15,18 1 0,-18-18 16,18 53-16,-18-71 16,0 53-16,-18-53 15,-17 18 1,17-35-16,-17 0 15,0 17-15,-36-17 0,36-1 16,-36 1-16,36-18 16,-36 0-16</inkml:trace>
-  <inkml:trace contextRef="#ctx0" brushRef="#br0" timeOffset="10923.2619">23901 13000 0,'-36'0'16,"19"0"-1,-1 0-15,53 0 63,36 0-47,-18 0-16,0 0 0,17 0 15,19 0-15,105 0 16,-89 0-16,142 0 15,-123 0-15,158-18 16,-141 18-16,124 0 16,-159-17-16,88 17 15,-141 0-15,17 0 16,-52 0-16,-1 0 16,-34 0-16</inkml:trace>
-  <inkml:trace contextRef="#ctx0" brushRef="#br0" timeOffset="11952.0386">17780 13088 0,'18'0'16,"-1"0"-1,54-18-15,-36 18 16,18-17-16,-18 17 16,36 0-16,-18-18 0,106 1 15,-71 17-15,0 0 16,106 0-16,-88 0 16,17 0-16,1 0 15,17 0-15,18 0 0,140 17 16,-157-17-16,157 18 15,-157-1-15,34-17 16,141 18-16,-140-18 16,-18 0-16,-1 0 0,1-18 15,-18 1-15,106-1 16,-159 1-16,1 17 0,-19-18 16,-17 18-16,0 0 0,-18 0 15,-35 18 1,-35-18-1</inkml:trace>
-  <inkml:trace contextRef="#ctx0" brushRef="#br0" timeOffset="13558.6132">23954 13600 0,'17'0'32,"1"0"-32,0 0 15,34 0-15,-16-18 16,-19 18-16,54 0 15,-36-18-15,0 18 0,36-17 16,-36 17 0,1 0-16,34-18 15,-52 18-15,17 0 16,-17 0-16,-1 0 16,-34 0-1</inkml:trace>
-  <inkml:trace contextRef="#ctx0" brushRef="#br0" timeOffset="14036.6711">24236 13370 0,'0'0'15,"17"0"-15,-34 0 32,-18 18-17,-1-18-15,-34 18 16,34-1-16,19 1 16,-18-18-16,-1 17 0,-17 19 15,36-36-15,-19 35 16,19-17-16,-1-18 15,18 17-15,0 1 16,18 0-16,17-1 16,0 1-16,18 17 15,-17-17-15,34 17 16,-35-35-16,-17 18 16,17-1-16</inkml:trace>
-  <inkml:trace contextRef="#ctx0" brushRef="#br0" timeOffset="17263.2125">19773 15134 0,'0'-17'15,"-17"17"32,17-18-31,17 18 0,1 0-16,-1 0 15,1 0 1,0 0-16,-1 0 15,1 0-15,0 0 0,-1 0 16,1 0-16,17 0 16,-17 0-16,35 0 15,-18 0-15,0 0 16,1 0-16,34-18 16,-35 18-16,1 0 0,-1 0 15,18 0-15,-18 0 16,0-17-16,-17 17 0,17 0 15,1 0-15,52 0 16,-53 0-16,0 0 16,1 0-16,34 0 15,-17 0-15,0 0 0,0 0 16,-18 0-16,18 0 0,0-18 16,0 18-16,18 0 15,-18-18-15,-18 18 16,18 0-16,-18 0 15,0 0-15,18 0 16,-18 18-16,-17-18 0,35 0 16,-35 18-16,17-18 15,18 0 1,-18 0-16,-17 0 0,17 0 16,0 0-16,36 0 15,-36 0-15,0 0 0,-17 0 16,53 0-1,-36 0-15,0 0 0,0 0 0,1-18 16,-1 18-16,36 0 16,-36 0-16,0 0 15,-17 0-15,17 0 0,18 18 16,-18-18-16,-17 0 16,52 0-16,-52 0 15,53 0 1,-36 0-16,18 0 15,-18 0-15,18 0 16,-35 0-16,-1 0 0,36 0 16,0 0-1,-35 0-15,17 0 16,18 17-16,-35-17 16,17 0-16,-17 0 0,17 0 15,-18 0-15,36 0 16,-17 0-16,-1 0 0,0 0 15,18 0-15,18 0 16,-18 0-16,-1 0 16,1 0-16,0 0 0,36 0 15,-54 0-15,18 0 16,-18 0-16,18 0 0,-18 0 16,0 0-16,54 0 15,-36 0-15,-18 18 16,53-18-16,-53 0 15,1 0-15,-1 0 0,0 18 16,0-18-16,1 0 0,-1 0 16,-17 0-1,-18-18 1</inkml:trace>
-  <inkml:trace contextRef="#ctx0" brushRef="#br0" timeOffset="19135.2458">25418 14728 0,'17'0'0,"36"-17"16,-18-1-16,71 1 15,-53-1-15,71-17 16,-54 35-16,-17-18 15,-18 18-15,1 0 0,17 0 16,-36 0-16,1 0 16,-36 0-1</inkml:trace>
-  <inkml:trace contextRef="#ctx0" brushRef="#br0" timeOffset="19425.0064">25576 14570 0,'-53'17'16,"106"-34"-16,-123 52 0,35-17 0,17-1 15,0-17-15,18 18 16,18 0-16,0-1 16,17 1-1,-18-1-15,1-17 16,35 36-16,-35-19 16,-1 1-1</inkml:trace>
-  <inkml:trace contextRef="#ctx0" brushRef="#br0" timeOffset="21377.4788">15752 13141 0,'17'0'93,"36"0"-77,-18 0-16,1 0 0,-1 0 16,18 0-16,53-18 15,-53 18-15,70 0 16,-52-17-16,-1 17 16,1 0-16,-18 0 0,17 0 15,89 0-15,-88-18 16,17 18-16,-18 0 0,1-18 15,-18 18-15,17-17 16,-52 17-16,0 0 0</inkml:trace>
-  <inkml:trace contextRef="#ctx0" brushRef="#br0" timeOffset="40958.5337">26547 13212 0,'0'-18'0,"17"0"15,18 18-15,18-35 16,0 35-16,-17-18 16,-1 18-16,53 0 15,-53 0-15,18 36 16,-35-19-16,0 19 16,-18-19-16,0 1 15,-18-1-15,0 19 16,-17-19-16,-36 36 15,54-35-15,-36 17 16,53 0-16,-18 1 16,18-1-16,18 0 15,-1-17-15,-17 0 16,36 17 0,-1-17-16,-17-1 0,35-17 15,-36 18-15,1-18 16,-36 0 15,-17 0-15,17 17-16,-17 36 15,17 0-15,1-17 0,-1 52 16,18-35-16,0 35 16,0-53-16,18 18 15,-1 53 1,-17-53-16,36 53 15,-36-53-15,35 52 16,-17-52-16,-1 0 0,1-18 16,-18 18-16,-35 18 15,-1-36-15,-52 18 16,53-35-16,-18-1 16,-53 19-16,53-19 15,18-17-15,0 0 16,-1 0-16,19 0 0,-1-17 15</inkml:trace>
-  <inkml:trace contextRef="#ctx0" brushRef="#br0" timeOffset="122998.2724">1870 9119 0,'0'18'31,"0"17"1,0-17-32,0 35 15,0-36-15,17 72 16,-17-54-16,0 0 0,18 18 16,-18 18-1,0-36-15,0 0 0,18 0 16,-18 1-16,0-1 15,0-17-15,17-1 0,-17 1 0,0 17 16,18-17-16,0-18 16,-1 18-1,1-18 1,-1 0-16,19 0 16,-19 0-16,1 0 15,35 17 1,-35-17-16,17 0 15,0 18-15,0-18 0,1 0 0,34 0 16,-17 0 0,-18 0-16,89-18 15,-71 18-15,70-17 16,-52-1-16,-1 18 16,-17 0-16,18-18 0,70 18 15,-70-17-15,-1 17 0,71 0 16,-88 0-1,18 0-15,52 0 16,-70 17-16,71-17 16,-72 0-16,1 18 0,0-18 15,0 18-15,0-18 0,0 0 16,53 17 0,-53 1-16,0-18 0,0 0 15,70 17-15,-70-17 16,0 0-16,0 0 0,53 18 15,-53-18 1,0 0-16,-1 0 0,1 0 16,18 0-16,35 18 15,-36-18-15,54 0 16,-54 0-16,36 0 16,18 0-1,-54 0-15,-17 0 0,71 17 16,-71-17-16,70 0 15,-70 0-15,17-17 16,54 17-16,-54 0 16,-17 0-16,71 0 15,-54 0-15,-17 0 16,18 0-16,-18 0 0,17 0 16,-17 0-16,0 0 0,18 0 15,-18 0-15,17 0 0,36 0 16,-35 0-16,34 0 15,-52 0-15,71 0 16,-71 0 0,0 17-16,17-17 15,-17 0-15,0 0 0,71 0 16,-72 0-16,54 0 16,-53 0-16,0 0 0,53 0 15,-35 0 1,-19 0-16,72 18 15,-71-18-15,0 0 0,17 0 16,-17 0-16,0 18 0,53-18 16,-35 0-16,34 0 15,-34 17-15,35-17 16,-36 0 0,-17 0-16,18 0 0,35 0 15,-36 0-15,-17 18 16,18-18-16,-1 0 15,-17 0-15,71 0 16,-54 0-16,54 0 16,-54 0-16,54 0 15,-54 0-15,-17-18 0,18 18 16,-18 0-16,70 0 16,-70 0-16,70-17 15,-70 17-15,18 0 16,-18 0-16,53 0 15,-53 0-15,52 0 16,-34 0-16,-36 0 16,18 0-16,0-18 0,0 18 0,35 0 15,-35 0-15,35 0 16,-35 0 0,53 0-1,-53 0-15,0 0 0,0 0 0,0 0 16,53 0-1,-54-18-15,1 18 0,-17 0 0,17 0 16,52 0 0,-52 0-16,0 0 15,0-17-15,0 17 0,35 0 16,-35 0-16,53 0 16,-53 0-16,0 0 15,0 0-15,35 0 16,-35 0-16,35-18 15,-35 18-15,0 0 0,-18 0 16,18 0-16,0 0 0,35-18 16,-53 18-16,54-17 15,-54 17 1,18 0-16,-18-18 0,53 18 16,-52 0-16,52 0 15,-53 0-15,18 0 16,-18-17-16,18 17 15,-18 0-15,54 0 16,-36 0-16,35 0 16,-35 17-16,35-17 15,-53 0-15,71 0 16,-53 18-16,-18-18 0,71 0 16,-53 17-1,0-17-15,0 18 0,0-18 16,0 0-16,52 18 15,-52-18-15,71 17 16,-71 1-16,0-18 0,17 18 16,-17-18-16,18 0 0,-18 17 15,88-17 1,-88 18-16,17-18 0,71 0 16,-70 18-16,-18-18 15,17 17-15,1-17 16,-1 0-16,-17 18 0,71-18 15,-54 17-15,54 1 16,-54-18-16,-17 0 16,18 18-16,-18-18 15,17 17-15,1-17 0,52 18 16,-70-18-16,88 18 16,-88-18-16,18 0 15,-1 17-15,54-17 16,-54 18-16,54-18 15,-71 0-15,17 18 0,54-18 16,-54 0-16,54 17 16,-71-17-16,88 0 15,-88 18 1,17-18-16,1 0 0,52 0 16,-52 0-16,70 0 15,-88 0 1,18 0-16,70 0 15,-71 0-15,89 0 16,-88-18-16,70 18 16,-71 0-16,71 0 15,-17-17 1,-54 17-16,1 0 0,-18-18 16,88 18-16,-88-18 15,17 18-15,1-17 0,0 17 16,-19 0-16,90-18 15,-90 18-15,72-18 16,-71 18-16,0 0 0,0 0 16,0-17-16,-18 17 15,71 0-15,-71 0 16,53 0-16,-35 0 16,18-18-16,-18 18 15,-18 0-15,0 0 0,0 0 16,36-18-1,-36 18-15,18 0 16,-35 0-16,17-17 16,-17 17-16,-1 0 15,1 0-15,0 0 32,-18-18-1,0 1 0,17 17 0,1 0 1,0 0 46,-1 0-31,-34 0 31</inkml:trace>
-  <inkml:trace contextRef="#ctx0" brushRef="#br0" timeOffset="125616.1268">22825 10089 0,'17'-17'16,"1"17"-16,0-18 15,-1 18-15,1-17 16,0 17 0,-18-18-16,17 18 15,1-18 1,-18 1-16,0-1 16,17 0-16,-17 1 15,0-1-15,0 0 0,0 1 0,-17-54 16,-1 36-16,18 17 15,-17-17-15,17 0 0,-18-53 16,18 17 0,-18 36-16,1-53 15,17 52-15,-18 1 16,0-18-16,18 35 16,-17-34-16,-1 16 15,0 19-15,18-1 16,0-17-1,0 17-15,0 0 0,-17 1 16,-1 17 31,1 0-16,-1 17-15,0-17-16,-17 18 15,0-18-15,-36 18 16,18-18-16,-35 0 16,-18 0-1,36 0-15,-1 0 0,-70 0 16,70 0-16,-105 0 16,88 0-16,-106 0 15,88 0-15,-88 0 16,88 0-16,-88 0 15,106 0 1,-106 0-16,88 0 16,-194 0-1,194 0-15,1 0 0,16 0 16,-17 0-16,1 0 0,-89 0 16,88-18-1,0 18-15,18 0 0,-124 0 16,106 0-16,0 0 15,1 0-15,16 0 0,-16 0 16,16 0-16,-16 0 0,-72-18 16,71 18-16,-70-17 15,70 17 1,18 0-16,0 0 0,0-18 16,-18 18-16,-71 0 15,89-18-15,-106 18 16,106 0-16,0 0 0,-18-17 15,18 17-15,-1 0 16,-122 0-16,123 0 16,-124 0-1,106 0-15,0 0 0,0 0 0,-88 0 16,89 17 0,16-17-16,1 0 0,-18 0 0,-70 0 15,88 0 1,-18 0-16,18 18 0,-18-18 15,-88 0-15,106 18 16,-1-18-16,1 0 0,0 0 16,-88 17-1,88-17-15,-1 0 0,1 0 16,0 18-16,-106-18 16,106 0-16,0 0 0,-1 0 15,19 0-15,-18 0 0,-89 0 16,89 0-1,0 0-15,-18 0 0,-70 0 16,87-18-16,-87 18 16,88 0-16,0-17 15,-1 17-15,1 0 0,18-18 16,-107 0 0,89 18-16,-88-17 15,105 17-15,-105-18 16,-1 18-16,89-17 15,0 17-15,-88 0 16,87 0-16,-87-18 16,88 18-16,0 0 15,-89 0-15,-17 0 16,88 0-16,18 0 16,-18 0-16,-88 0 15,88 0-15,-105 0 16,105 0-16,18 0 0,-18 0 15,0 0-15,0 18 16,-88-18-16,88 0 16,1-18-16,-1 18 0,0 0 15,-88 0 1,88 0-16,18 0 0,-18 0 16,0-18-16,-88 18 15,88-17-15,0 17 0,-105 0 16,105 0-16,0 0 15,-106 0-15,124 0 16,-18 0-16,-17 0 0,17 0 16,-106 0-1,124 17-15,-18-17 0,1 0 16,-1 18-16,-88-18 16,106 0-16,-1 18 0,1-18 15,0 0-15,-71 0 16,71 0-16,17 0 0,-87 0 15,87 0 1,-88 0-16,89 0 16,-1 0-16,-52-18 15,52 18-15,18-18 0,-70 1 16,70 17 0,0-18-16,0 18 15,0-18-15,0 18 0,-53-17 16,54 17-16,-54 0 15,53 0-15,-53 0 16,53 0-16,18 0 16,-18 0-16,0 0 0,18 0 15,-54 17-15,54-17 16,0 0-16,0 0 0,17 0 16,-17 18-16,-1-18 15,19 0-15,-1 0 16,1 18-16,17-1 15,17 1 1,1 0 0,-1-1-1,1 1 1,0-18 0,-18 17-16,0 1 0,17-18 15,1 35-15,0-17 16,-1 0-1,-17-1-15,18 1 16,0 0 0</inkml:trace>
-  <inkml:trace contextRef="#ctx0" brushRef="#br0" timeOffset="149447.9996">14605 758 0,'0'18'31,"35"0"-15,-17-1-16,17 19 16,-17-19-16,17 1 15,-17 17-15,17-17 0,18 35 16,-18-36-16,18 36 16,-53-35-1,18 17-15,-18-17 16</inkml:trace>
-  <inkml:trace contextRef="#ctx0" brushRef="#br0" timeOffset="149669.2721">14940 811 0,'0'-17'16,"0"34"-16,-17-34 15,-19 34-15,19 19 16,-36 17-16,17-18 16,-17 35-16,18-34 15,18-19-15,-19 19 0,19-1 16,17-17-16,0-1 16</inkml:trace>
-  <inkml:trace contextRef="#ctx0" brushRef="#br0" timeOffset="149973.8635">15293 670 0,'0'0'16,"18"0"-16,-1 0 16,1 0-1,-1 0-15,1 0 0,35 0 16,-35 0-16,-1 0 15,1 0-15,0 0 16</inkml:trace>
-  <inkml:trace contextRef="#ctx0" brushRef="#br0" timeOffset="150164.3925">15311 741 0,'0'53'15,"0"-106"-15,0 141 0,0-53 0,0 18 16,0-17-16,0-1 16,0-18-16,0 1 0,17 0 15,1 17 1,-1-17-16,1-1 0,0-17 16,-1 0-16</inkml:trace>
-  <inkml:trace contextRef="#ctx0" brushRef="#br0" timeOffset="150458.013">15628 900 0,'0'0'0,"-18"0"0,18 17 15,-17 19 1,17-19-16,35 18 15,-17-17-15,17 0 0,18-1 16,-35-17-16,34 0 16,-16 0-16,-19-17 15,1-1-15,-18 0 0,0 1 16,-18-18 0,1 17-16,-36-17 15,18 17-15,-18 18 16,35 0-16,-17 0 15</inkml:trace>
-  <inkml:trace contextRef="#ctx0" brushRef="#br0" timeOffset="150843.1971">15910 723 0,'36'-17'16,"-72"34"-16,89-34 0,-35 17 0,35 0 15,-36 0 1,36 0-16,-35 0 16,0 17-16,-1 1 15,-17-1-15,0 36 16,0-17-16,0 52 15,18-53-15,-18 18 16,0-18-16,18 1 16,-18-19-16,0 1 15,-18-18-15,0 0 16,1 0-16,-1-18 16,0 18-16,1-17 15,-1 17-15,18-18 16,-18 18-16,1 0 15,-1 0-15</inkml:trace>
-  <inkml:trace contextRef="#ctx0" brushRef="#br0" timeOffset="152319.2236">16439 794 0,'18'-18'15,"0"18"-15,17-18 16,-17 18-16,-1-17 16,1 17-16,17-18 0,-17 18 15,-1 0-15,1 0 16</inkml:trace>
-  <inkml:trace contextRef="#ctx0" brushRef="#br0" timeOffset="152544.6288">16492 776 0,'0'35'0,"-17"-17"16,17 35-1,0-18-15,-18 36 16,18-36-16,0 36 16,18-54-16,-1 1 0,1 0 15,17-18 1,-17 0-16,0 0 0,34 0 16,-52-18-16</inkml:trace>
-  <inkml:trace contextRef="#ctx0" brushRef="#br0" timeOffset="152833.8687">16739 935 0,'-17'0'0,"17"18"16,0-1-16,17 18 15,1-17-15,35 0 16,-35-18-16,34 0 16,-34 0-16,17-18 15,-17 0 1,-18 1-16,0-1 16,-18 1-16,1-1 0,-19 0 15,19 1-15,-18 17 16,17-18-16,0 18 15</inkml:trace>
-  <inkml:trace contextRef="#ctx0" brushRef="#br0" timeOffset="153206.0157">16969 794 0,'0'-18'16,"17"18"-16,1 0 15,0 0-15,-1-18 0,18 18 16,-17 0-16,17 0 0,18-17 16,-35 17-16,0 0 15,-18 17-15,17 19 16,-34 17-1,17-36-15,0 36 16,0-17-16,17-1 16,-17-18-16,0 1 15,18 17-15,-18-17 0,17 0 16,-17-1-16,-17-17 31,-18-17-15,17 17-16,0 0 15</inkml:trace>
-  <inkml:trace contextRef="#ctx0" brushRef="#br0" timeOffset="182932.0014">15258 2099 0,'0'18'16,"-18"35"-1,0-18-15,18 35 16,0-17 0,0-17-16,18-1 0,17 18 15,-17-36-15,0 1 16,-1-18-16,18-18 0,-17 1 15,35-36-15,-35 35 16,-18-17-16,17 0 16,-17 17-16,-17 36 31,17-1-31,17 54 16,1-36-16,17 18 15,-17-35-15,17-18 0,0 17 16,18-17-1,-35-17-15,35-19 16,-18 19-16,-17-54 16,-18 36-16,-18-53 15,1 53-15,-36-54 16,17 54-16,19 0 16,-1 17-16,0 18 15,1 0-15,-1 18 0</inkml:trace>
-  <inkml:trace contextRef="#ctx0" brushRef="#br0" timeOffset="185001.0572">16245 2134 0,'18'0'31,"17"18"-15,1-18-16,17 0 16,52 0-16,-34 0 15,-18 0-15,17 0 0,54-18 16,-71 18-1,35-17-15,-53 17 16,-17 0-16,17-18 16,-35 0-16,0 1 15</inkml:trace>
-  <inkml:trace contextRef="#ctx0" brushRef="#br0" timeOffset="185221.5515">16845 1940 0,'35'0'0,"18"18"16,36-18 0,-54 0-16,35 18 15,-34-1-15,-19 1 16,-17-1 0,0 19-16,-17-19 0,-36 36 15,35-35-15,-52 17 16,52-35-16,-17 18 15,52-18 1</inkml:trace>
-  <inkml:trace contextRef="#ctx0" brushRef="#br0" timeOffset="185717.0968">17745 1923 0,'0'17'15,"-18"-17"-15,0 71 16,18-36-16,-17 36 15,17-36-15,17 18 16,-17-35-16,18-1 16,0 1-16,-1-1 0,19-17 15,-19 0-15,19-17 16,-36-1-16,35 1 16,-35-1-1,17 18-15,1 0 16,0 18-1,-1-18-15,1 17 16,0-17-16,-1 0 16,1 0-16,0-17 0,-1 17 15,1-18-15,-18 0 0,0-17 16,0 17-16,-18-35 16,1 36-16,-1-1 15,0 0-15,1 1 16,17-1-16</inkml:trace>
-  <inkml:trace contextRef="#ctx0" brushRef="#br0" timeOffset="186073.1899">18168 1746 0,'0'0'0,"18"-17"16,-1 17-16,1 0 15,0 0-15,-1 0 0,1 0 16,0 17-1,-18 36 1,-18-35-16,0 17 16,1-17-16,17-1 0,-18 1 15,18 0 1,18-18-16,17 17 16,-17-17-16,-1 0 15,1 0-15,17 0 16</inkml:trace>
-  <inkml:trace contextRef="#ctx0" brushRef="#br0" timeOffset="187424.8848">17480 1693 0,'-17'18'31,"17"53"-16,0-19 1,-18 72 0,0-54-16,18-17 0,0 18 15,-17-18-15,17 0 0,17 17 16,-17-52-16,18 35 16,0-53-16</inkml:trace>
-  <inkml:trace contextRef="#ctx0" brushRef="#br0" timeOffset="187935.7477">17498 1499 0,'35'0'16,"-70"0"-16,88 0 0,35-17 16,-35 17-16,106-18 15,-71 18-15,71 0 16,-89 0-16,1 18 16,-1-1-16,36 1 15,-71 0-15,36 17 16,-36-17-16,-17-1 0,-1 1 15,1-1-15,0 1 16,-18 0-16,0 35 16,0-18-16,-18 35 15,18-34-15,0-1 16,18 71-16,-1-53 16,1 35-16,0-53 15,-1 36-15,-17-36 16,0-17-16,-35 52 15,-36-17 1,36-35-16,-88-1 16,52-17-16,1 0 15,-1 0-15,-17 0 16,0 0-16,-1 0 0,-52 0 16,71-17-16,-1-1 15,54 1-15</inkml:trace>
-  <inkml:trace contextRef="#ctx0" brushRef="#br0" timeOffset="188670.3827">17604 864 0,'17'0'31,"54"18"-31,-36 0 16,18-1-16,18 1 15,52 35-15,-35-36 16,89 54-16,-89-36 16,123 18-16,-122-18 15,17 1-15,52 34 16,-87-34-16,35-1 15,-71-18-15,18 19 16,-18-36 0,-17 17-16,-36-34 31,0 17-31,18-18 16,0 0-16,-17 18 0</inkml:trace>
-  <inkml:trace contextRef="#ctx0" brushRef="#br0" timeOffset="188937.4533">19121 1217 0,'17'0'16,"1"18"-1,17-18-15,0 17 16,1 1-16,-19 0 15,36 35-15,-53-36 16,18 1-16,-18 17 16,0-17-16,-18-1 0,1-17 15,-1 36 1,0-36-16,1 0 0,-1 0 16</inkml:trace>
-  <inkml:trace contextRef="#ctx0" brushRef="#br0" timeOffset="189336.9029">18768 2064 0,'0'0'0,"17"-18"31,19 0-15,-19 1-1,19-1-15,-1 1 0,35-36 16,-17 35-16,36-35 16,-54 35-16,35-34 15,-34 34 1,-19 0-16,1 1 0,-18-1 15,0 0-15</inkml:trace>
-  <inkml:trace contextRef="#ctx0" brushRef="#br0" timeOffset="189570.6049">19191 1640 0,'53'0'0,"-18"-17"16,-17 17-16,35 0 15,-18 0-15,0 0 16,-17 0-16,17 17 0,-17 1 16,-18 0-16,18-1 0,-18 1 15,-18 35-15,0-35 16,-17 34-16,17-34 16,1 0-16,-1-18 15</inkml:trace>
-  <inkml:trace contextRef="#ctx0" brushRef="#br0" timeOffset="191746.3518">19897 1411 0,'17'0'15,"1"0"1,0 18-16,17-1 0,-17 1 16,17 17-16,0-17 0,36 35 15,-54-35-15,36 17 16,-35-18-1,17 1-15,-35-36 32</inkml:trace>
-  <inkml:trace contextRef="#ctx0" brushRef="#br0" timeOffset="191921.9847">20214 1446 0,'0'0'16,"-35"36"-16,-18 17 16,35-36-16,-35 36 15,36-18-15,-18 1 16,35-19-16,17 1 16</inkml:trace>
-  <inkml:trace contextRef="#ctx0" brushRef="#br0" timeOffset="192213.3066">20443 1288 0,'18'-18'0,"0"18"15,-18-18-15,53 18 16,-18 0-16,18 0 16,-35 0-16,-1 0 15,1 0-15,17 0 16,-53 0-1</inkml:trace>
-  <inkml:trace contextRef="#ctx0" brushRef="#br0" timeOffset="192391.0568">20549 1305 0,'0'71'15,"0"-142"-15,0 177 0,0-35 16,18-36-16,-18 18 15,18-18-15,-18-17 0,17 17 16,-17-17 0,18-1-16,0 1 15,-1-18 1</inkml:trace>
-  <inkml:trace contextRef="#ctx0" brushRef="#br0" timeOffset="192700.9614">20832 1499 0,'0'0'15,"0"-17"-15,-18 17 16,18 17 0,0 19-1,18-19-15,-18 1 16,35 0-16,-18-18 15,19 17-15,-19-17 16,1 0-16,0-17 0,-1 17 16,1-18-16,-18 0 15,0-17-15,-18 17 16,1-17 0,-1 17-16,0 1 0,1 17 15,-1-18-15</inkml:trace>
-  <inkml:trace contextRef="#ctx0" brushRef="#br0" timeOffset="193136.0825">21131 1305 0,'18'-17'16,"0"17"0,-1 0-16,19 0 15,-19 0-15,1 0 16,-18 17-1,18 1-15,-18 17 16,0-17-16,0 17 16,0 0-16,0 1 0,17 17 15,-17-18-15,18-17 16,-18 17-16,0-18 0,17 36 16,-34-53 15,-18-17-16,17-1-15,-17-17 16,17 17-16,18-17 16,-18 35-16,36-18 15</inkml:trace>
-  <inkml:trace contextRef="#ctx0" brushRef="#br0" timeOffset="194192.0601">21519 1376 0,'0'0'0,"0"-18"0,18 18 62,0 0-46,-1 0-16,1 0 16,0 0-16,-1-17 15,1 17-15</inkml:trace>
-  <inkml:trace contextRef="#ctx0" brushRef="#br0" timeOffset="194348.1648">21519 1429 0,'0'53'16,"0"-106"-16,0 141 0,0-53 16,0 18-16,18-35 15,0-1-15,-18 1 16,17 0-16,19-1 15,-19-17-15,1 0 0,17 0 16</inkml:trace>
-  <inkml:trace contextRef="#ctx0" brushRef="#br0" timeOffset="194603.3524">21713 1535 0,'0'17'16,"0"-34"-16,0 52 0,0-17 0,0-1 0,18 1 16,17-1-1,-17-17-15,0 0 0,-1 0 16,1-17-16,-18-1 31,-18-17-31,18 0 16,-17 17-16,17 0 0,0 1 15,-18-1-15,18-17 16,-18 17-16</inkml:trace>
-  <inkml:trace contextRef="#ctx0" brushRef="#br0" timeOffset="194937.0001">21819 1358 0,'18'0'15,"-36"0"-15,54 0 0,-19-17 0,19-1 16,-19 18 0,18-18-1,-17 18-15,0 18 0,-18 0 16,0-1-16,0 18 16,0 36-16,0-36 15,0 1 1,17-1-16,-17 18 0,0-36 0,18 19 15,-18-19-15,18 1 0,-18 0 16,-18-18 15,0-18-15,1 0-16,-1 18 0,0-17 16,1 17-16</inkml:trace>
-  <inkml:trace contextRef="#ctx0" brushRef="#br0" timeOffset="195553.9069">22172 1429 0,'18'0'16,"17"17"-16,-17-17 15,-1 0-15,19 0 0,16 0 16,-34 0-16,0-17 16,17 17-1</inkml:trace>
-  <inkml:trace contextRef="#ctx0" brushRef="#br0" timeOffset="195744.421">22401 1358 0,'-17'0'16,"-1"18"0,0-1-16,1 1 15,-36 17-15,35 1 16,1-1-16,-1-35 15,0 18 1</inkml:trace>
-  <inkml:trace contextRef="#ctx0" brushRef="#br0" timeOffset="195921.6449">22190 1323 0,'17'0'16,"-34"0"-16,34 18 0,1-1 16,-18 1-16,0-1 15,0 19-15,18 17 16,-1-36-16,1 36 16,0-35-16,-1 0 0</inkml:trace>
-  <inkml:trace contextRef="#ctx0" brushRef="#br0" timeOffset="196300.5225">22472 1446 0,'-18'18'0,"18"0"16,0-1-16,-17 19 15,34-19-15,1 19 16,0-19-16,17 1 15,-17-18-15,-1 0 16,1 0-16,-1 0 16,-17-18-1,18 18 17,0 0-17,-1 0-15,-17-17 47,0-1-31,-17 0-1,17 1-15,-18-1 16,18 0-16,0 1 16</inkml:trace>
-  <inkml:trace contextRef="#ctx0" brushRef="#br0" timeOffset="196639.128">22701 1182 0,'18'0'16,"0"17"-1,-1-17-15,1 0 0,17 18 16,-35 0 0,18-18-16,-18 35 15,0-17-15,-36 17 16,19-17-16,17-1 0,-18 1 15,36-1 1,-1-17 0,1 0-16,35 0 15,-35-17-15</inkml:trace>
-  <inkml:trace contextRef="#ctx0" brushRef="#br0" timeOffset="197213.5838">19544 1041 0,'18'17'16,"-1"19"-1,-17-1-15,35 88 16,-35-34-16,18-1 16,35 106-16,-35-106 15,35 35 1,-36-70-16,18 0 15,-17-35-15</inkml:trace>
-  <inkml:trace contextRef="#ctx0" brushRef="#br0" timeOffset="198018.283">19650 1005 0,'35'0'0,"53"0"16,-35 0-16,106-17 15,-71 17-15,106-35 16,-70 17-16,-1 0 16,142 1-16,-124-1 15,123 18 1,-123 18-16,-17-18 15,-1 0-15,1 17 0,105 1 16,-123-18-16,17 0 16,-17 0-16,88 18 0,-105-18 15,52 0 1,-88-18-16,-1 18 16,-16 0-16,-19 0 0,1 0 15,53 0-15,-54 18 16,18-18-16,1 0 15,-19 0-15,36 17 16,-35 1-16,0-18 0,17 0 16,0 0-1,-35 17-15,18-17 16,-18 18-16,17-18 0,1 18 16,-18-1-16,18 19 15,-18-19 1,17 36-16,-17-35 15,0 17-15,0-17 16,0 17-16,0 0 0,18 18 16,-18-18-16,0 1 0,35 52 15,-35-53-15,18 53 16,-18-35-16,0 18 16,0-36-16,0 18 15,0-18-15,-18 1 16,18-19-16,-35-17 15,17 18-15,-17-18 16,0 0 0,-36 18-16,18-18 15,-105 0-15,52 17 16,-176-17-16,105 0 16,-52-17-16,0 17 15,-18 0-15,-265 17 16,265 1-16,-176 17 15,246 0-15,-105 1 16,159-36-16,34 0 16,37 17-16,-1-17 0,35 18 15,36-18-15,-1 18 16</inkml:trace>
-  <inkml:trace contextRef="#ctx0" brushRef="#br0" timeOffset="199932.752">23566 1482 0,'-18'-18'0,"0"18"15,36 18 16,35-1-15,-18 1-16,71 17 16,17-17-1,-70 0-15,36-1 16,-54-17-16,18 18 16,-36-18-16,1 0 15,-36 0-15</inkml:trace>
-  <inkml:trace contextRef="#ctx0" brushRef="#br0" timeOffset="200142.4532">24024 1464 0,'53'0'0,"-106"0"0,124 0 16,-36 0-16,0 18 16,1-18-16,-19 17 0,18 1 0,-17 0 15,17 35-15,-35-36 16,-17 36-1,-19-18-15,-34 18 16,17-35-16,18 0 0,-53 17 16,70-18-1</inkml:trace>
-  <inkml:trace contextRef="#ctx0" brushRef="#br0" timeOffset="201027.9117">26300 1676 0,'17'-18'0,"1"18"16,0-18-16,-1 18 0</inkml:trace>
-  <inkml:trace contextRef="#ctx0" brushRef="#br0" timeOffset="201182.687">26917 1764 0,'0'0'15,"18"-35"-15,17 35 0</inkml:trace>
-  <inkml:trace contextRef="#ctx0" brushRef="#br0" timeOffset="201327.1598">27340 1729 0,'53'-18'16,"-106"36"-16,124-36 0</inkml:trace>
-  <inkml:trace contextRef="#ctx0" brushRef="#br0" timeOffset="201476.9095">27764 1729 0,'0'0'16,"17"0"-16</inkml:trace>
-  <inkml:trace contextRef="#ctx0" brushRef="#br0" timeOffset="201627.0753">28063 1746 0,'0'0'15,"36"0"-15,-54 18 32</inkml:trace>
-  <inkml:trace contextRef="#ctx0" brushRef="#br0" timeOffset="202673.3006">29898 1552 0,'18'0'15,"17"0"-15,0-17 16,36 17-16,70 0 16,-71 0-16,89-18 15,-106 18-15,53 18 16,-71-18-16,18 0 16</inkml:trace>
-  <inkml:trace contextRef="#ctx0" brushRef="#br0" timeOffset="202917.866">30498 1341 0,'0'0'15,"35"0"-15,0 0 0,53 17 16,-52-17 0,87 35-16,-70-17 15,35 17-15,-52-17 16,-19 35-1,-17-18-15,-35 1 0,17-1 16,-17-18-16,-18 19 0,18-19 16,0 1-16,-36 17 15,36-35-15,-36 18 16,53-18-16,1 0 16,-1 0-16,1 0 0</inkml:trace>
-  <inkml:trace contextRef="#ctx0" brushRef="#br0" timeOffset="207856.935">4833 10037 0,'-18'0'16,"18"17"-1,18-17 1,35-17 15,-18 17-31,1 0 16,-19 0-16,18-18 0,18 18 16,-35 18-16,0-18 15,35 0-15,-18 17 16,0-17-1,0 0-15,18 0 16,-35 0-16,17 18 16,1-18-16,-19 17 0,1-17 15,-1 0-15,36 18 16,-35 0-16,35-18 16,-35 0-16,17 0 15,-18 0-15,19 17 0,17-17 16,-18 0-16,0 0 15,53 0 1,-52 0-16,17 0 0,52-17 16,-52 17-16,0 0 15,53-18-15,-53 18 16,0 0-16,0-18 0,53 18 16,-36-17-16,36-1 15,-53 18 1,0 0-16,0-17 0,0 17 0,17 0 15,-17 0 1,-18 0-16,18-18 16,-17 18-16,-1 0 0,0 0 0,18 0 15,18-18 1,-36 18-16,0 0 0,1 0 16,-1 0-16,-18 0 0,19 0 15,-19 18-15,19-18 0,17 0 16,-18 18-16,-18-18 15,36 0 1,-17 0-16,-19 0 0,19 0 16,-19 0-16,1 0 15,0 0-15,-1 0 0,1 17 16,-1-17 0,1 18-16,0-18 15,-1 0 1,1 0-16,0 0 15,-1 0 1,-17 17 15,18-17 1,0 0 14,-1 0 1,-17-17-31,18 17 0,-1 0-1,-17-18 1,18 18-16,0 0 15,-1-17-15,1 17 16,0 0 0,-1 0-16,1 0 15,0 0-15,-1 0 16,1 0-16,-18-18 16,17 18-16,1 0 15,0 0-15,-18-18 0,17 18 16,1 0-16,0-17 15,-1 17 1,1 0 0,0 0-1,-1 0 1,1 0 0,0 0-1,-1 0-15,18 0 16,-17 0-1,17 0 1,-17 0-16,0 0 16,-1 0-16,1 0 15,0 17-15,-1-17 16,1 0 0,-1 18-1,1-18 1,0 0-1,-1 0 32,1 0-31,0 0 0,-1 0 15,1 0-31,0 18 15,-1-18-15,1 0 16,-1 0 0,1 0-1,0 0-15,17 0 16,-17 0-16,-1-18 16,1 18-1,0 0-15,-1 0 16,1 18-1,0-18-15,-1 0 16,1 0 0,-1 0 15,1 0 0,0 0-15,-1 0-16,19 0 15,-1 0-15,18-18 16,-36 18-16,54 0 16,-53 0-16,17 0 15,-17 0-15,17 0 0,18-18 16,-18 18-16,18 0 16,-18-17-16,-17 17 15,17 0-15,18 0 16,-18 0-16,-17 0 15,0 0-15,17 0 0,18 0 16,-36 17-16,36-17 16,-17 0-16,-19 0 15,36-17-15,-18 17 16,1 0-16,-1 0 16,-17 0-16,17 0 0,0 0 15,1 0 1,-19 0-16,18 0 0,-17 0 15,17 0-15,-17 0 0,35-18 16,-18 18-16,-17 0 16,17 0-16,-17 0 0,-1 0 15,36 0 1,-35 0-16,0 0 0,17 0 16,-18 0-16,36 0 15,-35 0-15,0 0 0,17 0 16,-17 0-16,17 0 15,0 0-15,-17 0 16,17 0-16,-17 0 16,-1 0-16,19 0 0,-19 0 15,19 0-15,-19 0 16,1 18 0,-1-18-16,1 17 0,0-17 15,-1 0 1,1 18-1,0-18-15,-1 0 16,1 0-16,17 0 16,-17 0-16,-1 0 15,1 0-15,0 0 16,-1 0-16,1 18 16,0-18-16,-1 0 15,19 0 1,-19 0-16,1 0 15,0-18-15,-1 18 0,1 0 16,-1 0 0,1 0-1,0 0-15,-1 0 16,1 0-16,0 0 16,-1 0-1,1 0 1,0 0-1,-1-18 1,1 18 0,-18-17 15,17 17-31,1 0 47,0 0-16,-1 0-15,1 0-1,0 0 1,-1 0-16,1 0 16,0 0-1,-1 0-15,1 0 16,-1 0-1,1 0-15,17 0 16,-17 0-16,0 0 16,-1 0-16,1 0 0,35 0 15,-35 0 1,17 17 0,-18-17-16,1 0 15,17 18 1,-17-18-16,17 0 15,-17 18-15,0-18 16,-1 0-16,1 0 0,-1 0 16,1 0-16,17 17 15,-17-17-15,17 0 16,-17 0-16,0 0 0,-1 0 0,36 18 16,-35-18-1,17 0-15,-17 0 0,17 0 16,18 0-16,-35 0 15,17 0-15,-18 0 0,19 0 16,17 0 0,-18 0-16,0-18 0,-17 18 15,17 0-15,18 0 16,-18 0-16,-17 0 0,17-17 16,0 17-16,18 0 15,-17-18-15,-1 18 0,0 0 16,-17 0-16,52-18 15,-34 18-15,17 0 16,-18-17-16,-17 17 16,52 0-16,-52 0 15,-1-18-15,36 18 16,-35 0-16,17 0 0,0 0 16,-17 0-1,35 0-15,-35 0 16,35 0-16,-36 0 15,1 0-15,0 0 16,-1 0-16,18-18 0,1 18 16,-19 0-16,36 0 15,-35 0-15,0 0 16,17 0-16,0 0 16,0 0-16,-17 0 0,17 18 15,-17-18-15,17 0 16,-17 0-16,17 0 0,18 0 15,-35 0-15,-1 0 16,36 0-16,-35 0 16,17 18-16,0-18 15,-17 0-15,17 0 16,1 0-16,-19 0 0,1 17 16,0-17-1,-1 0-15,1 18 0,-1-18 16,1 18-1,0-18-15,-1 0 0,1 0 16,17 0 0,-17 0-16,17 0 15,-17 0-15,-1 0 16,19 17 0,-19-17-16,36 0 15,-35 0-15,0 0 16,-1 0-16,36-17 15,-18 17-15,1 0 16,-19 0-16,19 0 16,17 0-16,-36 0 15,54 0-15,-36 0 16,18-18 0,-18 18-16,0 0 0,-17 0 15,53 0-15,-54 0 16,19 0-16,-19-18 0,36 18 15,-18 0 1,-17 18-16,17-18 0,1 0 16,-19 0-16,36 0 15,-18 0-15,-17 0 0,17 0 16,1 0-16,17 0 16,-36 0-16,18 0 0,-17 0 15,53 0 1,-54 0-16,19 0 0,17 18 15,-18-18-15,0 0 16,36 0-16,-36 0 16,0 0-16,36 0 15,-36 0-15,0 0 16,1 0-16,-1 0 0,0 0 16,36 0-16,-36 0 15,0 0-15,1 0 0,-1 0 16,18 0-16,-36 0 15,1 17-15,0-17 0,-18 18 16</inkml:trace>
-  <inkml:trace contextRef="#ctx0" brushRef="#br0" timeOffset="210436.0233">31168 1164 0,'-18'-17'16,"36"17"-1,0 0 1,-18-18 0,0 0-1,17 36 142,-17 0-142,0-1-15,0 36 16,0-18-1,0 1-15,0 52 16,0-35-16,0 35 16,0-53-16,18 18 0,-18-18 15,17 36 1,-17-53-16,18-1 0,-18 36 16</inkml:trace>
-  <inkml:trace contextRef="#ctx0" brushRef="#br0" timeOffset="211165.3754">31044 1005 0,'0'-17'15,"0"34"-15,18-34 0,35 17 16,-18 0-16,71-18 16,-35 18-1,87 0-15,-52 0 16,-18 0-16,36 0 0,-18 0 15,105 18 1,-122-18-16,52 17 16,-88-17-16,0 18 15,-1 0-15,1-18 0,53 35 16,-53-17-16,35-1 16,-52 1-16,69 0 15,-52-1-15,18 1 16,-36-18-16,0 17 15,-17-17-15,17 18 16,-17-18-16,0 18 16,-1-1-1,-17 19-15,18-36 16,-18 53 0,0-18-16,-18 53 15,18-35-15,-17 53 16,17-71-16,0 89 15,0-72-15,0-16 16,17 70-16,-17-54 16,36 37-16,-19-54 15,-17 0-15,18-17 16,-18 17-16,0-17 0,0-1 16,-18 1-16,-17 17 15,0-35-15,-1 0 0,-17 18 16,1-18-16,-19-18 0,-17 18 15,-106-35-15,70 17 16,-17 1-16,-141-36 16,0 0-1,141 35-15,17 1 0,-87-1 16,140 0-16,18 1 16</inkml:trace>
-  <inkml:trace contextRef="#ctx0" brushRef="#br0" timeOffset="211799.8516">31750 1393 0,'0'0'15,"-35"0"-15,-1 0 0,19 18 16,-18 0-16,17 17 16,0 18-16,18-18 15,18 1-15,0-19 0,34 54 16,-16-54-16,17 19 16,-18-36-16,35 17 15,-52-34 1,0 17-16,17-18 15,-17 18-15,-1-35 16,-17 17-16,-17 18 16,-1 18-1,18 17 1,0-17-16,0 17 16,35 18-16,-17-53 15,0 17-15,17-17 0,-17 18 16,34-36-16,-34 18 15,0-52 1,-18 34-16,-18-35 16,0 18-16,-17-18 15,0 35-15,17 1 16,1 17-16,-19 0 0,19 0 16,17 17-16,0 1 15</inkml:trace>
-  <inkml:trace contextRef="#ctx0" brushRef="#br0" timeOffset="212110.8916">32367 1640 0,'-35'-35'16,"70"70"-16,-88-70 0,36 35 0,-1 18 31,36-1-31,-18 19 16,17-1-16,1 0 15,0-17-15,-1 0 0,1-1 16,0 1-16,-18-1 16,-18 1-16,-17-18 15,17 0 1,-35 0-16,36 0 15,-1-18-15,18 1 16,0-1 0</inkml:trace>
-  <inkml:trace contextRef="#ctx0" brushRef="#br0" timeOffset="212294.0883">32508 1764 0,'36'-18'15,"-72"36"-15,89-36 16,18 18-16,-53-17 16,17 17-16,0 0 15,-17 0-15,-1-18 0,1 18 16,-18-18-16,0 1 16,-18-1-16</inkml:trace>
-  <inkml:trace contextRef="#ctx0" brushRef="#br0" timeOffset="212478.9214">32614 1570 0,'0'0'15,"0"70"-15,-17-34 0,17 34 16,-18-34-16,36 16 16,-1-34-16,1 0 15,35 17-15,-35-17 16,17-1-1,-18-17-15,1 0 16</inkml:trace>
-  <inkml:trace contextRef="#ctx0" brushRef="#br0" timeOffset="215975.4268">28258 2893 0,'35'0'16,"-18"17"-16,36 36 16,18 0-16,-36-35 15,53 52-15,-70-52 16,35 0-16,-35-1 15,-1-17-15</inkml:trace>
-  <inkml:trace contextRef="#ctx0" brushRef="#br0" timeOffset="216159.6046">28610 2858 0,'-35'35'0,"17"-18"16,-52 36-16,35-17 16,-18 34-16,35-52 15,0 17-15,18-17 16,0-1-16,0 1 0,18-18 16</inkml:trace>
-  <inkml:trace contextRef="#ctx0" brushRef="#br0" timeOffset="216442.9938">28840 2681 0,'17'-18'0,"36"1"16,-18 17-16,1-18 16,-1 18-16,-17-17 15,-1 17-15</inkml:trace>
-  <inkml:trace contextRef="#ctx0" brushRef="#br0" timeOffset="216599.1718">28945 2734 0,'0'0'16,"-17"71"-16,17-18 0,17 35 16,-17-53-16,18-17 15,17 35 1,-17-36-16,17 1 0,1-18 15,-19-18-15,1 1 16</inkml:trace>
-  <inkml:trace contextRef="#ctx0" brushRef="#br0" timeOffset="216848.4244">29175 2699 0,'35'35'16,"-17"-35"-16,-1 35 16,1-17-16,-18 17 15,0-17-15,0 0 16,-18 17-16,18-18 0,-17 19 16,-1-19-16,18 1 15,0 0 1,35-1-16,1-17 15,16 0 1,-34-17-16</inkml:trace>
-  <inkml:trace contextRef="#ctx0" brushRef="#br0" timeOffset="217125.6374">29457 2858 0,'-18'35'16,"18"-18"-16,0 36 15,18-35-15,0 0 0,17-18 16,-17 17-16,34-17 16,-16 0-16,-19-17 0,1-1 15,0-17 1,-18 17-16,-18-35 15,0 36-15,1-19 0,-19 19 16,1-1-16,18 18 16,-19 0-1</inkml:trace>
-  <inkml:trace contextRef="#ctx0" brushRef="#br0" timeOffset="217806.178">29157 2628 0,'0'-17'0,"18"17"16,-1-18-1,1 18-15,0 0 16,17-18-16,-17 18 16,-1 18-1,1-18-15,-18 35 16,0-17-16,0 35 16,0-18-16,0 53 15,-18 0 1,18-35-16,0 0 0,18 35 15,-18-52-15,17-19 16,-17 19-16,0-19 0,18 1 16,-36-36-1,1 1 1,-1-1-16,1-35 16,-1 35-1,18 1-15</inkml:trace>
-  <inkml:trace contextRef="#ctx0" brushRef="#br0" timeOffset="218149.3294">29369 2663 0,'0'-17'15,"35"17"1,-17-18-16,-1 18 0,19 0 16</inkml:trace>
-  <inkml:trace contextRef="#ctx0" brushRef="#br0" timeOffset="218343.226">29369 2663 0,'0'71'0,"0"-142"0,0 177 15,-18-88-15,18 53 16,0-36-16,0 35 16,0-34-16,18-1 15,-1-17-15,1-1 16,17-17-16,1 0 15,-1-17-15</inkml:trace>
-  <inkml:trace contextRef="#ctx0" brushRef="#br0" timeOffset="218683.7823">29580 2663 0,'0'0'15,"36"-17"-15,-1 17 0,18 0 16,-35 0-16,17 17 16,-18 1-16,-17 35 15,0-18-15,0 36 16,-17-36 0,17 53-16,0-52 15,0-1-15,0 35 16,0-52-16,0 0 15,0-1-15,-18-17 32,-17-17-17,17-1-15,1-17 16,-1 0-16,0 17 16,36-17-16,0 17 15,-1 0-15</inkml:trace>
-  <inkml:trace contextRef="#ctx0" brushRef="#br0" timeOffset="219077.2228">30163 2752 0,'17'0'16,"18"-18"-1,1 18 1,-1-18-16,36-17 15,-19 17-15,54-34 16,-53 34-16,88-35 16,-70 18-16,-1 17 15,-17-17-15,18 17 0,52-17 16,-87 17-16,52-35 16,-53 18-16,-17 17 15,17-34-15,-35 34 16,-18 0-1</inkml:trace>
-  <inkml:trace contextRef="#ctx0" brushRef="#br0" timeOffset="219279.9112">31168 2187 0,'35'0'16,"-70"0"-16,105 0 0,-52 0 16,53 0-16,-54 0 15,19 18 1,-19 0-16,1-1 15,-18 18-15,-35 18 16,-1-35-16,1 17 0,-36 18 16,54-35-16,-1-1 15,18 1 1,0 0-16</inkml:trace>
-  <inkml:trace contextRef="#ctx0" brushRef="#br0" timeOffset="220088.2826">32879 1746 0,'18'-17'16,"-1"17"-1,18 0-15,-17 0 16,0 0-1,-1 17-15</inkml:trace>
-  <inkml:trace contextRef="#ctx0" brushRef="#br0" timeOffset="220205.8555">32985 1852 0,'35'0'15,"-70"0"-15,88 0 0,-18 0 16,-17 0-16</inkml:trace>
-  <inkml:trace contextRef="#ctx0" brushRef="#br0" timeOffset="220502.8045">31679 2099 0,'18'-18'0,"0"18"31,-1 0-15,1 0 0,0 0-16</inkml:trace>
-  <inkml:trace contextRef="#ctx0" brushRef="#br0" timeOffset="220640.815">32015 2099 0,'17'-18'16,"-34"36"-16,87-36 15,-52 18-15,-1 0 16</inkml:trace>
-  <inkml:trace contextRef="#ctx0" brushRef="#br0" timeOffset="220821.5255">32420 2134 0,'36'0'16,"-72"0"-16,89 0 0,-35 0 0,17 0 15,-35 18 1</inkml:trace>
-  <inkml:trace contextRef="#ctx0" brushRef="#br0" timeOffset="222966.9191">33355 1940 0,'35'0'16,"-17"0"-16,17 0 16,1 0-16,-1-17 15,-17 17-15,-1 0 16,1 0-16,-1 0 15,-17-18 1</inkml:trace>
-  <inkml:trace contextRef="#ctx0" brushRef="#br0" timeOffset="223206.2694">33532 1817 0,'0'0'0,"17"0"0,1 0 15,-18-18-15,17 18 0,1 0 16,0 0-16,17 0 15,-35 18-15,18-18 16,-1 0-16,1 17 0,-18 1 16,18-18-16,-18 18 0,0 35 15,0-36-15,-18 1 16,-17 17-16,17-17 16,0 35-16,1-36 15,-1 1-15,18 0 16,-18-18-1</inkml:trace>
-  <inkml:trace contextRef="#ctx0" brushRef="#br0" timeOffset="242467.1649">16281 2152 0,'0'-18'0,"17"18"47,19 0-32,-1 0 1,35-17-16,-17 17 16,18 0-16,-18 0 0,17 0 15,-17 17-15,53-17 16,-53 18-16,-18-18 0,1 0 16,17 0-1,-36 0-15,-17-18 31,-35 1-31</inkml:trace>
-  <inkml:trace contextRef="#ctx0" brushRef="#br0" timeOffset="242729.5322">16792 1958 0,'18'-18'16,"0"18"-16,17 18 15,0-18 1,-17 18-16,-1-1 0,36 18 16,-17 1-16,-1-1 15,-18-17-15,1-1 16,-18 19 0,-18-19-16,-17 1 0,18 0 15,-19 17-15,1-18 0,-18 1 16,35 0-16,1-18 15,34-18 1</inkml:trace>
-  <inkml:trace contextRef="#ctx0" brushRef="#br0" timeOffset="243225.7042">17604 1005 0,'-36'-17'16,"72"34"-16,-89-34 0,35 17 15,36 0 1,35 17-16,0-17 16,70 18-16,-35 0 15,0-1-15,1 1 0,-1 17 16,0-17-16,106 35 16,-106-36-16,0 19 15,-35-19-15,53 36 16,-71-17-16,1-19 15,-1-17-15,-17 18 0,-1-18 0</inkml:trace>
-  <inkml:trace contextRef="#ctx0" brushRef="#br0" timeOffset="243581.2429">18644 2152 0,'-17'0'16,"34"0"-16,-17-18 0,36 1 15,-1-19-15,35-34 16,-17 52-16,36-52 16,-37 52-16,19-35 15,-36 18-15,18 0 16,-35-1-1</inkml:trace>
-  <inkml:trace contextRef="#ctx0" brushRef="#br0" timeOffset="243775.9583">19068 1658 0,'53'18'15,"-18"-18"-15,0 0 16,-17 17-16,17-17 15,0 0-15,-17 18 0,17 0 16,-17-18-16,0 53 16,-18-36-16,-18 36 15,0-35-15,1 17 16,-1-35-16</inkml:trace>
-  <inkml:trace contextRef="#ctx0" brushRef="#br0" timeOffset="244482.3575">23389 1482 0,'0'0'0,"0"-18"0,18 18 15,70 18 1,-35-18 0,123 17-16,-87-17 15,87 18-15,-88 0 16,-17-18-16,-1 0 0,-17 0 15,18 17 1,-54-17-16,1-17 16</inkml:trace>
-  <inkml:trace contextRef="#ctx0" brushRef="#br0" timeOffset="244686.9455">24095 1358 0,'17'35'15,"1"-17"-15,-18 0 16,18-1-16,17 1 0,-17 0 0,17 17 16,-18 36-1,-17-36-15,0 0 0,-52 18 16,16-18-16,-52 18 16,35-35-16,18-1 15,0 1-15,17 0 0</inkml:trace>
-  <inkml:trace contextRef="#ctx0" brushRef="#br0" timeOffset="245683.7335">30215 2699 0,'-17'0'16,"34"0"15,36-36-31,53 1 15,-18 0-15,-17 0 16,105-36-16,-87 36 16,-1 0-16,70-18 15,-87 35-15,-18-17 16,17 17-16,-52 0 16,0 18-16,-36-17 15,-17 17 1,17 0-16,1 0 15,-1 0-15,0 0 16,1 0-16,17 17 16,17-17-1,1 0 1,0 0-16,-1-17 16,1 17-16,-18-18 15,17 18 32,1 18-31,0-18-1,-18 17 1,17-17-16,-34 18 16,-1-18-16,-35 0 15</inkml:trace>
-  <inkml:trace contextRef="#ctx0" brushRef="#br0" timeOffset="246117.1398">29898 1499 0,'35'0'15,"18"0"1,18 0-16,-1 0 0,107 0 16,-72 0-16,125 0 15,-142 0-15,71-17 16,-106 17-16,-36 0 16,1 17-16,-36-17 15,-35 36-15,18-36 16,0 17-16,0-17 0,-1 18 15,1-18-15,35 18 16</inkml:trace>
-  <inkml:trace contextRef="#ctx0" brushRef="#br0" timeOffset="246445.7577">30409 1305 0,'18'0'0,"-36"0"0,54 0 15,-1 0-15,18 18 0,0 0 16,0-1-16,0 1 0,53 17 16,-71 0-1,-18 18-15,-17-17 16,-35 17-16,18-18 16,-36 0-16,35-17 15,-17-1 1,35 1-16</inkml:trace>
-  <inkml:trace contextRef="#ctx0" brushRef="#br1" timeOffset="256521.8111">30956 1711 0,'18'0'46,"0"0"-30,-18-18 93,-18 18-93,0 18 0,1-18-16,-36 0 15,17 18-15,-69-18 16,34 0-16,-70 17 16,53-17-16,-71 18 15,88-18 1,1 0-16,17 0 0,-18 18 15,54-18-15,-19 17 16,54-17 0,17 0-1,-17 0-15</inkml:trace>
-  <inkml:trace contextRef="#ctx0" brushRef="#br1" timeOffset="256939.4747">30409 1623 0,'-17'0'15,"-18"0"1,-18 0 0,17 0-16,1 0 0,0 17 15,-18-17-15,-35 36 16,52-36-16,1 17 15,17 1-15,36 0 16,0-1-16,52 1 16,-34 0-16,52-1 15,-35 1-15,35-1 16,-35 1-16,0 0 16,-36-18-1,-34 17 1</inkml:trace>
-  <inkml:trace contextRef="#ctx0" brushRef="#br1" timeOffset="257905.7941">24412 1288 0,'-17'17'16,"-1"-34"0,0 17-16,-17 0 15,0 0-15,-1 0 0,-69 17 16,52-34-16,-71 17 15,54 0-15,-54 0 16,54 0-16,-19 0 16,54 0-16,18 0 15,-1 17-15</inkml:trace>
-  <inkml:trace contextRef="#ctx0" brushRef="#br1" timeOffset="258174.669">23848 1164 0,'-88'18'0,"176"-36"0,-212 53 15,18-17-15,54 0 16,-1-1-16,17-17 15,-17 36-15,36-19 16,34 1-16,1 0 16,70-1-16,-35 1 15,71-1-15,-54-17 16,18 0-16,-52 0 16,-1 18-16</inkml:trace>
-  <inkml:trace contextRef="#ctx0" brushRef="#br1" timeOffset="258885.3057">19244 1235 0,'18'0'16,"-18"-18"-16,0 0 31,-36 1-31,19 17 16,-36-35-1,0 17-15,-53-35 16,18 35-16,-71-52 16,53 35-16,-105-36 15,122 53-15,-87-17 16,88 17-16,-36 18 15,71 0-15,18-17 16,53 17 0,-1-18-1,19 18-15,-19-18 0</inkml:trace>
-  <inkml:trace contextRef="#ctx0" brushRef="#br1" timeOffset="259174.9488">18221 600 0,'0'0'0,"-35"17"15,-89 19-15,71-19 16,0 1-16,18 0 15,0-1-15,17 1 0,1-18 16,17 17-16,17 1 16,36 0-16,-18-18 15,18 17-15,36 1 16,-37 0-16,54-1 16,-53 1-16,-18 17 15</inkml:trace>
-  <inkml:trace contextRef="#ctx0" brushRef="#br1" timeOffset="259696.5749">19403 1870 0,'-18'0'16,"1"0"-16,-1 0 15,-17 0-15,-18 35 16,17-17-16,-17-1 0,18 19 16,-71 16-16,71-34 15,-18 17-15,0-17 16,18 0-16,-18 17 16,35-17-16,36-18 31</inkml:trace>
-  <inkml:trace contextRef="#ctx0" brushRef="#br1" timeOffset="259930.6966">18874 2064 0,'-53'17'16,"106"-34"-16,-124 52 0,53-17 15,1-1-15,-1 1 16,18 0-16,18-1 16,-18 1-16,17-18 0,19 0 15,-1 0 1,18 0-16,-35 0 16,-1-18-16,1 1 15,-36 17-15</inkml:trace>
-  <inkml:trace contextRef="#ctx0" brushRef="#br1" timeOffset="260470.8048">17392 2346 0,'0'-18'31,"-18"18"-15,1 0-1,-19 0-15,-34 0 16,17 18-16,-88 0 16,70-18-16,-17 17 0,0-17 15,-89 18 1,19 0-16,87-18 16,18 0-16,18 0 0,0 0 15,17 17-15,36-17 16,35 18-1,-18-18-15,0 0 16</inkml:trace>
-  <inkml:trace contextRef="#ctx0" brushRef="#br1" timeOffset="260755.8161">16581 2205 0,'-53'35'0,"106"-70"0,-159 70 16,70-17-16,-34 17 15,17-17-15,18 17 16,17-17-16,-35 17 16,18 0-16,35-17 15,0-1-15,0 1 0,35 17 16,0-35-16,36 18 15,-18-18-15,17 18 16,-34-1 0,-1 1-16,-17-18 15</inkml:trace>
-  <inkml:trace contextRef="#ctx0" brushRef="#br1" timeOffset="261896.4394">31380 2417 0,'17'0'15,"-34"0"1,-19 35 0,1-35-1,0 17-15,-18 19 0,-53 17 16,35-18-16,-52 35 16,52-34-16,-70 34 15,71-34-15,-18-1 16,52-17-16,1-1 15,17-17-15,1 18 16,-1-18 0,36 0 15</inkml:trace>
-  <inkml:trace contextRef="#ctx0" brushRef="#br1" timeOffset="262182.5544">30621 2681 0,'0'0'0,"-18"0"0,-34 18 16,16-1-1,-17 1-15,-17 35 16,35-18-16,-1 1 0,1-1 15,0 18 1,35-18-16,0-17 0,17-1 16,1 1-16,0 0 0,35-1 15,-18-17-15,-18 0 16,54-17-16,-53 17 16,17-18-16,-17 0 15,-1 18-15</inkml:trace>
-  <inkml:trace contextRef="#ctx0" brushRef="#br0" timeOffset="313441.1257">15311 3334 0,'17'0'47,"18"35"-47,1-17 16,-19 17-16,19-17 0,-1 17 15,53 35-15,-53-52 16,36 35 0,-53-35-16,-1-1 0,1-17 15,0 18-15,-1-18 16</inkml:trace>
-  <inkml:trace contextRef="#ctx0" brushRef="#br0" timeOffset="313619.6268">15663 3369 0,'0'0'0,"-17"18"0,-19-1 15,1 19-15,0-1 0,0 0 16,-1 0-16,19 1 0,-19-1 15,19-17-15,-1 35 16,36-18-16,-1-35 16,1 0-16</inkml:trace>
-  <inkml:trace contextRef="#ctx0" brushRef="#br0" timeOffset="313808.0446">15910 3369 0,'0'0'15,"18"0"-15,0 0 0,-1-18 16,1 18-16,35-17 16,-36 17-16,1-18 15</inkml:trace>
-  <inkml:trace contextRef="#ctx0" brushRef="#br0" timeOffset="313941.5467">16016 3334 0,'-18'35'0,"36"-70"15,-53 105-15,35-52 0,0 53 16,0-54-16,17 1 16,36 35-16,-35-53 15,35 17-15,-35-17 16</inkml:trace>
-  <inkml:trace contextRef="#ctx0" brushRef="#br0" timeOffset="314185.3418">16210 3510 0,'0'18'15,"0"-36"-15,0 53 0,0-17 0,18 0 16,-1-18-16,1 17 15,17-17-15,-17 0 16,17-17-16,-35-1 16,18-17-16,-18 17 15,-18-17-15,1 17 16,-1 1-16,0 17 16,1-18-16,17 0 15,-18 18-15</inkml:trace>
-  <inkml:trace contextRef="#ctx0" brushRef="#br0" timeOffset="314507.9649">16422 3334 0,'17'0'15,"1"-18"-15,0 18 0,17-18 16,0 18-16,1 0 15,-19 0 1,1 36 0,-18-19-16,17 1 0,-17 17 15,0 1-15,0 34 0,18-35 16,-18 36 0,0-53-16,18-1 15,-18 1-15,0 0 0,0-1 16,-18-17-16,0 0 15,1-17 1,-1 17-16,1-18 16,17 0-16,-18 1 15</inkml:trace>
-  <inkml:trace contextRef="#ctx0" brushRef="#br0" timeOffset="314731.1837">16863 3316 0,'17'0'15,"36"0"1,-35 0-16,35-18 15,-35 18-15,-1-17 16</inkml:trace>
-  <inkml:trace contextRef="#ctx0" brushRef="#br0" timeOffset="314864.8286">16951 3316 0,'0'0'16,"-18"53"-16,1-18 0,17 36 15,0-36 1,35 18-16,-17-18 15,17 1-15,-17-36 16,34 17-16,-34-17 16</inkml:trace>
-  <inkml:trace contextRef="#ctx0" brushRef="#br0" timeOffset="315136.7811">17198 3475 0,'-18'35'0,"18"-17"16,0-1-16,0 1 15,18 0-15,17-1 16,0-17-16,-17 0 16,0-17-16,-1-1 15,-17 0 1,-17-17-16,17 18 15,-18-19-15,0 19 16,18-1-16,-17 18 16,17-18-16,0 1 15</inkml:trace>
-  <inkml:trace contextRef="#ctx0" brushRef="#br0" timeOffset="315470.2057">17410 3263 0,'0'0'0,"35"0"15,-17-17-15,17 17 16,-18 0-16,1 0 16,0 17-16,-1 1 15,-17 17 1,18-17-16,-18 17 15,18 0-15,-18-17 0,17 35 16,-17-18-16,18-17 16,-18-1-16,18 1 0,-18 0 15,0-1-15,-18-34 47,-17 17-31,-1 0-16,1 17 15,17 1 1</inkml:trace>
-  <inkml:trace contextRef="#ctx0" brushRef="#br0" timeOffset="318990.0579">15946 4798 0</inkml:trace>
-  <inkml:trace contextRef="#ctx0" brushRef="#br0" timeOffset="319513.2172">15946 4798 0,'0'-18'16,"0"1"15,0-1 16,0 0-31,-18 18 31,18 18-32,0 52 1,0-34-16,0-1 15,0 36-15,0-36 16,18 0-16,-1 36 16,1-54-16,-18 1 15,35 0-15,-17-18 16,17-18-16,-17 0 16,-1-35-16,1 36 15,-18-36 1,18 35-16,-18 36 15,17 17 1,1-17-16,17 35 16,-17-36-16,-1 1 15,19 0-15,17-18 16,-18 0-16,-17 0 0,-1-18 16,1-17-1,-18 17-15,0 0 0,0-17 16,-18 0-16,-17-18 15,0 18-15,17 17 16,-17 0-16,17 1 0,0-1 16,1 0-16,-1 18 0</inkml:trace>
-  <inkml:trace contextRef="#ctx0" brushRef="#br0" timeOffset="320156.6542">16969 4868 0,'0'0'0,"17"0"31,36 18-15,-18-18-16,1 18 15,34-18 1,-17 0-16,18 0 0,-36 0 16,18 0-16,-35-18 15,-1 18-15,1-18 16</inkml:trace>
-  <inkml:trace contextRef="#ctx0" brushRef="#br0" timeOffset="320391.8">17410 4763 0,'17'0'15,"1"17"1,17 1-16,-17-18 0,35 17 16,-18-17-16,18 18 15,-35 0 1,-18-1-16,-18 1 15,-35 17 1,18-17-16,-18 0 16,35-1-16,-17 1 15</inkml:trace>
-  <inkml:trace contextRef="#ctx0" brushRef="#br0" timeOffset="322277.6336">17815 2381 0,'18'0'31,"0"0"-15,34-17-1,-34 17-15,0 0 0,17-18 16,-17 18-16,-1 18 16,-17-1-1,-17 1-15,-1 0 16,0-1-16,1-17 16,17 18-1,17-18 1,1-18-16,0 18 15,17 0-15,0-17 16,1 17-16,-19 0 0,18 0 16,-17 0-16,17 0 15,-35 17 1,18-17-16</inkml:trace>
-  <inkml:trace contextRef="#ctx0" brushRef="#br0" timeOffset="324286.1038">17921 4463 0,'0'17'32,"18"36"-17,-18-35 1,17 70-16,-17-35 15,0 35 1,0-17-16,-17 17 16,17-53-16,0 36 0,0-54 15,17 19 1,1-36-16</inkml:trace>
-  <inkml:trace contextRef="#ctx0" brushRef="#br0" timeOffset="324852.6727">17921 4445 0,'0'0'16,"0"-18"-16,18 18 15,35-17 1,-18 17-16,18-18 16,0 18-16,106 0 15,-89 0-15,106 0 16,-87 0-16,69 0 16,-87 18-16,70 17 15,-88-17-15,35 17 16,-53-17-16,1 17 15,-36-18-15,0 19 16,0-1-16,0 18 16,0-18-16,0 36 15,17-36-15,-17 0 16,18 54-16,-18-54 16,18 0-16,-1 18 15,-17-18-15,0 18 16,-17-18-16,17-17 15,-18 0-15,0-1 0,-17 1 16,-35 17-16,17-35 16,-53 18-1,35-18-15,-87 0 16,52 0-16,17 0 0,1 18 16,-53-18-16,71 17 15,-1-17-15,36 0 16,-18 0-1,35-17-15</inkml:trace>
-  <inkml:trace contextRef="#ctx0" brushRef="#br0" timeOffset="325978.0287">18045 5062 0,'0'18'62,"0"0"-46,-18-1-16,18 1 16,0 0-16,0 17 15,0-18-15,0 1 16,0 0-16,0-1 0,0 1 16,18-18-16,-18 18 0,0-36 31,0 0-16,-18 18 1,18-17-16</inkml:trace>
-  <inkml:trace contextRef="#ctx0" brushRef="#br0" timeOffset="326232.1491">17939 5115 0,'0'18'31,"0"0"-15,0-1-16,0 1 15,0-1-15,35 19 16,-35-19-16,18-17 15,-1 18-15,1-18 0,0 18 16,17-18-16,-17 0 0</inkml:trace>
-  <inkml:trace contextRef="#ctx0" brushRef="#br0" timeOffset="326799.8062">18256 4657 0,'-17'0'15,"17"-18"1,0 36 15,-18-1-15,18 1-16,-18 35 0,18-35 15,-17 52-15,17-35 16,0 36 0,0-36-16,0 0 0,17 18 15,-17-17-15,18-1 16,0-17-16,-1-18 16</inkml:trace>
-  <inkml:trace contextRef="#ctx0" brushRef="#br0" timeOffset="327127.8144">18344 4939 0,'18'0'78,"-18"-18"16</inkml:trace>
-  <inkml:trace contextRef="#ctx0" brushRef="#br0" timeOffset="327420.4896">18468 4692 0,'0'0'16,"18"0"0,-18 18-1,17 35 1,1-36-16,-1 54 15,-17-54-15,18 19 0,-18-1 16,18 0 0,-18 0-16,0-17 0,0 0 15,0-1 1,-18-17-16,0 0 16</inkml:trace>
-  <inkml:trace contextRef="#ctx0" brushRef="#br0" timeOffset="327778.4251">18662 4621 0,'18'0'0,"-1"0"0,1 0 15,0 0 1,17 0-16,-35 18 16,17 17-1,-17-17-15,0 17 16,-17 1-1,17-19-15,0 1 16,17-18 0,1 17-1,0-17-15,17 0 16,-17-17-16</inkml:trace>
-  <inkml:trace contextRef="#ctx0" brushRef="#br0" timeOffset="328689.1098">18203 3387 0,'18'0'16,"0"17"-16,17 1 15,18 0 1,0 17-16,88 0 16,-71 0-16,107 18 15,-89-17-15,124 52 16,-107-35-16,19 0 0,123 35 15,-124-35-15,-17-18 16,-18 0-16,1 1 0,-36-19 16,35 19-1,-53-36-15,-17 0 0,-1 17 16,-34-34 15,-1-1-31,0 18 0,1-18 16</inkml:trace>
-  <inkml:trace contextRef="#ctx0" brushRef="#br0" timeOffset="328946.68">20091 3863 0,'0'0'0,"35"0"16,-17 0-16,17 18 0,53-1 15,-53-17-15,1 18 16,17 17-16,-36-17 16,-17 17-16,-17 0 15,-36 18-15,17-35 16,1 17 0,0 0-16,17-35 0,1 18 15,-1 0 1,0-18-16</inkml:trace>
-  <inkml:trace contextRef="#ctx0" brushRef="#br0" timeOffset="329279.9871">19315 5009 0,'0'0'0,"17"0"31,19 0-31,-1-17 16,0-1-16,53-35 15,-35 36-15,71-54 16,-71 36-16,35-18 16,-53 35-16,18-35 15,-18 36-15,-17-36 16,0 35-16</inkml:trace>
-  <inkml:trace contextRef="#ctx0" brushRef="#br0" timeOffset="329512.4909">19950 4480 0,'17'0'16,"19"0"-16,-19 0 0,54 0 15,-36 0-15,0 0 16,1 0-16,52 18 16,-53-18-16,-17 18 15,-1-1 1,-17 1-16,-35 35 0,17-36 15,-17 19-15,0-36 16,17 17 0,1 1-16,34-18 15</inkml:trace>
-  <inkml:trace contextRef="#ctx0" brushRef="#br0" timeOffset="330835.9496">21026 3881 0,'0'0'16,"0"-36"-16,-18 19 0,0-19 15,1 36-15,-1-17 16,0 17-16,-17 17 0,17 1 15,-17 0-15,0 17 0,0 0 16,17 18-16,-17 0 0,-1 0 16,19 18-16,-1 70 15,18-88-15,0 17 16,71 71-16,17-35 16,-35-53-16,88 0 15,-71-35-15,19-18 16,-19 0-16,1-18 0,-1-17 15,1-1-15,-18-17 16,0 0-16,-18 1 0,0-72 16,-17 71-16,-36-88 15,1 71-15,-19 17 16,-52-53-16,35 53 16,-70-35-1,17 35-15,53 53 0,18 0 16,-18 0-1,35 17-15</inkml:trace>
-  <inkml:trace contextRef="#ctx0" brushRef="#br0" timeOffset="331297.7548">20937 4304 0,'18'0'31,"35"0"-16,-18 0-15,0 0 16,1 0-16,70-18 16,-36 18-16,18-17 15,-70 17-15,17 0 0,-17-18 16,-36 18 0,1 0-1</inkml:trace>
-  <inkml:trace contextRef="#ctx0" brushRef="#br0" timeOffset="331497.9528">21378 4163 0,'0'-18'0,"-17"18"16,-1 18 0,-35 35-16,36-18 15,-19 0-15,1 1 0,0-1 16,17 0-16,-17 0 15,17-17-15,0 17 0,1-17 16,17 0-16,0-36 16</inkml:trace>
-  <inkml:trace contextRef="#ctx0" brushRef="#br0" timeOffset="331691.9097">21061 4110 0,'0'0'16,"17"70"-16,-17-34 0,53 52 15,0 18 1,-17-53-16,-1-18 0,-17 0 16,17 0-16,0 36 15,-35-53-15,0-1 16</inkml:trace>
-  <inkml:trace contextRef="#ctx0" brushRef="#br0" timeOffset="332237.6618">21766 4233 0,'18'0'16,"0"18"-16,35-18 15,0 0 1,70 0-16,-35 18 16,-17-18-16,123 0 15,-106 0-15,53 0 16,-70 0-16,34 0 15,-69 0-15,-1 0 16,-17 0 0,-36-18-16</inkml:trace>
-  <inkml:trace contextRef="#ctx0" brushRef="#br0" timeOffset="332466.8123">22595 4092 0,'36'0'16,"-19"0"-16,19 0 15,-1 0-15,0 18 0,18 0 16,-18 17-16,18-18 16,-35 19-16,17 17 0,-35-18 15,-17 18 1,-1-36-16,-17 1 16,-1 17-16,1-17 0,-18-18 0,18 18 15,17-18-15,-35 17 16,71-34-1</inkml:trace>
-  <inkml:trace contextRef="#ctx0" brushRef="#br0" timeOffset="332866.22">25277 4445 0,'0'-18'15,"17"18"-15,36 0 16,0 0 0,0 0-16</inkml:trace>
-  <inkml:trace contextRef="#ctx0" brushRef="#br0" timeOffset="333010.0985">26194 4533 0,'0'0'0,"17"0"0,1 0 16,17 0-16,-17-17 0,35 17 15</inkml:trace>
-  <inkml:trace contextRef="#ctx0" brushRef="#br0" timeOffset="333150.0082">27005 4551 0,'35'0'15,"-70"0"-15,88 0 0,-35 0 16,-1-18-16,1 18 0</inkml:trace>
-  <inkml:trace contextRef="#ctx0" brushRef="#br0" timeOffset="333288.6413">27623 4604 0,'0'0'15,"17"0"-15,-17-18 16</inkml:trace>
-  <inkml:trace contextRef="#ctx0" brushRef="#br0" timeOffset="334151.2361">29827 4745 0,'36'-18'15,"-1"18"-15,0 0 16,18 0-16,18-17 15,-18 17-15,17 0 0,1-18 16,-18 18-16,0 0 16,-1 0-16,1 0 0,18-18 15,-53 18-15,-1-17 0,1-1 16</inkml:trace>
-  <inkml:trace contextRef="#ctx0" brushRef="#br0" timeOffset="334361.8772">30480 4463 0,'0'0'0,"18"17"16,17-17-16,18 36 16,-18-19-16,0 18 15,-17-17-15,0 17 0,-1 1 16,-17-1 0,-35 18-16,0-35 15,-36 34-15,36-34 16,-18 0-16,18-1 15,-1 1 1</inkml:trace>
-  <inkml:trace contextRef="#ctx0" brushRef="#br0" timeOffset="335223.8159">31450 4410 0,'-17'-36'0,"-1"36"16,0-17-16,1-1 16,-36 18-1,17 0-15,19 0 0,-71 35 16,52-17-16,-34 53 15,34-36-15,-16 53 16,34-53-16,18 71 16,0-53-16,35 53 15,0-53 1,89 53-16,-54-53 16,89 0-16,-71-36 15,89 1-15,-89-36 16,71-17-1,-106-18-15,-18 18 0,0-18 16,-17 0-16,-18-71 16,-18 54-16,-52-71 15,17 88-15,-53-53 16,35 53-16,-52 0 16,70 36-16,-53-1 15,71 18-15,-18 35 16,53-17-16,0 17 15,0 0-15,0-17 16</inkml:trace>
-  <inkml:trace contextRef="#ctx0" brushRef="#br0" timeOffset="335755.9824">31274 4763 0,'-18'0'16,"36"0"-16,-18 0 15,35 0 1,0 0-16,36 0 16,-18 0-16,-18 0 15,0 0-15,1 0 0,34-18 16,-52 18-16,-1 0 15,-17-18 1,-17 18 0,-1 0-16,-17-17 15</inkml:trace>
-  <inkml:trace contextRef="#ctx0" brushRef="#br0" timeOffset="335974.4307">31503 4604 0,'0'-18'0,"-18"36"31,1 35-15,17-18-16,0 36 16,0-36-16,0 0 0,17 0 15,-17 1-15,18 17 16,-18-18-16,18-18 0,-18 1 15,0 0-15</inkml:trace>
-  <inkml:trace contextRef="#ctx0" brushRef="#br0" timeOffset="336576.4997">31062 5168 0,'-18'0'15,"1"0"-15,-54 53 16,18-35-16,0 35 15,-17-18-15,-18 36 0,-89 70 16,71-71 0,-70 54-16,106-71 15,-54 52-15,89-52 16,-36 18-16,54-53 16,-1 17-16,18-18 15,18-17 1,-1-17-1</inkml:trace>
-  <inkml:trace contextRef="#ctx0" brushRef="#br0" timeOffset="336926.2961">30568 5133 0,'0'0'16,"0"-18"-16,18 18 16,-1 0-16,1 0 15,0 0-15,35 18 0,35 0 16,-18-18-16,72 0 16,-72 0-16,1-18 15,-18 18-15,-18-18 16,0 18-16,-17-17 0,-1 17 15,-34 17 1,-54 36-16,36-18 16,-18 1-16,18 17 15,-18 53-15,35-71 16,18 0-16,-17 18 16,17-35-16,0-1 15</inkml:trace>
-  <inkml:trace contextRef="#ctx0" brushRef="#br0" timeOffset="337604.1439">27869 6244 0,'-17'-17'16,"34"34"15,1 18-31,35 18 16,-18-17-16,18 52 15,-18-53 1,-17 0-16,0 1 0,35-1 15,-18-17 1</inkml:trace>
-  <inkml:trace contextRef="#ctx0" brushRef="#br0" timeOffset="337772.3493">28046 6421 0,'0'0'15,"-35"35"-15,-36 53 16,53-53-16,1-17 0,-1 17 16,18 1-16,18-36 15,35 0-15</inkml:trace>
-  <inkml:trace contextRef="#ctx0" brushRef="#br0" timeOffset="337943.7319">28275 6227 0,'35'-18'15,"1"0"1,17 1-16,-18-1 16,35 0-16,-52 18 15,17 0-15</inkml:trace>
-  <inkml:trace contextRef="#ctx0" brushRef="#br0" timeOffset="338087.7711">28416 6227 0,'0'0'15,"-17"70"-15,17-35 0,0 18 16,17-17 0,-17-19-16,18 18 0,17 1 15,-17-1 1,-1-35-16,-17 18 15</inkml:trace>
-  <inkml:trace contextRef="#ctx0" brushRef="#br0" timeOffset="338309.9207">28575 6315 0,'18'0'16,"-18"17"-16,17 1 15,-17 0 1,0 17 0,0-17-16,0 17 15,0-18-15,0 1 0,18 0 16,-18-1 0,53 1-1,-36-18-15,1 0 16</inkml:trace>
-  <inkml:trace contextRef="#ctx0" brushRef="#br0" timeOffset="338655.3283">28769 6209 0,'18'-18'15,"-18"1"-15,35 17 16,-17 0-16,17 0 15,-17 0-15,-1 0 16,18 0-16,-35 17 16,0 1-1,0 0-15,0 17 0,-17 18 16,17-18 0,0-17-16,17 17 0,-17 0 15,36 36-15,-36-54 16,17 1-16,-17 0 0,18-1 15,-36-17 1,1 0 0,-1 0-16,0-17 15,1-1-15,-1 0 16,18 1-16</inkml:trace>
-  <inkml:trace contextRef="#ctx0" brushRef="#br0" timeOffset="338843.8798">29087 6227 0,'17'0'16,"1"-18"-16,17 18 15,-17 0-15,35 0 16,-36 0-16,1 0 15</inkml:trace>
-  <inkml:trace contextRef="#ctx0" brushRef="#br0" timeOffset="338967.5093">29139 6279 0,'18'-17'0,"-36"34"0,18 19 16,0-19-16,0 19 16,0-1-16,0 0 0,18-17 15,-18 17-15,35 18 16,1-18-16,-19-17 15,19-18-15</inkml:trace>
-  <inkml:trace contextRef="#ctx0" brushRef="#br0" timeOffset="339205.8739">29333 6438 0,'0'35'0,"0"-70"0,18 88 15,-18-35-15,18-1 16,-1-17-16,-17 18 0,18-18 16,0 0-1,-1-18 1,-17 1-16,0-19 16,-17 19-16,17-36 15,0 35 1,-18-17-16,18 17 15</inkml:trace>
-  <inkml:trace contextRef="#ctx0" brushRef="#br0" timeOffset="339499.6178">29475 6350 0,'0'0'0,"0"-18"0,17 18 15,1 0-15,0 0 16,-1 0-1,1 0-15,-1 18 0,19-18 16,-1 18-16,-17-1 16,-1-17-16,1 18 0,-18 35 15,0-36-15,0 36 16,0-17-16,0 17 16,0-36-16,0 19 15,-18-36 1,1-18 15,-1 0-31,0 1 16,1-19-1</inkml:trace>
-  <inkml:trace contextRef="#ctx0" brushRef="#br0" timeOffset="340829.0246">32085 4815 0,'18'0'32,"35"-17"-17,-36 17 1,54 0-16,-36 0 16,53-18-16,-70 18 15,17 0-15,-17 0 16</inkml:trace>
-  <inkml:trace contextRef="#ctx0" brushRef="#br0" timeOffset="341058.6362">32385 4710 0,'35'0'0,"-70"0"0,88 17 16,-18-17-16,-17 18 15,-1 0-15,1-1 16,0 36 0,-18-35-16,-18 35 15,0-36-15,-17 19 16,18-19-16,-19 18 16,19-35-16,-1 18 15,-17-18-15</inkml:trace>
-  <inkml:trace contextRef="#ctx0" brushRef="#br0" timeOffset="347465.4891">12947 1640 0,'-18'0'16,"36"0"15,35 0-31,-18 18 16,18-18-16,18 18 0,87-18 15,-69 0-15,-1 0 16,0 0-16,-17-18 16,-1 18-16,-17 0 0,-18 0 15,1-18-15,-1 18 16,-18 0-16,-34-17 15,-1-1-15</inkml:trace>
-  <inkml:trace contextRef="#ctx0" brushRef="#br0" timeOffset="347741.4497">13582 1358 0,'18'0'0,"-1"18"0,19-1 16,-1 1-16,71 0 15,-36-1 1,36 1-16,-35 0 16,17 17-1,-53 0-15,18 1 16,-53-19-16,0 36 16,-18-35-16,-35 17 15,0-17-15,-35 17 16,35-17-16,-17 17 15,52-35-15,1 35 16,17-17 0,17-18-16</inkml:trace>
-  <inkml:trace contextRef="#ctx0" brushRef="#br0" timeOffset="355261.2314">22543 1535 0,'0'-18'16,"17"18"-1,1-18 32,-1 36 141,1 0-188,-18-1 15,18 1-15,-18 0 16,17-1-16,-17 1 16,18-1-16,-18 1 15,18-18-15,-1 0 16,1 0-16,0 0 16,-18-18-1,17 1 1,-17-1-16,0 1 15,-17 17 17</inkml:trace>
-  <inkml:trace contextRef="#ctx0" brushRef="#br0" timeOffset="355850.0112">22754 1588 0,'0'-18'16,"0"0"31,0 1 46,0-1-77,0 0 0,0 1-1</inkml:trace>
-  <inkml:trace contextRef="#ctx0" brushRef="#br0" timeOffset="365359.1585">21096 5027 0,'0'-18'15,"18"18"1,-1 0-1,1-17-15,-18 34 16,-18 1 0,1 17-16,-1 1 0,-17-1 15,-36 53 1,54-35-16,-36 18 16,53-36-16,0 18 15,17-36-15,1 1 16,0 0-16,-1-1 0,36 1 15,-35 0-15,17-1 16,-35 1-16,0 0 16,-35 70-16,0-35 15,-36 52-15,36-52 16,-1 53-16,19-70 16,-1-1-16,18 0 0,0 0 15,18-17 1,17 0-16,-17-18 15,17-18-15,-17 18 16,-1-18-16,1 1 16</inkml:trace>
-  <inkml:trace contextRef="#ctx0" brushRef="#br0" timeOffset="365766.8111">20832 5045 0,'17'-36'15,"18"19"1,1-1 0,-19 18-16,1-17 0,17 17 15,1 0-15,-19 0 16,1 0-16,17 0 16,-17 0-16,-1 0 15,-17 17 16,18 18-15,-18-17-16,18 53 16,-18-54-16,17 19 0,1-19 15,0 1-15,-1-1 0</inkml:trace>
-  <inkml:trace contextRef="#ctx0" brushRef="#br0" timeOffset="367190.866">18838 5627 0,'0'17'31,"0"19"-15,-17-1-16,17-17 16,-18 35-16,18-18 15,0 0 1,0 0-16,18-17 0,-1 17 16,19 1-16,-19-19 15,36 36-15,-35-18 16,17 18-16,-17-17 15,-1 52-15,-17-53 16,18 53 0,-18-52-16,0 16 15,0-16-15,0-19 0,18 19 16,-1-36 0,1-18-1,0 18-15,-18-35 0</inkml:trace>
-  <inkml:trace contextRef="#ctx0" brushRef="#br0" timeOffset="367534.4351">18574 5786 0,'17'0'16,"1"0"-16,0 0 0,35-36 16,-36 1-16,36 17 15,-18-17-15,1 0 16,-1 17-16,0-35 15,-17 53-15,0-17 16,-1 34-16,-17 1 0,18 17 16,-1 36-16,1-18 15,17-18-15,-17 0 16,17 36-16,-17-36 16</inkml:trace>
-  <inkml:trace contextRef="#ctx0" brushRef="#br2" timeOffset="392588.4336">8608 11024 0,'0'0'15,"-18"0"-15,1 18 0,-1-18 0,36 0 110,-1 0-79,1 0-16,-1 0-15,1 18 16,17-18 0,-17 0-16,17 0 0,-17 0 15,17 0-15,18 0 16,-18 0-16,-17 0 16,17 17-16,1-17 0,16 0 15,-16 0-15,-1 0 16,18 0-16,-18 0 15,18 0-15,53 0 16,-53-17-16,88 17 16,-70-18-16,87 18 15,1-18-15,-71 18 16,0 0-16,89-17 16,-89 17-16,88 17 15,-87-17-15,69 18 16,-69-18-16,-1 0 15,0 18-15,88-1 16,-87 1-16,-1-18 0,0 18 16,88-1-1,1-17-15,-89 18 16,0-18-16,106 0 16,18 17-16,-124-17 15,0 0-15,106 18 16,0 0-1,0-1-15,-88-17 16,0 0-16,106 18 16,-107-18-16,125 0 15,-124 0-15,105 0 16,-87 0-16,-18 0 16,17 0-16,-17 0 0,141 0 15,-141-18-15,123 18 16,-123 0-16,123-17 15,-123 17-15,0 0 16,0 0-16,88-18 16,-106 18-16,18-18 15,-18 18-15,0-17 0,88-1 16,-87 18-16,-1-17 16,-18-1-16,1 18 0,70-18 15,-70 18-15,-19 0 16,1-17-16,0 17 15,0 0-15,0 0 0,0-18 0,18 18 16,-18 0 0,-18 0-16,0 0 0,-17 0 15,17 0-15,0 0 16,-17 0-16,0 0 0,17 0 16,-35 18 15,-18-18-16,1 0-15</inkml:trace>
-  <inkml:trace contextRef="#ctx0" brushRef="#br2" timeOffset="397716.0965">26317 10583 0,'0'0'0,"-35"0"15,0-17-15,17-1 0,-35 0 16,35 1-16,1-1 15,17 1-15,17 17 16,54-36 0,0 36-16,17-17 15,18 17-15,-1-18 0,19 18 0,-18 0 16,17-18-16,-17 18 16,0 0-16,-18 0 0,71 0 15,-106 18-15,-18-18 16,-35 18-16,-53-18 15</inkml:trace>
-  <inkml:trace contextRef="#ctx0" brushRef="#br2" timeOffset="398021.4222">26511 10072 0,'-70'53'0,"140"-106"15,-176 123-15,1 1 16,52-36-16,-53 18 16,53-18-16,0 1 15,-18-19-15,36 1 0,-35 35 16,52-35-16,53 17 15,1 0-15,-1-17 16,35 17-16,71 0 16,-52-17-16,69 17 15,-105-17-15,0-1 0,-17 1 16</inkml:trace>
-</inkml:ink>
 </file>
 
 <file path=ppt/notesMasters/notesMaster1.xml><?xml version="1.0" encoding="utf-8"?>
@@ -441,7 +146,7 @@
             <a:spLocks noGrp="1"/>
           </p:cNvSpPr>
           <p:nvPr>
-            <p:ph type="hdr" sz="quarter"/>
+            <p:ph sz="quarter" type="hdr"/>
           </p:nvPr>
         </p:nvSpPr>
         <p:spPr>
@@ -454,7 +159,7 @@
           </a:prstGeom>
         </p:spPr>
         <p:txBody>
-          <a:bodyPr vert="horz" lIns="91440" tIns="45720" rIns="91440" bIns="45720" rtlCol="0"/>
+          <a:bodyPr bIns="45720" lIns="91440" numCol="1" rIns="91440" rtlCol="0" tIns="45720" vert="horz"/>
           <a:lstStyle>
             <a:lvl1pPr algn="l">
               <a:defRPr sz="1200"/>
@@ -472,7 +177,7 @@
             <a:spLocks noGrp="1"/>
           </p:cNvSpPr>
           <p:nvPr>
-            <p:ph type="dt" idx="1"/>
+            <p:ph idx="1" type="dt"/>
           </p:nvPr>
         </p:nvSpPr>
         <p:spPr>
@@ -485,7 +190,7 @@
           </a:prstGeom>
         </p:spPr>
         <p:txBody>
-          <a:bodyPr vert="horz" lIns="91440" tIns="45720" rIns="91440" bIns="45720" rtlCol="0"/>
+          <a:bodyPr bIns="45720" lIns="91440" numCol="1" rIns="91440" rtlCol="0" tIns="45720" vert="horz"/>
           <a:lstStyle>
             <a:lvl1pPr algn="r">
               <a:defRPr sz="1200"/>
@@ -504,10 +209,10 @@
         <p:nvSpPr>
           <p:cNvPr id="4" name="Slide Image Placeholder 3"/>
           <p:cNvSpPr>
-            <a:spLocks noGrp="1" noRot="1" noChangeAspect="1"/>
-          </p:cNvSpPr>
-          <p:nvPr>
-            <p:ph type="sldImg" idx="2"/>
+            <a:spLocks noChangeAspect="1" noGrp="1" noRot="1"/>
+          </p:cNvSpPr>
+          <p:nvPr>
+            <p:ph idx="2" type="sldImg"/>
           </p:nvPr>
         </p:nvSpPr>
         <p:spPr>
@@ -526,7 +231,7 @@
           </a:ln>
         </p:spPr>
         <p:txBody>
-          <a:bodyPr vert="horz" lIns="91440" tIns="45720" rIns="91440" bIns="45720" rtlCol="0" anchor="ctr"/>
+          <a:bodyPr anchor="ctr" bIns="45720" lIns="91440" numCol="1" rIns="91440" rtlCol="0" tIns="45720" vert="horz"/>
           <a:lstStyle/>
           <a:p>
             <a:endParaRPr lang="en-US"/>
@@ -540,7 +245,7 @@
             <a:spLocks noGrp="1"/>
           </p:cNvSpPr>
           <p:nvPr>
-            <p:ph type="body" sz="quarter" idx="3"/>
+            <p:ph idx="3" sz="quarter" type="body"/>
           </p:nvPr>
         </p:nvSpPr>
         <p:spPr>
@@ -553,7 +258,7 @@
           </a:prstGeom>
         </p:spPr>
         <p:txBody>
-          <a:bodyPr vert="horz" lIns="91440" tIns="45720" rIns="91440" bIns="45720" rtlCol="0"/>
+          <a:bodyPr bIns="45720" lIns="91440" numCol="1" rIns="91440" rtlCol="0" tIns="45720" vert="horz"/>
           <a:lstStyle/>
           <a:p>
             <a:pPr lvl="0"/>
@@ -599,7 +304,7 @@
             <a:spLocks noGrp="1"/>
           </p:cNvSpPr>
           <p:nvPr>
-            <p:ph type="ftr" sz="quarter" idx="4"/>
+            <p:ph idx="4" sz="quarter" type="ftr"/>
           </p:nvPr>
         </p:nvSpPr>
         <p:spPr>
@@ -612,7 +317,7 @@
           </a:prstGeom>
         </p:spPr>
         <p:txBody>
-          <a:bodyPr vert="horz" lIns="91440" tIns="45720" rIns="91440" bIns="45720" rtlCol="0" anchor="b"/>
+          <a:bodyPr anchor="b" bIns="45720" lIns="91440" numCol="1" rIns="91440" rtlCol="0" tIns="45720" vert="horz"/>
           <a:lstStyle>
             <a:lvl1pPr algn="l">
               <a:defRPr sz="1200"/>
@@ -630,7 +335,7 @@
             <a:spLocks noGrp="1"/>
           </p:cNvSpPr>
           <p:nvPr>
-            <p:ph type="sldNum" sz="quarter" idx="5"/>
+            <p:ph idx="5" sz="quarter" type="sldNum"/>
           </p:nvPr>
         </p:nvSpPr>
         <p:spPr>
@@ -643,7 +348,7 @@
           </a:prstGeom>
         </p:spPr>
         <p:txBody>
-          <a:bodyPr vert="horz" lIns="91440" tIns="45720" rIns="91440" bIns="45720" rtlCol="0" anchor="b"/>
+          <a:bodyPr anchor="b" bIns="45720" lIns="91440" numCol="1" rIns="91440" rtlCol="0" tIns="45720" vert="horz"/>
           <a:lstStyle>
             <a:lvl1pPr algn="r">
               <a:defRPr sz="1200"/>
@@ -665,10 +370,10 @@
       </p:ext>
     </p:extLst>
   </p:cSld>
-  <p:clrMap bg1="lt1" tx1="dk1" bg2="lt2" tx2="dk2" accent1="accent1" accent2="accent2" accent3="accent3" accent4="accent4" accent5="accent5" accent6="accent6" hlink="hlink" folHlink="folHlink"/>
+  <p:clrMap accent1="accent1" accent2="accent2" accent3="accent3" accent4="accent4" accent5="accent5" accent6="accent6" bg1="lt1" bg2="lt2" folHlink="folHlink" hlink="hlink" tx1="dk1" tx2="dk2"/>
   <p:notesStyle>
-    <a:lvl1pPr marL="0" algn="l" defTabSz="914400" rtl="0" eaLnBrk="1" latinLnBrk="0" hangingPunct="1">
-      <a:defRPr sz="1200" kern="1200">
+    <a:lvl1pPr algn="l" defTabSz="914400" eaLnBrk="1" hangingPunct="1" latinLnBrk="0" marL="0" rtl="0">
+      <a:defRPr kern="1200" sz="1200">
         <a:solidFill>
           <a:schemeClr val="tx1"/>
         </a:solidFill>
@@ -677,8 +382,8 @@
         <a:cs typeface="+mn-cs"/>
       </a:defRPr>
     </a:lvl1pPr>
-    <a:lvl2pPr marL="457200" algn="l" defTabSz="914400" rtl="0" eaLnBrk="1" latinLnBrk="0" hangingPunct="1">
-      <a:defRPr sz="1200" kern="1200">
+    <a:lvl2pPr algn="l" defTabSz="914400" eaLnBrk="1" hangingPunct="1" latinLnBrk="0" marL="457200" rtl="0">
+      <a:defRPr kern="1200" sz="1200">
         <a:solidFill>
           <a:schemeClr val="tx1"/>
         </a:solidFill>
@@ -687,8 +392,8 @@
         <a:cs typeface="+mn-cs"/>
       </a:defRPr>
     </a:lvl2pPr>
-    <a:lvl3pPr marL="914400" algn="l" defTabSz="914400" rtl="0" eaLnBrk="1" latinLnBrk="0" hangingPunct="1">
-      <a:defRPr sz="1200" kern="1200">
+    <a:lvl3pPr algn="l" defTabSz="914400" eaLnBrk="1" hangingPunct="1" latinLnBrk="0" marL="914400" rtl="0">
+      <a:defRPr kern="1200" sz="1200">
         <a:solidFill>
           <a:schemeClr val="tx1"/>
         </a:solidFill>
@@ -697,8 +402,8 @@
         <a:cs typeface="+mn-cs"/>
       </a:defRPr>
     </a:lvl3pPr>
-    <a:lvl4pPr marL="1371600" algn="l" defTabSz="914400" rtl="0" eaLnBrk="1" latinLnBrk="0" hangingPunct="1">
-      <a:defRPr sz="1200" kern="1200">
+    <a:lvl4pPr algn="l" defTabSz="914400" eaLnBrk="1" hangingPunct="1" latinLnBrk="0" marL="1371600" rtl="0">
+      <a:defRPr kern="1200" sz="1200">
         <a:solidFill>
           <a:schemeClr val="tx1"/>
         </a:solidFill>
@@ -707,8 +412,8 @@
         <a:cs typeface="+mn-cs"/>
       </a:defRPr>
     </a:lvl4pPr>
-    <a:lvl5pPr marL="1828800" algn="l" defTabSz="914400" rtl="0" eaLnBrk="1" latinLnBrk="0" hangingPunct="1">
-      <a:defRPr sz="1200" kern="1200">
+    <a:lvl5pPr algn="l" defTabSz="914400" eaLnBrk="1" hangingPunct="1" latinLnBrk="0" marL="1828800" rtl="0">
+      <a:defRPr kern="1200" sz="1200">
         <a:solidFill>
           <a:schemeClr val="tx1"/>
         </a:solidFill>
@@ -717,8 +422,8 @@
         <a:cs typeface="+mn-cs"/>
       </a:defRPr>
     </a:lvl5pPr>
-    <a:lvl6pPr marL="2286000" algn="l" defTabSz="914400" rtl="0" eaLnBrk="1" latinLnBrk="0" hangingPunct="1">
-      <a:defRPr sz="1200" kern="1200">
+    <a:lvl6pPr algn="l" defTabSz="914400" eaLnBrk="1" hangingPunct="1" latinLnBrk="0" marL="2286000" rtl="0">
+      <a:defRPr kern="1200" sz="1200">
         <a:solidFill>
           <a:schemeClr val="tx1"/>
         </a:solidFill>
@@ -727,8 +432,8 @@
         <a:cs typeface="+mn-cs"/>
       </a:defRPr>
     </a:lvl6pPr>
-    <a:lvl7pPr marL="2743200" algn="l" defTabSz="914400" rtl="0" eaLnBrk="1" latinLnBrk="0" hangingPunct="1">
-      <a:defRPr sz="1200" kern="1200">
+    <a:lvl7pPr algn="l" defTabSz="914400" eaLnBrk="1" hangingPunct="1" latinLnBrk="0" marL="2743200" rtl="0">
+      <a:defRPr kern="1200" sz="1200">
         <a:solidFill>
           <a:schemeClr val="tx1"/>
         </a:solidFill>
@@ -737,8 +442,8 @@
         <a:cs typeface="+mn-cs"/>
       </a:defRPr>
     </a:lvl7pPr>
-    <a:lvl8pPr marL="3200400" algn="l" defTabSz="914400" rtl="0" eaLnBrk="1" latinLnBrk="0" hangingPunct="1">
-      <a:defRPr sz="1200" kern="1200">
+    <a:lvl8pPr algn="l" defTabSz="914400" eaLnBrk="1" hangingPunct="1" latinLnBrk="0" marL="3200400" rtl="0">
+      <a:defRPr kern="1200" sz="1200">
         <a:solidFill>
           <a:schemeClr val="tx1"/>
         </a:solidFill>
@@ -747,8 +452,8 @@
         <a:cs typeface="+mn-cs"/>
       </a:defRPr>
     </a:lvl8pPr>
-    <a:lvl9pPr marL="3657600" algn="l" defTabSz="914400" rtl="0" eaLnBrk="1" latinLnBrk="0" hangingPunct="1">
-      <a:defRPr sz="1200" kern="1200">
+    <a:lvl9pPr algn="l" defTabSz="914400" eaLnBrk="1" hangingPunct="1" latinLnBrk="0" marL="3657600" rtl="0">
+      <a:defRPr kern="1200" sz="1200">
         <a:solidFill>
           <a:schemeClr val="tx1"/>
         </a:solidFill>
@@ -762,7 +467,7 @@
 </file>
 
 <file path=ppt/slideLayouts/slideLayout1.xml><?xml version="1.0" encoding="utf-8"?>
-<p:sldLayout xmlns:a="http://schemas.openxmlformats.org/drawingml/2006/main" xmlns:r="http://schemas.openxmlformats.org/officeDocument/2006/relationships" xmlns:p="http://schemas.openxmlformats.org/presentationml/2006/main" type="title" preserve="1">
+<p:sldLayout xmlns:a="http://schemas.openxmlformats.org/drawingml/2006/main" xmlns:r="http://schemas.openxmlformats.org/officeDocument/2006/relationships" xmlns:p="http://schemas.openxmlformats.org/presentationml/2006/main" preserve="1" type="title">
   <p:cSld name="Title Slide">
     <p:spTree>
       <p:nvGrpSpPr>
@@ -795,7 +500,7 @@
           </a:xfrm>
         </p:spPr>
         <p:txBody>
-          <a:bodyPr anchor="b"/>
+          <a:bodyPr anchor="b" numCol="1"/>
           <a:lstStyle>
             <a:lvl1pPr algn="ctr">
               <a:defRPr sz="6000"/>
@@ -816,7 +521,7 @@
             <a:spLocks noGrp="1"/>
           </p:cNvSpPr>
           <p:nvPr>
-            <p:ph type="subTitle" idx="1"/>
+            <p:ph idx="1" type="subTitle"/>
           </p:nvPr>
         </p:nvSpPr>
         <p:spPr>
@@ -826,41 +531,41 @@
           </a:xfrm>
         </p:spPr>
         <p:txBody>
-          <a:bodyPr/>
+          <a:bodyPr numCol="1"/>
           <a:lstStyle>
-            <a:lvl1pPr marL="0" indent="0" algn="ctr">
+            <a:lvl1pPr algn="ctr" indent="0" marL="0">
               <a:buNone/>
               <a:defRPr sz="2400"/>
             </a:lvl1pPr>
-            <a:lvl2pPr marL="457200" indent="0" algn="ctr">
+            <a:lvl2pPr algn="ctr" indent="0" marL="457200">
               <a:buNone/>
               <a:defRPr sz="2000"/>
             </a:lvl2pPr>
-            <a:lvl3pPr marL="914400" indent="0" algn="ctr">
+            <a:lvl3pPr algn="ctr" indent="0" marL="914400">
               <a:buNone/>
               <a:defRPr sz="1800"/>
             </a:lvl3pPr>
-            <a:lvl4pPr marL="1371600" indent="0" algn="ctr">
+            <a:lvl4pPr algn="ctr" indent="0" marL="1371600">
               <a:buNone/>
               <a:defRPr sz="1600"/>
             </a:lvl4pPr>
-            <a:lvl5pPr marL="1828800" indent="0" algn="ctr">
+            <a:lvl5pPr algn="ctr" indent="0" marL="1828800">
               <a:buNone/>
               <a:defRPr sz="1600"/>
             </a:lvl5pPr>
-            <a:lvl6pPr marL="2286000" indent="0" algn="ctr">
+            <a:lvl6pPr algn="ctr" indent="0" marL="2286000">
               <a:buNone/>
               <a:defRPr sz="1600"/>
             </a:lvl6pPr>
-            <a:lvl7pPr marL="2743200" indent="0" algn="ctr">
+            <a:lvl7pPr algn="ctr" indent="0" marL="2743200">
               <a:buNone/>
               <a:defRPr sz="1600"/>
             </a:lvl7pPr>
-            <a:lvl8pPr marL="3200400" indent="0" algn="ctr">
+            <a:lvl8pPr algn="ctr" indent="0" marL="3200400">
               <a:buNone/>
               <a:defRPr sz="1600"/>
             </a:lvl8pPr>
-            <a:lvl9pPr marL="3657600" indent="0" algn="ctr">
+            <a:lvl9pPr algn="ctr" indent="0" marL="3657600">
               <a:buNone/>
               <a:defRPr sz="1600"/>
             </a:lvl9pPr>
@@ -880,12 +585,12 @@
             <a:spLocks noGrp="1"/>
           </p:cNvSpPr>
           <p:nvPr>
-            <p:ph type="dt" sz="half" idx="10"/>
+            <p:ph idx="10" sz="half" type="dt"/>
           </p:nvPr>
         </p:nvSpPr>
         <p:spPr/>
         <p:txBody>
-          <a:bodyPr/>
+          <a:bodyPr numCol="1"/>
           <a:lstStyle/>
           <a:p>
             <a:fld id="{456513CB-B5C6-794C-B9FC-914286F7D4D4}" type="datetimeFigureOut">
@@ -903,12 +608,12 @@
             <a:spLocks noGrp="1"/>
           </p:cNvSpPr>
           <p:nvPr>
-            <p:ph type="ftr" sz="quarter" idx="11"/>
+            <p:ph idx="11" sz="quarter" type="ftr"/>
           </p:nvPr>
         </p:nvSpPr>
         <p:spPr/>
         <p:txBody>
-          <a:bodyPr/>
+          <a:bodyPr numCol="1"/>
           <a:lstStyle/>
           <a:p>
             <a:endParaRPr lang="en-US"/>
@@ -922,12 +627,12 @@
             <a:spLocks noGrp="1"/>
           </p:cNvSpPr>
           <p:nvPr>
-            <p:ph type="sldNum" sz="quarter" idx="12"/>
+            <p:ph idx="12" sz="quarter" type="sldNum"/>
           </p:nvPr>
         </p:nvSpPr>
         <p:spPr/>
         <p:txBody>
-          <a:bodyPr/>
+          <a:bodyPr numCol="1"/>
           <a:lstStyle/>
           <a:p>
             <a:fld id="{3497227A-95DB-DE4A-82CE-83A3DDE0C863}" type="slidenum">
@@ -952,7 +657,7 @@
 </file>
 
 <file path=ppt/slideLayouts/slideLayout10.xml><?xml version="1.0" encoding="utf-8"?>
-<p:sldLayout xmlns:a="http://schemas.openxmlformats.org/drawingml/2006/main" xmlns:r="http://schemas.openxmlformats.org/officeDocument/2006/relationships" xmlns:p="http://schemas.openxmlformats.org/presentationml/2006/main" type="vertTx" preserve="1">
+<p:sldLayout xmlns:a="http://schemas.openxmlformats.org/drawingml/2006/main" xmlns:r="http://schemas.openxmlformats.org/officeDocument/2006/relationships" xmlns:p="http://schemas.openxmlformats.org/presentationml/2006/main" preserve="1" type="vertTx">
   <p:cSld name="Title and Vertical Text">
     <p:spTree>
       <p:nvGrpSpPr>
@@ -980,7 +685,7 @@
         </p:nvSpPr>
         <p:spPr/>
         <p:txBody>
-          <a:bodyPr/>
+          <a:bodyPr numCol="1"/>
           <a:lstStyle/>
           <a:p>
             <a:r>
@@ -997,12 +702,12 @@
             <a:spLocks noGrp="1"/>
           </p:cNvSpPr>
           <p:nvPr>
-            <p:ph type="body" orient="vert" idx="1"/>
+            <p:ph idx="1" orient="vert" type="body"/>
           </p:nvPr>
         </p:nvSpPr>
         <p:spPr/>
         <p:txBody>
-          <a:bodyPr vert="eaVert"/>
+          <a:bodyPr numCol="1" vert="eaVert"/>
           <a:lstStyle/>
           <a:p>
             <a:pPr lvl="0"/>
@@ -1048,12 +753,12 @@
             <a:spLocks noGrp="1"/>
           </p:cNvSpPr>
           <p:nvPr>
-            <p:ph type="dt" sz="half" idx="10"/>
+            <p:ph idx="10" sz="half" type="dt"/>
           </p:nvPr>
         </p:nvSpPr>
         <p:spPr/>
         <p:txBody>
-          <a:bodyPr/>
+          <a:bodyPr numCol="1"/>
           <a:lstStyle/>
           <a:p>
             <a:fld id="{456513CB-B5C6-794C-B9FC-914286F7D4D4}" type="datetimeFigureOut">
@@ -1071,12 +776,12 @@
             <a:spLocks noGrp="1"/>
           </p:cNvSpPr>
           <p:nvPr>
-            <p:ph type="ftr" sz="quarter" idx="11"/>
+            <p:ph idx="11" sz="quarter" type="ftr"/>
           </p:nvPr>
         </p:nvSpPr>
         <p:spPr/>
         <p:txBody>
-          <a:bodyPr/>
+          <a:bodyPr numCol="1"/>
           <a:lstStyle/>
           <a:p>
             <a:endParaRPr lang="en-US"/>
@@ -1090,12 +795,12 @@
             <a:spLocks noGrp="1"/>
           </p:cNvSpPr>
           <p:nvPr>
-            <p:ph type="sldNum" sz="quarter" idx="12"/>
+            <p:ph idx="12" sz="quarter" type="sldNum"/>
           </p:nvPr>
         </p:nvSpPr>
         <p:spPr/>
         <p:txBody>
-          <a:bodyPr/>
+          <a:bodyPr numCol="1"/>
           <a:lstStyle/>
           <a:p>
             <a:fld id="{3497227A-95DB-DE4A-82CE-83A3DDE0C863}" type="slidenum">
@@ -1120,7 +825,7 @@
 </file>
 
 <file path=ppt/slideLayouts/slideLayout11.xml><?xml version="1.0" encoding="utf-8"?>
-<p:sldLayout xmlns:a="http://schemas.openxmlformats.org/drawingml/2006/main" xmlns:r="http://schemas.openxmlformats.org/officeDocument/2006/relationships" xmlns:p="http://schemas.openxmlformats.org/presentationml/2006/main" type="vertTitleAndTx" preserve="1">
+<p:sldLayout xmlns:a="http://schemas.openxmlformats.org/drawingml/2006/main" xmlns:r="http://schemas.openxmlformats.org/officeDocument/2006/relationships" xmlns:p="http://schemas.openxmlformats.org/presentationml/2006/main" preserve="1" type="vertTitleAndTx">
   <p:cSld name="Vertical Title and Text">
     <p:spTree>
       <p:nvGrpSpPr>
@@ -1143,7 +848,7 @@
             <a:spLocks noGrp="1"/>
           </p:cNvSpPr>
           <p:nvPr>
-            <p:ph type="title" orient="vert"/>
+            <p:ph orient="vert" type="title"/>
           </p:nvPr>
         </p:nvSpPr>
         <p:spPr>
@@ -1153,7 +858,7 @@
           </a:xfrm>
         </p:spPr>
         <p:txBody>
-          <a:bodyPr vert="eaVert"/>
+          <a:bodyPr numCol="1" vert="eaVert"/>
           <a:lstStyle/>
           <a:p>
             <a:r>
@@ -1170,7 +875,7 @@
             <a:spLocks noGrp="1"/>
           </p:cNvSpPr>
           <p:nvPr>
-            <p:ph type="body" orient="vert" idx="1"/>
+            <p:ph idx="1" orient="vert" type="body"/>
           </p:nvPr>
         </p:nvSpPr>
         <p:spPr>
@@ -1180,7 +885,7 @@
           </a:xfrm>
         </p:spPr>
         <p:txBody>
-          <a:bodyPr vert="eaVert"/>
+          <a:bodyPr numCol="1" vert="eaVert"/>
           <a:lstStyle/>
           <a:p>
             <a:pPr lvl="0"/>
@@ -1226,12 +931,12 @@
             <a:spLocks noGrp="1"/>
           </p:cNvSpPr>
           <p:nvPr>
-            <p:ph type="dt" sz="half" idx="10"/>
+            <p:ph idx="10" sz="half" type="dt"/>
           </p:nvPr>
         </p:nvSpPr>
         <p:spPr/>
         <p:txBody>
-          <a:bodyPr/>
+          <a:bodyPr numCol="1"/>
           <a:lstStyle/>
           <a:p>
             <a:fld id="{456513CB-B5C6-794C-B9FC-914286F7D4D4}" type="datetimeFigureOut">
@@ -1249,12 +954,12 @@
             <a:spLocks noGrp="1"/>
           </p:cNvSpPr>
           <p:nvPr>
-            <p:ph type="ftr" sz="quarter" idx="11"/>
+            <p:ph idx="11" sz="quarter" type="ftr"/>
           </p:nvPr>
         </p:nvSpPr>
         <p:spPr/>
         <p:txBody>
-          <a:bodyPr/>
+          <a:bodyPr numCol="1"/>
           <a:lstStyle/>
           <a:p>
             <a:endParaRPr lang="en-US"/>
@@ -1268,12 +973,12 @@
             <a:spLocks noGrp="1"/>
           </p:cNvSpPr>
           <p:nvPr>
-            <p:ph type="sldNum" sz="quarter" idx="12"/>
+            <p:ph idx="12" sz="quarter" type="sldNum"/>
           </p:nvPr>
         </p:nvSpPr>
         <p:spPr/>
         <p:txBody>
-          <a:bodyPr/>
+          <a:bodyPr numCol="1"/>
           <a:lstStyle/>
           <a:p>
             <a:fld id="{3497227A-95DB-DE4A-82CE-83A3DDE0C863}" type="slidenum">
@@ -1298,7 +1003,7 @@
 </file>
 
 <file path=ppt/slideLayouts/slideLayout2.xml><?xml version="1.0" encoding="utf-8"?>
-<p:sldLayout xmlns:a="http://schemas.openxmlformats.org/drawingml/2006/main" xmlns:r="http://schemas.openxmlformats.org/officeDocument/2006/relationships" xmlns:p="http://schemas.openxmlformats.org/presentationml/2006/main" type="obj" preserve="1">
+<p:sldLayout xmlns:a="http://schemas.openxmlformats.org/drawingml/2006/main" xmlns:r="http://schemas.openxmlformats.org/officeDocument/2006/relationships" xmlns:p="http://schemas.openxmlformats.org/presentationml/2006/main" preserve="1" type="obj">
   <p:cSld name="Title and Content">
     <p:spTree>
       <p:nvGrpSpPr>
@@ -1331,19 +1036,19 @@
           </a:xfrm>
         </p:spPr>
         <p:txBody>
-          <a:bodyPr/>
+          <a:bodyPr numCol="1"/>
           <a:lstStyle>
             <a:lvl1pPr>
               <a:defRPr>
-                <a:latin typeface="Century Schoolbook" charset="0"/>
-                <a:ea typeface="Century Schoolbook" charset="0"/>
-                <a:cs typeface="Century Schoolbook" charset="0"/>
+                <a:latin charset="0" typeface="Century Schoolbook"/>
+                <a:ea charset="0" typeface="Century Schoolbook"/>
+                <a:cs charset="0" typeface="Century Schoolbook"/>
               </a:defRPr>
             </a:lvl1pPr>
           </a:lstStyle>
           <a:p>
             <a:r>
-              <a:rPr lang="en-US" dirty="0"/>
+              <a:rPr dirty="0" lang="en-US"/>
               <a:t>Click to edit Master title style</a:t>
             </a:r>
           </a:p>
@@ -1361,7 +1066,7 @@
         </p:nvSpPr>
         <p:spPr/>
         <p:txBody>
-          <a:bodyPr/>
+          <a:bodyPr numCol="1"/>
           <a:lstStyle/>
           <a:p>
             <a:pPr lvl="0"/>
@@ -1407,12 +1112,12 @@
             <a:spLocks noGrp="1"/>
           </p:cNvSpPr>
           <p:nvPr>
-            <p:ph type="dt" sz="half" idx="10"/>
+            <p:ph idx="10" sz="half" type="dt"/>
           </p:nvPr>
         </p:nvSpPr>
         <p:spPr/>
         <p:txBody>
-          <a:bodyPr/>
+          <a:bodyPr numCol="1"/>
           <a:lstStyle/>
           <a:p>
             <a:fld id="{456513CB-B5C6-794C-B9FC-914286F7D4D4}" type="datetimeFigureOut">
@@ -1430,12 +1135,12 @@
             <a:spLocks noGrp="1"/>
           </p:cNvSpPr>
           <p:nvPr>
-            <p:ph type="ftr" sz="quarter" idx="11"/>
+            <p:ph idx="11" sz="quarter" type="ftr"/>
           </p:nvPr>
         </p:nvSpPr>
         <p:spPr/>
         <p:txBody>
-          <a:bodyPr/>
+          <a:bodyPr numCol="1"/>
           <a:lstStyle/>
           <a:p>
             <a:endParaRPr lang="en-US"/>
@@ -1449,12 +1154,12 @@
             <a:spLocks noGrp="1"/>
           </p:cNvSpPr>
           <p:nvPr>
-            <p:ph type="sldNum" sz="quarter" idx="12"/>
+            <p:ph idx="12" sz="quarter" type="sldNum"/>
           </p:nvPr>
         </p:nvSpPr>
         <p:spPr/>
         <p:txBody>
-          <a:bodyPr/>
+          <a:bodyPr numCol="1"/>
           <a:lstStyle/>
           <a:p>
             <a:fld id="{3497227A-95DB-DE4A-82CE-83A3DDE0C863}" type="slidenum">
@@ -1482,7 +1187,7 @@
           <a:noFill/>
         </p:spPr>
         <p:txBody>
-          <a:bodyPr wrap="none" rtlCol="0">
+          <a:bodyPr numCol="1" rtlCol="0" wrap="none">
             <a:spAutoFit/>
           </a:bodyPr>
           <a:lstStyle/>
@@ -1508,7 +1213,7 @@
 </file>
 
 <file path=ppt/slideLayouts/slideLayout3.xml><?xml version="1.0" encoding="utf-8"?>
-<p:sldLayout xmlns:a="http://schemas.openxmlformats.org/drawingml/2006/main" xmlns:r="http://schemas.openxmlformats.org/officeDocument/2006/relationships" xmlns:p="http://schemas.openxmlformats.org/presentationml/2006/main" type="secHead" preserve="1">
+<p:sldLayout xmlns:a="http://schemas.openxmlformats.org/drawingml/2006/main" xmlns:r="http://schemas.openxmlformats.org/officeDocument/2006/relationships" xmlns:p="http://schemas.openxmlformats.org/presentationml/2006/main" preserve="1" type="secHead">
   <p:cSld name="Section Header">
     <p:spTree>
       <p:nvGrpSpPr>
@@ -1541,7 +1246,7 @@
           </a:xfrm>
         </p:spPr>
         <p:txBody>
-          <a:bodyPr anchor="b"/>
+          <a:bodyPr anchor="b" numCol="1"/>
           <a:lstStyle>
             <a:lvl1pPr>
               <a:defRPr sz="6000"/>
@@ -1562,7 +1267,7 @@
             <a:spLocks noGrp="1"/>
           </p:cNvSpPr>
           <p:nvPr>
-            <p:ph type="body" idx="1"/>
+            <p:ph idx="1" type="body"/>
           </p:nvPr>
         </p:nvSpPr>
         <p:spPr>
@@ -1572,9 +1277,9 @@
           </a:xfrm>
         </p:spPr>
         <p:txBody>
-          <a:bodyPr/>
+          <a:bodyPr numCol="1"/>
           <a:lstStyle>
-            <a:lvl1pPr marL="0" indent="0">
+            <a:lvl1pPr indent="0" marL="0">
               <a:buNone/>
               <a:defRPr sz="2400">
                 <a:solidFill>
@@ -1584,7 +1289,7 @@
                 </a:solidFill>
               </a:defRPr>
             </a:lvl1pPr>
-            <a:lvl2pPr marL="457200" indent="0">
+            <a:lvl2pPr indent="0" marL="457200">
               <a:buNone/>
               <a:defRPr sz="2000">
                 <a:solidFill>
@@ -1594,7 +1299,7 @@
                 </a:solidFill>
               </a:defRPr>
             </a:lvl2pPr>
-            <a:lvl3pPr marL="914400" indent="0">
+            <a:lvl3pPr indent="0" marL="914400">
               <a:buNone/>
               <a:defRPr sz="1800">
                 <a:solidFill>
@@ -1604,7 +1309,7 @@
                 </a:solidFill>
               </a:defRPr>
             </a:lvl3pPr>
-            <a:lvl4pPr marL="1371600" indent="0">
+            <a:lvl4pPr indent="0" marL="1371600">
               <a:buNone/>
               <a:defRPr sz="1600">
                 <a:solidFill>
@@ -1614,7 +1319,7 @@
                 </a:solidFill>
               </a:defRPr>
             </a:lvl4pPr>
-            <a:lvl5pPr marL="1828800" indent="0">
+            <a:lvl5pPr indent="0" marL="1828800">
               <a:buNone/>
               <a:defRPr sz="1600">
                 <a:solidFill>
@@ -1624,7 +1329,7 @@
                 </a:solidFill>
               </a:defRPr>
             </a:lvl5pPr>
-            <a:lvl6pPr marL="2286000" indent="0">
+            <a:lvl6pPr indent="0" marL="2286000">
               <a:buNone/>
               <a:defRPr sz="1600">
                 <a:solidFill>
@@ -1634,7 +1339,7 @@
                 </a:solidFill>
               </a:defRPr>
             </a:lvl6pPr>
-            <a:lvl7pPr marL="2743200" indent="0">
+            <a:lvl7pPr indent="0" marL="2743200">
               <a:buNone/>
               <a:defRPr sz="1600">
                 <a:solidFill>
@@ -1644,7 +1349,7 @@
                 </a:solidFill>
               </a:defRPr>
             </a:lvl7pPr>
-            <a:lvl8pPr marL="3200400" indent="0">
+            <a:lvl8pPr indent="0" marL="3200400">
               <a:buNone/>
               <a:defRPr sz="1600">
                 <a:solidFill>
@@ -1654,7 +1359,7 @@
                 </a:solidFill>
               </a:defRPr>
             </a:lvl8pPr>
-            <a:lvl9pPr marL="3657600" indent="0">
+            <a:lvl9pPr indent="0" marL="3657600">
               <a:buNone/>
               <a:defRPr sz="1600">
                 <a:solidFill>
@@ -1681,12 +1386,12 @@
             <a:spLocks noGrp="1"/>
           </p:cNvSpPr>
           <p:nvPr>
-            <p:ph type="dt" sz="half" idx="10"/>
+            <p:ph idx="10" sz="half" type="dt"/>
           </p:nvPr>
         </p:nvSpPr>
         <p:spPr/>
         <p:txBody>
-          <a:bodyPr/>
+          <a:bodyPr numCol="1"/>
           <a:lstStyle/>
           <a:p>
             <a:fld id="{456513CB-B5C6-794C-B9FC-914286F7D4D4}" type="datetimeFigureOut">
@@ -1704,12 +1409,12 @@
             <a:spLocks noGrp="1"/>
           </p:cNvSpPr>
           <p:nvPr>
-            <p:ph type="ftr" sz="quarter" idx="11"/>
+            <p:ph idx="11" sz="quarter" type="ftr"/>
           </p:nvPr>
         </p:nvSpPr>
         <p:spPr/>
         <p:txBody>
-          <a:bodyPr/>
+          <a:bodyPr numCol="1"/>
           <a:lstStyle/>
           <a:p>
             <a:endParaRPr lang="en-US"/>
@@ -1723,12 +1428,12 @@
             <a:spLocks noGrp="1"/>
           </p:cNvSpPr>
           <p:nvPr>
-            <p:ph type="sldNum" sz="quarter" idx="12"/>
+            <p:ph idx="12" sz="quarter" type="sldNum"/>
           </p:nvPr>
         </p:nvSpPr>
         <p:spPr/>
         <p:txBody>
-          <a:bodyPr/>
+          <a:bodyPr numCol="1"/>
           <a:lstStyle/>
           <a:p>
             <a:fld id="{3497227A-95DB-DE4A-82CE-83A3DDE0C863}" type="slidenum">
@@ -1753,7 +1458,7 @@
 </file>
 
 <file path=ppt/slideLayouts/slideLayout4.xml><?xml version="1.0" encoding="utf-8"?>
-<p:sldLayout xmlns:a="http://schemas.openxmlformats.org/drawingml/2006/main" xmlns:r="http://schemas.openxmlformats.org/officeDocument/2006/relationships" xmlns:p="http://schemas.openxmlformats.org/presentationml/2006/main" type="twoObj" preserve="1">
+<p:sldLayout xmlns:a="http://schemas.openxmlformats.org/drawingml/2006/main" xmlns:r="http://schemas.openxmlformats.org/officeDocument/2006/relationships" xmlns:p="http://schemas.openxmlformats.org/presentationml/2006/main" preserve="1" type="twoObj">
   <p:cSld name="Two Content">
     <p:spTree>
       <p:nvGrpSpPr>
@@ -1781,7 +1486,7 @@
         </p:nvSpPr>
         <p:spPr/>
         <p:txBody>
-          <a:bodyPr/>
+          <a:bodyPr numCol="1"/>
           <a:lstStyle/>
           <a:p>
             <a:r>
@@ -1798,7 +1503,7 @@
             <a:spLocks noGrp="1"/>
           </p:cNvSpPr>
           <p:nvPr>
-            <p:ph sz="half" idx="1"/>
+            <p:ph idx="1" sz="half"/>
           </p:nvPr>
         </p:nvSpPr>
         <p:spPr>
@@ -1808,7 +1513,7 @@
           </a:xfrm>
         </p:spPr>
         <p:txBody>
-          <a:bodyPr/>
+          <a:bodyPr numCol="1"/>
           <a:lstStyle/>
           <a:p>
             <a:pPr lvl="0"/>
@@ -1854,7 +1559,7 @@
             <a:spLocks noGrp="1"/>
           </p:cNvSpPr>
           <p:nvPr>
-            <p:ph sz="half" idx="2"/>
+            <p:ph idx="2" sz="half"/>
           </p:nvPr>
         </p:nvSpPr>
         <p:spPr>
@@ -1864,7 +1569,7 @@
           </a:xfrm>
         </p:spPr>
         <p:txBody>
-          <a:bodyPr/>
+          <a:bodyPr numCol="1"/>
           <a:lstStyle/>
           <a:p>
             <a:pPr lvl="0"/>
@@ -1910,12 +1615,12 @@
             <a:spLocks noGrp="1"/>
           </p:cNvSpPr>
           <p:nvPr>
-            <p:ph type="dt" sz="half" idx="10"/>
+            <p:ph idx="10" sz="half" type="dt"/>
           </p:nvPr>
         </p:nvSpPr>
         <p:spPr/>
         <p:txBody>
-          <a:bodyPr/>
+          <a:bodyPr numCol="1"/>
           <a:lstStyle/>
           <a:p>
             <a:fld id="{456513CB-B5C6-794C-B9FC-914286F7D4D4}" type="datetimeFigureOut">
@@ -1933,12 +1638,12 @@
             <a:spLocks noGrp="1"/>
           </p:cNvSpPr>
           <p:nvPr>
-            <p:ph type="ftr" sz="quarter" idx="11"/>
+            <p:ph idx="11" sz="quarter" type="ftr"/>
           </p:nvPr>
         </p:nvSpPr>
         <p:spPr/>
         <p:txBody>
-          <a:bodyPr/>
+          <a:bodyPr numCol="1"/>
           <a:lstStyle/>
           <a:p>
             <a:endParaRPr lang="en-US"/>
@@ -1952,12 +1657,12 @@
             <a:spLocks noGrp="1"/>
           </p:cNvSpPr>
           <p:nvPr>
-            <p:ph type="sldNum" sz="quarter" idx="12"/>
+            <p:ph idx="12" sz="quarter" type="sldNum"/>
           </p:nvPr>
         </p:nvSpPr>
         <p:spPr/>
         <p:txBody>
-          <a:bodyPr/>
+          <a:bodyPr numCol="1"/>
           <a:lstStyle/>
           <a:p>
             <a:fld id="{3497227A-95DB-DE4A-82CE-83A3DDE0C863}" type="slidenum">
@@ -1982,7 +1687,7 @@
 </file>
 
 <file path=ppt/slideLayouts/slideLayout5.xml><?xml version="1.0" encoding="utf-8"?>
-<p:sldLayout xmlns:a="http://schemas.openxmlformats.org/drawingml/2006/main" xmlns:r="http://schemas.openxmlformats.org/officeDocument/2006/relationships" xmlns:p="http://schemas.openxmlformats.org/presentationml/2006/main" type="twoTxTwoObj" preserve="1">
+<p:sldLayout xmlns:a="http://schemas.openxmlformats.org/drawingml/2006/main" xmlns:r="http://schemas.openxmlformats.org/officeDocument/2006/relationships" xmlns:p="http://schemas.openxmlformats.org/presentationml/2006/main" preserve="1" type="twoTxTwoObj">
   <p:cSld name="Comparison">
     <p:spTree>
       <p:nvGrpSpPr>
@@ -2015,7 +1720,7 @@
           </a:xfrm>
         </p:spPr>
         <p:txBody>
-          <a:bodyPr/>
+          <a:bodyPr numCol="1"/>
           <a:lstStyle/>
           <a:p>
             <a:r>
@@ -2032,7 +1737,7 @@
             <a:spLocks noGrp="1"/>
           </p:cNvSpPr>
           <p:nvPr>
-            <p:ph type="body" idx="1"/>
+            <p:ph idx="1" type="body"/>
           </p:nvPr>
         </p:nvSpPr>
         <p:spPr>
@@ -2042,43 +1747,43 @@
           </a:xfrm>
         </p:spPr>
         <p:txBody>
-          <a:bodyPr anchor="b"/>
+          <a:bodyPr anchor="b" numCol="1"/>
           <a:lstStyle>
-            <a:lvl1pPr marL="0" indent="0">
-              <a:buNone/>
-              <a:defRPr sz="2400" b="1"/>
+            <a:lvl1pPr indent="0" marL="0">
+              <a:buNone/>
+              <a:defRPr b="1" sz="2400"/>
             </a:lvl1pPr>
-            <a:lvl2pPr marL="457200" indent="0">
-              <a:buNone/>
-              <a:defRPr sz="2000" b="1"/>
+            <a:lvl2pPr indent="0" marL="457200">
+              <a:buNone/>
+              <a:defRPr b="1" sz="2000"/>
             </a:lvl2pPr>
-            <a:lvl3pPr marL="914400" indent="0">
-              <a:buNone/>
-              <a:defRPr sz="1800" b="1"/>
+            <a:lvl3pPr indent="0" marL="914400">
+              <a:buNone/>
+              <a:defRPr b="1" sz="1800"/>
             </a:lvl3pPr>
-            <a:lvl4pPr marL="1371600" indent="0">
-              <a:buNone/>
-              <a:defRPr sz="1600" b="1"/>
+            <a:lvl4pPr indent="0" marL="1371600">
+              <a:buNone/>
+              <a:defRPr b="1" sz="1600"/>
             </a:lvl4pPr>
-            <a:lvl5pPr marL="1828800" indent="0">
-              <a:buNone/>
-              <a:defRPr sz="1600" b="1"/>
+            <a:lvl5pPr indent="0" marL="1828800">
+              <a:buNone/>
+              <a:defRPr b="1" sz="1600"/>
             </a:lvl5pPr>
-            <a:lvl6pPr marL="2286000" indent="0">
-              <a:buNone/>
-              <a:defRPr sz="1600" b="1"/>
+            <a:lvl6pPr indent="0" marL="2286000">
+              <a:buNone/>
+              <a:defRPr b="1" sz="1600"/>
             </a:lvl6pPr>
-            <a:lvl7pPr marL="2743200" indent="0">
-              <a:buNone/>
-              <a:defRPr sz="1600" b="1"/>
+            <a:lvl7pPr indent="0" marL="2743200">
+              <a:buNone/>
+              <a:defRPr b="1" sz="1600"/>
             </a:lvl7pPr>
-            <a:lvl8pPr marL="3200400" indent="0">
-              <a:buNone/>
-              <a:defRPr sz="1600" b="1"/>
+            <a:lvl8pPr indent="0" marL="3200400">
+              <a:buNone/>
+              <a:defRPr b="1" sz="1600"/>
             </a:lvl8pPr>
-            <a:lvl9pPr marL="3657600" indent="0">
-              <a:buNone/>
-              <a:defRPr sz="1600" b="1"/>
+            <a:lvl9pPr indent="0" marL="3657600">
+              <a:buNone/>
+              <a:defRPr b="1" sz="1600"/>
             </a:lvl9pPr>
           </a:lstStyle>
           <a:p>
@@ -2097,7 +1802,7 @@
             <a:spLocks noGrp="1"/>
           </p:cNvSpPr>
           <p:nvPr>
-            <p:ph sz="half" idx="2"/>
+            <p:ph idx="2" sz="half"/>
           </p:nvPr>
         </p:nvSpPr>
         <p:spPr>
@@ -2107,7 +1812,7 @@
           </a:xfrm>
         </p:spPr>
         <p:txBody>
-          <a:bodyPr/>
+          <a:bodyPr numCol="1"/>
           <a:lstStyle/>
           <a:p>
             <a:pPr lvl="0"/>
@@ -2153,7 +1858,7 @@
             <a:spLocks noGrp="1"/>
           </p:cNvSpPr>
           <p:nvPr>
-            <p:ph type="body" sz="quarter" idx="3"/>
+            <p:ph idx="3" sz="quarter" type="body"/>
           </p:nvPr>
         </p:nvSpPr>
         <p:spPr>
@@ -2163,43 +1868,43 @@
           </a:xfrm>
         </p:spPr>
         <p:txBody>
-          <a:bodyPr anchor="b"/>
+          <a:bodyPr anchor="b" numCol="1"/>
           <a:lstStyle>
-            <a:lvl1pPr marL="0" indent="0">
-              <a:buNone/>
-              <a:defRPr sz="2400" b="1"/>
+            <a:lvl1pPr indent="0" marL="0">
+              <a:buNone/>
+              <a:defRPr b="1" sz="2400"/>
             </a:lvl1pPr>
-            <a:lvl2pPr marL="457200" indent="0">
-              <a:buNone/>
-              <a:defRPr sz="2000" b="1"/>
+            <a:lvl2pPr indent="0" marL="457200">
+              <a:buNone/>
+              <a:defRPr b="1" sz="2000"/>
             </a:lvl2pPr>
-            <a:lvl3pPr marL="914400" indent="0">
-              <a:buNone/>
-              <a:defRPr sz="1800" b="1"/>
+            <a:lvl3pPr indent="0" marL="914400">
+              <a:buNone/>
+              <a:defRPr b="1" sz="1800"/>
             </a:lvl3pPr>
-            <a:lvl4pPr marL="1371600" indent="0">
-              <a:buNone/>
-              <a:defRPr sz="1600" b="1"/>
+            <a:lvl4pPr indent="0" marL="1371600">
+              <a:buNone/>
+              <a:defRPr b="1" sz="1600"/>
             </a:lvl4pPr>
-            <a:lvl5pPr marL="1828800" indent="0">
-              <a:buNone/>
-              <a:defRPr sz="1600" b="1"/>
+            <a:lvl5pPr indent="0" marL="1828800">
+              <a:buNone/>
+              <a:defRPr b="1" sz="1600"/>
             </a:lvl5pPr>
-            <a:lvl6pPr marL="2286000" indent="0">
-              <a:buNone/>
-              <a:defRPr sz="1600" b="1"/>
+            <a:lvl6pPr indent="0" marL="2286000">
+              <a:buNone/>
+              <a:defRPr b="1" sz="1600"/>
             </a:lvl6pPr>
-            <a:lvl7pPr marL="2743200" indent="0">
-              <a:buNone/>
-              <a:defRPr sz="1600" b="1"/>
+            <a:lvl7pPr indent="0" marL="2743200">
+              <a:buNone/>
+              <a:defRPr b="1" sz="1600"/>
             </a:lvl7pPr>
-            <a:lvl8pPr marL="3200400" indent="0">
-              <a:buNone/>
-              <a:defRPr sz="1600" b="1"/>
+            <a:lvl8pPr indent="0" marL="3200400">
+              <a:buNone/>
+              <a:defRPr b="1" sz="1600"/>
             </a:lvl8pPr>
-            <a:lvl9pPr marL="3657600" indent="0">
-              <a:buNone/>
-              <a:defRPr sz="1600" b="1"/>
+            <a:lvl9pPr indent="0" marL="3657600">
+              <a:buNone/>
+              <a:defRPr b="1" sz="1600"/>
             </a:lvl9pPr>
           </a:lstStyle>
           <a:p>
@@ -2218,7 +1923,7 @@
             <a:spLocks noGrp="1"/>
           </p:cNvSpPr>
           <p:nvPr>
-            <p:ph sz="quarter" idx="4"/>
+            <p:ph idx="4" sz="quarter"/>
           </p:nvPr>
         </p:nvSpPr>
         <p:spPr>
@@ -2228,7 +1933,7 @@
           </a:xfrm>
         </p:spPr>
         <p:txBody>
-          <a:bodyPr/>
+          <a:bodyPr numCol="1"/>
           <a:lstStyle/>
           <a:p>
             <a:pPr lvl="0"/>
@@ -2274,12 +1979,12 @@
             <a:spLocks noGrp="1"/>
           </p:cNvSpPr>
           <p:nvPr>
-            <p:ph type="dt" sz="half" idx="10"/>
+            <p:ph idx="10" sz="half" type="dt"/>
           </p:nvPr>
         </p:nvSpPr>
         <p:spPr/>
         <p:txBody>
-          <a:bodyPr/>
+          <a:bodyPr numCol="1"/>
           <a:lstStyle/>
           <a:p>
             <a:fld id="{456513CB-B5C6-794C-B9FC-914286F7D4D4}" type="datetimeFigureOut">
@@ -2297,12 +2002,12 @@
             <a:spLocks noGrp="1"/>
           </p:cNvSpPr>
           <p:nvPr>
-            <p:ph type="ftr" sz="quarter" idx="11"/>
+            <p:ph idx="11" sz="quarter" type="ftr"/>
           </p:nvPr>
         </p:nvSpPr>
         <p:spPr/>
         <p:txBody>
-          <a:bodyPr/>
+          <a:bodyPr numCol="1"/>
           <a:lstStyle/>
           <a:p>
             <a:endParaRPr lang="en-US"/>
@@ -2316,12 +2021,12 @@
             <a:spLocks noGrp="1"/>
           </p:cNvSpPr>
           <p:nvPr>
-            <p:ph type="sldNum" sz="quarter" idx="12"/>
+            <p:ph idx="12" sz="quarter" type="sldNum"/>
           </p:nvPr>
         </p:nvSpPr>
         <p:spPr/>
         <p:txBody>
-          <a:bodyPr/>
+          <a:bodyPr numCol="1"/>
           <a:lstStyle/>
           <a:p>
             <a:fld id="{3497227A-95DB-DE4A-82CE-83A3DDE0C863}" type="slidenum">
@@ -2346,7 +2051,7 @@
 </file>
 
 <file path=ppt/slideLayouts/slideLayout6.xml><?xml version="1.0" encoding="utf-8"?>
-<p:sldLayout xmlns:a="http://schemas.openxmlformats.org/drawingml/2006/main" xmlns:r="http://schemas.openxmlformats.org/officeDocument/2006/relationships" xmlns:p="http://schemas.openxmlformats.org/presentationml/2006/main" type="titleOnly" preserve="1">
+<p:sldLayout xmlns:a="http://schemas.openxmlformats.org/drawingml/2006/main" xmlns:r="http://schemas.openxmlformats.org/officeDocument/2006/relationships" xmlns:p="http://schemas.openxmlformats.org/presentationml/2006/main" preserve="1" type="titleOnly">
   <p:cSld name="Title Only">
     <p:spTree>
       <p:nvGrpSpPr>
@@ -2374,7 +2079,7 @@
         </p:nvSpPr>
         <p:spPr/>
         <p:txBody>
-          <a:bodyPr/>
+          <a:bodyPr numCol="1"/>
           <a:lstStyle/>
           <a:p>
             <a:r>
@@ -2391,12 +2096,12 @@
             <a:spLocks noGrp="1"/>
           </p:cNvSpPr>
           <p:nvPr>
-            <p:ph type="dt" sz="half" idx="10"/>
+            <p:ph idx="10" sz="half" type="dt"/>
           </p:nvPr>
         </p:nvSpPr>
         <p:spPr/>
         <p:txBody>
-          <a:bodyPr/>
+          <a:bodyPr numCol="1"/>
           <a:lstStyle/>
           <a:p>
             <a:fld id="{456513CB-B5C6-794C-B9FC-914286F7D4D4}" type="datetimeFigureOut">
@@ -2414,12 +2119,12 @@
             <a:spLocks noGrp="1"/>
           </p:cNvSpPr>
           <p:nvPr>
-            <p:ph type="ftr" sz="quarter" idx="11"/>
+            <p:ph idx="11" sz="quarter" type="ftr"/>
           </p:nvPr>
         </p:nvSpPr>
         <p:spPr/>
         <p:txBody>
-          <a:bodyPr/>
+          <a:bodyPr numCol="1"/>
           <a:lstStyle/>
           <a:p>
             <a:endParaRPr lang="en-US"/>
@@ -2433,12 +2138,12 @@
             <a:spLocks noGrp="1"/>
           </p:cNvSpPr>
           <p:nvPr>
-            <p:ph type="sldNum" sz="quarter" idx="12"/>
+            <p:ph idx="12" sz="quarter" type="sldNum"/>
           </p:nvPr>
         </p:nvSpPr>
         <p:spPr/>
         <p:txBody>
-          <a:bodyPr/>
+          <a:bodyPr numCol="1"/>
           <a:lstStyle/>
           <a:p>
             <a:fld id="{3497227A-95DB-DE4A-82CE-83A3DDE0C863}" type="slidenum">
@@ -2463,7 +2168,7 @@
 </file>
 
 <file path=ppt/slideLayouts/slideLayout7.xml><?xml version="1.0" encoding="utf-8"?>
-<p:sldLayout xmlns:a="http://schemas.openxmlformats.org/drawingml/2006/main" xmlns:r="http://schemas.openxmlformats.org/officeDocument/2006/relationships" xmlns:p="http://schemas.openxmlformats.org/presentationml/2006/main" type="blank" preserve="1">
+<p:sldLayout xmlns:a="http://schemas.openxmlformats.org/drawingml/2006/main" xmlns:r="http://schemas.openxmlformats.org/officeDocument/2006/relationships" xmlns:p="http://schemas.openxmlformats.org/presentationml/2006/main" preserve="1" type="blank">
   <p:cSld name="Blank">
     <p:spTree>
       <p:nvGrpSpPr>
@@ -2486,12 +2191,12 @@
             <a:spLocks noGrp="1"/>
           </p:cNvSpPr>
           <p:nvPr>
-            <p:ph type="dt" sz="half" idx="10"/>
+            <p:ph idx="10" sz="half" type="dt"/>
           </p:nvPr>
         </p:nvSpPr>
         <p:spPr/>
         <p:txBody>
-          <a:bodyPr/>
+          <a:bodyPr numCol="1"/>
           <a:lstStyle/>
           <a:p>
             <a:fld id="{456513CB-B5C6-794C-B9FC-914286F7D4D4}" type="datetimeFigureOut">
@@ -2509,12 +2214,12 @@
             <a:spLocks noGrp="1"/>
           </p:cNvSpPr>
           <p:nvPr>
-            <p:ph type="ftr" sz="quarter" idx="11"/>
+            <p:ph idx="11" sz="quarter" type="ftr"/>
           </p:nvPr>
         </p:nvSpPr>
         <p:spPr/>
         <p:txBody>
-          <a:bodyPr/>
+          <a:bodyPr numCol="1"/>
           <a:lstStyle/>
           <a:p>
             <a:endParaRPr lang="en-US"/>
@@ -2528,12 +2233,12 @@
             <a:spLocks noGrp="1"/>
           </p:cNvSpPr>
           <p:nvPr>
-            <p:ph type="sldNum" sz="quarter" idx="12"/>
+            <p:ph idx="12" sz="quarter" type="sldNum"/>
           </p:nvPr>
         </p:nvSpPr>
         <p:spPr/>
         <p:txBody>
-          <a:bodyPr/>
+          <a:bodyPr numCol="1"/>
           <a:lstStyle/>
           <a:p>
             <a:fld id="{3497227A-95DB-DE4A-82CE-83A3DDE0C863}" type="slidenum">
@@ -2558,7 +2263,7 @@
 </file>
 
 <file path=ppt/slideLayouts/slideLayout8.xml><?xml version="1.0" encoding="utf-8"?>
-<p:sldLayout xmlns:a="http://schemas.openxmlformats.org/drawingml/2006/main" xmlns:r="http://schemas.openxmlformats.org/officeDocument/2006/relationships" xmlns:p="http://schemas.openxmlformats.org/presentationml/2006/main" type="objTx" preserve="1">
+<p:sldLayout xmlns:a="http://schemas.openxmlformats.org/drawingml/2006/main" xmlns:r="http://schemas.openxmlformats.org/officeDocument/2006/relationships" xmlns:p="http://schemas.openxmlformats.org/presentationml/2006/main" preserve="1" type="objTx">
   <p:cSld name="Content with Caption">
     <p:spTree>
       <p:nvGrpSpPr>
@@ -2591,7 +2296,7 @@
           </a:xfrm>
         </p:spPr>
         <p:txBody>
-          <a:bodyPr anchor="b"/>
+          <a:bodyPr anchor="b" numCol="1"/>
           <a:lstStyle>
             <a:lvl1pPr>
               <a:defRPr sz="3200"/>
@@ -2622,7 +2327,7 @@
           </a:xfrm>
         </p:spPr>
         <p:txBody>
-          <a:bodyPr/>
+          <a:bodyPr numCol="1"/>
           <a:lstStyle>
             <a:lvl1pPr>
               <a:defRPr sz="3200"/>
@@ -2696,7 +2401,7 @@
             <a:spLocks noGrp="1"/>
           </p:cNvSpPr>
           <p:nvPr>
-            <p:ph type="body" sz="half" idx="2"/>
+            <p:ph idx="2" sz="half" type="body"/>
           </p:nvPr>
         </p:nvSpPr>
         <p:spPr>
@@ -2706,41 +2411,41 @@
           </a:xfrm>
         </p:spPr>
         <p:txBody>
-          <a:bodyPr/>
+          <a:bodyPr numCol="1"/>
           <a:lstStyle>
-            <a:lvl1pPr marL="0" indent="0">
+            <a:lvl1pPr indent="0" marL="0">
               <a:buNone/>
               <a:defRPr sz="1600"/>
             </a:lvl1pPr>
-            <a:lvl2pPr marL="457200" indent="0">
+            <a:lvl2pPr indent="0" marL="457200">
               <a:buNone/>
               <a:defRPr sz="1400"/>
             </a:lvl2pPr>
-            <a:lvl3pPr marL="914400" indent="0">
+            <a:lvl3pPr indent="0" marL="914400">
               <a:buNone/>
               <a:defRPr sz="1200"/>
             </a:lvl3pPr>
-            <a:lvl4pPr marL="1371600" indent="0">
+            <a:lvl4pPr indent="0" marL="1371600">
               <a:buNone/>
               <a:defRPr sz="1000"/>
             </a:lvl4pPr>
-            <a:lvl5pPr marL="1828800" indent="0">
+            <a:lvl5pPr indent="0" marL="1828800">
               <a:buNone/>
               <a:defRPr sz="1000"/>
             </a:lvl5pPr>
-            <a:lvl6pPr marL="2286000" indent="0">
+            <a:lvl6pPr indent="0" marL="2286000">
               <a:buNone/>
               <a:defRPr sz="1000"/>
             </a:lvl6pPr>
-            <a:lvl7pPr marL="2743200" indent="0">
+            <a:lvl7pPr indent="0" marL="2743200">
               <a:buNone/>
               <a:defRPr sz="1000"/>
             </a:lvl7pPr>
-            <a:lvl8pPr marL="3200400" indent="0">
+            <a:lvl8pPr indent="0" marL="3200400">
               <a:buNone/>
               <a:defRPr sz="1000"/>
             </a:lvl8pPr>
-            <a:lvl9pPr marL="3657600" indent="0">
+            <a:lvl9pPr indent="0" marL="3657600">
               <a:buNone/>
               <a:defRPr sz="1000"/>
             </a:lvl9pPr>
@@ -2761,12 +2466,12 @@
             <a:spLocks noGrp="1"/>
           </p:cNvSpPr>
           <p:nvPr>
-            <p:ph type="dt" sz="half" idx="10"/>
+            <p:ph idx="10" sz="half" type="dt"/>
           </p:nvPr>
         </p:nvSpPr>
         <p:spPr/>
         <p:txBody>
-          <a:bodyPr/>
+          <a:bodyPr numCol="1"/>
           <a:lstStyle/>
           <a:p>
             <a:fld id="{456513CB-B5C6-794C-B9FC-914286F7D4D4}" type="datetimeFigureOut">
@@ -2784,12 +2489,12 @@
             <a:spLocks noGrp="1"/>
           </p:cNvSpPr>
           <p:nvPr>
-            <p:ph type="ftr" sz="quarter" idx="11"/>
+            <p:ph idx="11" sz="quarter" type="ftr"/>
           </p:nvPr>
         </p:nvSpPr>
         <p:spPr/>
         <p:txBody>
-          <a:bodyPr/>
+          <a:bodyPr numCol="1"/>
           <a:lstStyle/>
           <a:p>
             <a:endParaRPr lang="en-US"/>
@@ -2803,12 +2508,12 @@
             <a:spLocks noGrp="1"/>
           </p:cNvSpPr>
           <p:nvPr>
-            <p:ph type="sldNum" sz="quarter" idx="12"/>
+            <p:ph idx="12" sz="quarter" type="sldNum"/>
           </p:nvPr>
         </p:nvSpPr>
         <p:spPr/>
         <p:txBody>
-          <a:bodyPr/>
+          <a:bodyPr numCol="1"/>
           <a:lstStyle/>
           <a:p>
             <a:fld id="{3497227A-95DB-DE4A-82CE-83A3DDE0C863}" type="slidenum">
@@ -2833,7 +2538,7 @@
 </file>
 
 <file path=ppt/slideLayouts/slideLayout9.xml><?xml version="1.0" encoding="utf-8"?>
-<p:sldLayout xmlns:a="http://schemas.openxmlformats.org/drawingml/2006/main" xmlns:r="http://schemas.openxmlformats.org/officeDocument/2006/relationships" xmlns:p="http://schemas.openxmlformats.org/presentationml/2006/main" type="picTx" preserve="1">
+<p:sldLayout xmlns:a="http://schemas.openxmlformats.org/drawingml/2006/main" xmlns:r="http://schemas.openxmlformats.org/officeDocument/2006/relationships" xmlns:p="http://schemas.openxmlformats.org/presentationml/2006/main" preserve="1" type="picTx">
   <p:cSld name="Picture with Caption">
     <p:spTree>
       <p:nvGrpSpPr>
@@ -2866,7 +2571,7 @@
           </a:xfrm>
         </p:spPr>
         <p:txBody>
-          <a:bodyPr anchor="b"/>
+          <a:bodyPr anchor="b" numCol="1"/>
           <a:lstStyle>
             <a:lvl1pPr>
               <a:defRPr sz="3200"/>
@@ -2887,7 +2592,7 @@
             <a:spLocks noGrp="1"/>
           </p:cNvSpPr>
           <p:nvPr>
-            <p:ph type="pic" idx="1"/>
+            <p:ph idx="1" type="pic"/>
           </p:nvPr>
         </p:nvSpPr>
         <p:spPr>
@@ -2897,41 +2602,41 @@
           </a:xfrm>
         </p:spPr>
         <p:txBody>
-          <a:bodyPr/>
+          <a:bodyPr numCol="1"/>
           <a:lstStyle>
-            <a:lvl1pPr marL="0" indent="0">
+            <a:lvl1pPr indent="0" marL="0">
               <a:buNone/>
               <a:defRPr sz="3200"/>
             </a:lvl1pPr>
-            <a:lvl2pPr marL="457200" indent="0">
+            <a:lvl2pPr indent="0" marL="457200">
               <a:buNone/>
               <a:defRPr sz="2800"/>
             </a:lvl2pPr>
-            <a:lvl3pPr marL="914400" indent="0">
+            <a:lvl3pPr indent="0" marL="914400">
               <a:buNone/>
               <a:defRPr sz="2400"/>
             </a:lvl3pPr>
-            <a:lvl4pPr marL="1371600" indent="0">
+            <a:lvl4pPr indent="0" marL="1371600">
               <a:buNone/>
               <a:defRPr sz="2000"/>
             </a:lvl4pPr>
-            <a:lvl5pPr marL="1828800" indent="0">
+            <a:lvl5pPr indent="0" marL="1828800">
               <a:buNone/>
               <a:defRPr sz="2000"/>
             </a:lvl5pPr>
-            <a:lvl6pPr marL="2286000" indent="0">
+            <a:lvl6pPr indent="0" marL="2286000">
               <a:buNone/>
               <a:defRPr sz="2000"/>
             </a:lvl6pPr>
-            <a:lvl7pPr marL="2743200" indent="0">
+            <a:lvl7pPr indent="0" marL="2743200">
               <a:buNone/>
               <a:defRPr sz="2000"/>
             </a:lvl7pPr>
-            <a:lvl8pPr marL="3200400" indent="0">
+            <a:lvl8pPr indent="0" marL="3200400">
               <a:buNone/>
               <a:defRPr sz="2000"/>
             </a:lvl8pPr>
-            <a:lvl9pPr marL="3657600" indent="0">
+            <a:lvl9pPr indent="0" marL="3657600">
               <a:buNone/>
               <a:defRPr sz="2000"/>
             </a:lvl9pPr>
@@ -2948,7 +2653,7 @@
             <a:spLocks noGrp="1"/>
           </p:cNvSpPr>
           <p:nvPr>
-            <p:ph type="body" sz="half" idx="2"/>
+            <p:ph idx="2" sz="half" type="body"/>
           </p:nvPr>
         </p:nvSpPr>
         <p:spPr>
@@ -2958,41 +2663,41 @@
           </a:xfrm>
         </p:spPr>
         <p:txBody>
-          <a:bodyPr/>
+          <a:bodyPr numCol="1"/>
           <a:lstStyle>
-            <a:lvl1pPr marL="0" indent="0">
+            <a:lvl1pPr indent="0" marL="0">
               <a:buNone/>
               <a:defRPr sz="1600"/>
             </a:lvl1pPr>
-            <a:lvl2pPr marL="457200" indent="0">
+            <a:lvl2pPr indent="0" marL="457200">
               <a:buNone/>
               <a:defRPr sz="1400"/>
             </a:lvl2pPr>
-            <a:lvl3pPr marL="914400" indent="0">
+            <a:lvl3pPr indent="0" marL="914400">
               <a:buNone/>
               <a:defRPr sz="1200"/>
             </a:lvl3pPr>
-            <a:lvl4pPr marL="1371600" indent="0">
+            <a:lvl4pPr indent="0" marL="1371600">
               <a:buNone/>
               <a:defRPr sz="1000"/>
             </a:lvl4pPr>
-            <a:lvl5pPr marL="1828800" indent="0">
+            <a:lvl5pPr indent="0" marL="1828800">
               <a:buNone/>
               <a:defRPr sz="1000"/>
             </a:lvl5pPr>
-            <a:lvl6pPr marL="2286000" indent="0">
+            <a:lvl6pPr indent="0" marL="2286000">
               <a:buNone/>
               <a:defRPr sz="1000"/>
             </a:lvl6pPr>
-            <a:lvl7pPr marL="2743200" indent="0">
+            <a:lvl7pPr indent="0" marL="2743200">
               <a:buNone/>
               <a:defRPr sz="1000"/>
             </a:lvl7pPr>
-            <a:lvl8pPr marL="3200400" indent="0">
+            <a:lvl8pPr indent="0" marL="3200400">
               <a:buNone/>
               <a:defRPr sz="1000"/>
             </a:lvl8pPr>
-            <a:lvl9pPr marL="3657600" indent="0">
+            <a:lvl9pPr indent="0" marL="3657600">
               <a:buNone/>
               <a:defRPr sz="1000"/>
             </a:lvl9pPr>
@@ -3013,12 +2718,12 @@
             <a:spLocks noGrp="1"/>
           </p:cNvSpPr>
           <p:nvPr>
-            <p:ph type="dt" sz="half" idx="10"/>
+            <p:ph idx="10" sz="half" type="dt"/>
           </p:nvPr>
         </p:nvSpPr>
         <p:spPr/>
         <p:txBody>
-          <a:bodyPr/>
+          <a:bodyPr numCol="1"/>
           <a:lstStyle/>
           <a:p>
             <a:fld id="{456513CB-B5C6-794C-B9FC-914286F7D4D4}" type="datetimeFigureOut">
@@ -3036,12 +2741,12 @@
             <a:spLocks noGrp="1"/>
           </p:cNvSpPr>
           <p:nvPr>
-            <p:ph type="ftr" sz="quarter" idx="11"/>
+            <p:ph idx="11" sz="quarter" type="ftr"/>
           </p:nvPr>
         </p:nvSpPr>
         <p:spPr/>
         <p:txBody>
-          <a:bodyPr/>
+          <a:bodyPr numCol="1"/>
           <a:lstStyle/>
           <a:p>
             <a:endParaRPr lang="en-US"/>
@@ -3055,12 +2760,12 @@
             <a:spLocks noGrp="1"/>
           </p:cNvSpPr>
           <p:nvPr>
-            <p:ph type="sldNum" sz="quarter" idx="12"/>
+            <p:ph idx="12" sz="quarter" type="sldNum"/>
           </p:nvPr>
         </p:nvSpPr>
         <p:spPr/>
         <p:txBody>
-          <a:bodyPr/>
+          <a:bodyPr numCol="1"/>
           <a:lstStyle/>
           <a:p>
             <a:fld id="{3497227A-95DB-DE4A-82CE-83A3DDE0C863}" type="slidenum">
@@ -3126,7 +2831,7 @@
           </a:prstGeom>
         </p:spPr>
         <p:txBody>
-          <a:bodyPr vert="horz" lIns="91440" tIns="45720" rIns="91440" bIns="45720" rtlCol="0" anchor="ctr">
+          <a:bodyPr anchor="ctr" bIns="45720" lIns="91440" numCol="1" rIns="91440" rtlCol="0" tIns="45720" vert="horz">
             <a:normAutofit/>
           </a:bodyPr>
           <a:lstStyle/>
@@ -3145,7 +2850,7 @@
             <a:spLocks noGrp="1"/>
           </p:cNvSpPr>
           <p:nvPr>
-            <p:ph type="body" idx="1"/>
+            <p:ph idx="1" type="body"/>
           </p:nvPr>
         </p:nvSpPr>
         <p:spPr>
@@ -3158,7 +2863,7 @@
           </a:prstGeom>
         </p:spPr>
         <p:txBody>
-          <a:bodyPr vert="horz" lIns="91440" tIns="45720" rIns="91440" bIns="45720" rtlCol="0">
+          <a:bodyPr bIns="45720" lIns="91440" numCol="1" rIns="91440" rtlCol="0" tIns="45720" vert="horz">
             <a:normAutofit/>
           </a:bodyPr>
           <a:lstStyle/>
@@ -3206,7 +2911,7 @@
             <a:spLocks noGrp="1"/>
           </p:cNvSpPr>
           <p:nvPr>
-            <p:ph type="dt" sz="half" idx="2"/>
+            <p:ph idx="2" sz="half" type="dt"/>
           </p:nvPr>
         </p:nvSpPr>
         <p:spPr>
@@ -3219,7 +2924,7 @@
           </a:prstGeom>
         </p:spPr>
         <p:txBody>
-          <a:bodyPr vert="horz" lIns="91440" tIns="45720" rIns="91440" bIns="45720" rtlCol="0" anchor="ctr"/>
+          <a:bodyPr anchor="ctr" bIns="45720" lIns="91440" numCol="1" rIns="91440" rtlCol="0" tIns="45720" vert="horz"/>
           <a:lstStyle>
             <a:lvl1pPr algn="l">
               <a:defRPr sz="1200">
@@ -3247,7 +2952,7 @@
             <a:spLocks noGrp="1"/>
           </p:cNvSpPr>
           <p:nvPr>
-            <p:ph type="ftr" sz="quarter" idx="3"/>
+            <p:ph idx="3" sz="quarter" type="ftr"/>
           </p:nvPr>
         </p:nvSpPr>
         <p:spPr>
@@ -3260,7 +2965,7 @@
           </a:prstGeom>
         </p:spPr>
         <p:txBody>
-          <a:bodyPr vert="horz" lIns="91440" tIns="45720" rIns="91440" bIns="45720" rtlCol="0" anchor="ctr"/>
+          <a:bodyPr anchor="ctr" bIns="45720" lIns="91440" numCol="1" rIns="91440" rtlCol="0" tIns="45720" vert="horz"/>
           <a:lstStyle>
             <a:lvl1pPr algn="ctr">
               <a:defRPr sz="1200">
@@ -3284,7 +2989,7 @@
             <a:spLocks noGrp="1"/>
           </p:cNvSpPr>
           <p:nvPr>
-            <p:ph type="sldNum" sz="quarter" idx="4"/>
+            <p:ph idx="4" sz="quarter" type="sldNum"/>
           </p:nvPr>
         </p:nvSpPr>
         <p:spPr>
@@ -3297,7 +3002,7 @@
           </a:prstGeom>
         </p:spPr>
         <p:txBody>
-          <a:bodyPr vert="horz" lIns="91440" tIns="45720" rIns="91440" bIns="45720" rtlCol="0" anchor="ctr"/>
+          <a:bodyPr anchor="ctr" bIns="45720" lIns="91440" numCol="1" rIns="91440" rtlCol="0" tIns="45720" vert="horz"/>
           <a:lstStyle>
             <a:lvl1pPr algn="r">
               <a:defRPr sz="1200">
@@ -3325,23 +3030,23 @@
       </p:ext>
     </p:extLst>
   </p:cSld>
-  <p:clrMap bg1="lt1" tx1="dk1" bg2="lt2" tx2="dk2" accent1="accent1" accent2="accent2" accent3="accent3" accent4="accent4" accent5="accent5" accent6="accent6" hlink="hlink" folHlink="folHlink"/>
+  <p:clrMap accent1="accent1" accent2="accent2" accent3="accent3" accent4="accent4" accent5="accent5" accent6="accent6" bg1="lt1" bg2="lt2" folHlink="folHlink" hlink="hlink" tx1="dk1" tx2="dk2"/>
   <p:sldLayoutIdLst>
-    <p:sldLayoutId id="2147483649" r:id="rId1"/>
-    <p:sldLayoutId id="2147483650" r:id="rId2"/>
-    <p:sldLayoutId id="2147483651" r:id="rId3"/>
-    <p:sldLayoutId id="2147483652" r:id="rId4"/>
-    <p:sldLayoutId id="2147483653" r:id="rId5"/>
-    <p:sldLayoutId id="2147483654" r:id="rId6"/>
-    <p:sldLayoutId id="2147483655" r:id="rId7"/>
-    <p:sldLayoutId id="2147483656" r:id="rId8"/>
-    <p:sldLayoutId id="2147483657" r:id="rId9"/>
-    <p:sldLayoutId id="2147483658" r:id="rId10"/>
-    <p:sldLayoutId id="2147483659" r:id="rId11"/>
+    <p:sldLayoutId id="2147483648" r:id="rId2"/>
+    <p:sldLayoutId id="2147483649" r:id="rId3"/>
+    <p:sldLayoutId id="2147483650" r:id="rId4"/>
+    <p:sldLayoutId id="2147483651" r:id="rId5"/>
+    <p:sldLayoutId id="2147483652" r:id="rId6"/>
+    <p:sldLayoutId id="2147483653" r:id="rId7"/>
+    <p:sldLayoutId id="2147483654" r:id="rId8"/>
+    <p:sldLayoutId id="2147483655" r:id="rId9"/>
+    <p:sldLayoutId id="2147483656" r:id="rId10"/>
+    <p:sldLayoutId id="2147483657" r:id="rId11"/>
+    <p:sldLayoutId id="2147483658" r:id="rId12"/>
   </p:sldLayoutIdLst>
   <p:txStyles>
     <p:titleStyle>
-      <a:lvl1pPr algn="l" defTabSz="914400" rtl="0" eaLnBrk="1" latinLnBrk="0" hangingPunct="1">
+      <a:lvl1pPr algn="l" defTabSz="914400" eaLnBrk="1" hangingPunct="1" latinLnBrk="0" rtl="0">
         <a:lnSpc>
           <a:spcPct val="90000"/>
         </a:lnSpc>
@@ -3349,7 +3054,7 @@
           <a:spcPct val="0"/>
         </a:spcBef>
         <a:buNone/>
-        <a:defRPr sz="4400" kern="1200">
+        <a:defRPr kern="1200" sz="4400">
           <a:solidFill>
             <a:schemeClr val="tx1"/>
           </a:solidFill>
@@ -3360,7 +3065,7 @@
       </a:lvl1pPr>
     </p:titleStyle>
     <p:bodyStyle>
-      <a:lvl1pPr marL="228600" indent="-228600" algn="l" defTabSz="914400" rtl="0" eaLnBrk="1" latinLnBrk="0" hangingPunct="1">
+      <a:lvl1pPr algn="l" defTabSz="914400" eaLnBrk="1" hangingPunct="1" indent="-228600" latinLnBrk="0" marL="228600" rtl="0">
         <a:lnSpc>
           <a:spcPct val="90000"/>
         </a:lnSpc>
@@ -3369,7 +3074,7 @@
         </a:spcBef>
         <a:buFont typeface="Arial"/>
         <a:buChar char="•"/>
-        <a:defRPr sz="2800" kern="1200">
+        <a:defRPr kern="1200" sz="2800">
           <a:solidFill>
             <a:schemeClr val="tx1"/>
           </a:solidFill>
@@ -3378,7 +3083,7 @@
           <a:cs typeface="+mn-cs"/>
         </a:defRPr>
       </a:lvl1pPr>
-      <a:lvl2pPr marL="685800" indent="-228600" algn="l" defTabSz="914400" rtl="0" eaLnBrk="1" latinLnBrk="0" hangingPunct="1">
+      <a:lvl2pPr algn="l" defTabSz="914400" eaLnBrk="1" hangingPunct="1" indent="-228600" latinLnBrk="0" marL="685800" rtl="0">
         <a:lnSpc>
           <a:spcPct val="90000"/>
         </a:lnSpc>
@@ -3387,7 +3092,7 @@
         </a:spcBef>
         <a:buFont typeface="Arial"/>
         <a:buChar char="•"/>
-        <a:defRPr sz="2400" kern="1200">
+        <a:defRPr kern="1200" sz="2400">
           <a:solidFill>
             <a:schemeClr val="tx1"/>
           </a:solidFill>
@@ -3396,7 +3101,7 @@
           <a:cs typeface="+mn-cs"/>
         </a:defRPr>
       </a:lvl2pPr>
-      <a:lvl3pPr marL="1143000" indent="-228600" algn="l" defTabSz="914400" rtl="0" eaLnBrk="1" latinLnBrk="0" hangingPunct="1">
+      <a:lvl3pPr algn="l" defTabSz="914400" eaLnBrk="1" hangingPunct="1" indent="-228600" latinLnBrk="0" marL="1143000" rtl="0">
         <a:lnSpc>
           <a:spcPct val="90000"/>
         </a:lnSpc>
@@ -3405,7 +3110,7 @@
         </a:spcBef>
         <a:buFont typeface="Arial"/>
         <a:buChar char="•"/>
-        <a:defRPr sz="2000" kern="1200">
+        <a:defRPr kern="1200" sz="2000">
           <a:solidFill>
             <a:schemeClr val="tx1"/>
           </a:solidFill>
@@ -3414,7 +3119,7 @@
           <a:cs typeface="+mn-cs"/>
         </a:defRPr>
       </a:lvl3pPr>
-      <a:lvl4pPr marL="1600200" indent="-228600" algn="l" defTabSz="914400" rtl="0" eaLnBrk="1" latinLnBrk="0" hangingPunct="1">
+      <a:lvl4pPr algn="l" defTabSz="914400" eaLnBrk="1" hangingPunct="1" indent="-228600" latinLnBrk="0" marL="1600200" rtl="0">
         <a:lnSpc>
           <a:spcPct val="90000"/>
         </a:lnSpc>
@@ -3423,7 +3128,7 @@
         </a:spcBef>
         <a:buFont typeface="Arial"/>
         <a:buChar char="•"/>
-        <a:defRPr sz="1800" kern="1200">
+        <a:defRPr kern="1200" sz="1800">
           <a:solidFill>
             <a:schemeClr val="tx1"/>
           </a:solidFill>
@@ -3432,7 +3137,7 @@
           <a:cs typeface="+mn-cs"/>
         </a:defRPr>
       </a:lvl4pPr>
-      <a:lvl5pPr marL="2057400" indent="-228600" algn="l" defTabSz="914400" rtl="0" eaLnBrk="1" latinLnBrk="0" hangingPunct="1">
+      <a:lvl5pPr algn="l" defTabSz="914400" eaLnBrk="1" hangingPunct="1" indent="-228600" latinLnBrk="0" marL="2057400" rtl="0">
         <a:lnSpc>
           <a:spcPct val="90000"/>
         </a:lnSpc>
@@ -3441,7 +3146,7 @@
         </a:spcBef>
         <a:buFont typeface="Arial"/>
         <a:buChar char="•"/>
-        <a:defRPr sz="1800" kern="1200">
+        <a:defRPr kern="1200" sz="1800">
           <a:solidFill>
             <a:schemeClr val="tx1"/>
           </a:solidFill>
@@ -3450,7 +3155,7 @@
           <a:cs typeface="+mn-cs"/>
         </a:defRPr>
       </a:lvl5pPr>
-      <a:lvl6pPr marL="2514600" indent="-228600" algn="l" defTabSz="914400" rtl="0" eaLnBrk="1" latinLnBrk="0" hangingPunct="1">
+      <a:lvl6pPr algn="l" defTabSz="914400" eaLnBrk="1" hangingPunct="1" indent="-228600" latinLnBrk="0" marL="2514600" rtl="0">
         <a:lnSpc>
           <a:spcPct val="90000"/>
         </a:lnSpc>
@@ -3459,7 +3164,7 @@
         </a:spcBef>
         <a:buFont typeface="Arial"/>
         <a:buChar char="•"/>
-        <a:defRPr sz="1800" kern="1200">
+        <a:defRPr kern="1200" sz="1800">
           <a:solidFill>
             <a:schemeClr val="tx1"/>
           </a:solidFill>
@@ -3468,7 +3173,7 @@
           <a:cs typeface="+mn-cs"/>
         </a:defRPr>
       </a:lvl6pPr>
-      <a:lvl7pPr marL="2971800" indent="-228600" algn="l" defTabSz="914400" rtl="0" eaLnBrk="1" latinLnBrk="0" hangingPunct="1">
+      <a:lvl7pPr algn="l" defTabSz="914400" eaLnBrk="1" hangingPunct="1" indent="-228600" latinLnBrk="0" marL="2971800" rtl="0">
         <a:lnSpc>
           <a:spcPct val="90000"/>
         </a:lnSpc>
@@ -3477,7 +3182,7 @@
         </a:spcBef>
         <a:buFont typeface="Arial"/>
         <a:buChar char="•"/>
-        <a:defRPr sz="1800" kern="1200">
+        <a:defRPr kern="1200" sz="1800">
           <a:solidFill>
             <a:schemeClr val="tx1"/>
           </a:solidFill>
@@ -3486,7 +3191,7 @@
           <a:cs typeface="+mn-cs"/>
         </a:defRPr>
       </a:lvl7pPr>
-      <a:lvl8pPr marL="3429000" indent="-228600" algn="l" defTabSz="914400" rtl="0" eaLnBrk="1" latinLnBrk="0" hangingPunct="1">
+      <a:lvl8pPr algn="l" defTabSz="914400" eaLnBrk="1" hangingPunct="1" indent="-228600" latinLnBrk="0" marL="3429000" rtl="0">
         <a:lnSpc>
           <a:spcPct val="90000"/>
         </a:lnSpc>
@@ -3495,7 +3200,7 @@
         </a:spcBef>
         <a:buFont typeface="Arial"/>
         <a:buChar char="•"/>
-        <a:defRPr sz="1800" kern="1200">
+        <a:defRPr kern="1200" sz="1800">
           <a:solidFill>
             <a:schemeClr val="tx1"/>
           </a:solidFill>
@@ -3504,7 +3209,7 @@
           <a:cs typeface="+mn-cs"/>
         </a:defRPr>
       </a:lvl8pPr>
-      <a:lvl9pPr marL="3886200" indent="-228600" algn="l" defTabSz="914400" rtl="0" eaLnBrk="1" latinLnBrk="0" hangingPunct="1">
+      <a:lvl9pPr algn="l" defTabSz="914400" eaLnBrk="1" hangingPunct="1" indent="-228600" latinLnBrk="0" marL="3886200" rtl="0">
         <a:lnSpc>
           <a:spcPct val="90000"/>
         </a:lnSpc>
@@ -3513,7 +3218,7 @@
         </a:spcBef>
         <a:buFont typeface="Arial"/>
         <a:buChar char="•"/>
-        <a:defRPr sz="1800" kern="1200">
+        <a:defRPr kern="1200" sz="1800">
           <a:solidFill>
             <a:schemeClr val="tx1"/>
           </a:solidFill>
@@ -3527,8 +3232,8 @@
       <a:defPPr>
         <a:defRPr lang="en-US"/>
       </a:defPPr>
-      <a:lvl1pPr marL="0" algn="l" defTabSz="914400" rtl="0" eaLnBrk="1" latinLnBrk="0" hangingPunct="1">
-        <a:defRPr sz="1800" kern="1200">
+      <a:lvl1pPr algn="l" defTabSz="914400" eaLnBrk="1" hangingPunct="1" latinLnBrk="0" marL="0" rtl="0">
+        <a:defRPr kern="1200" sz="1800">
           <a:solidFill>
             <a:schemeClr val="tx1"/>
           </a:solidFill>
@@ -3537,8 +3242,8 @@
           <a:cs typeface="+mn-cs"/>
         </a:defRPr>
       </a:lvl1pPr>
-      <a:lvl2pPr marL="457200" algn="l" defTabSz="914400" rtl="0" eaLnBrk="1" latinLnBrk="0" hangingPunct="1">
-        <a:defRPr sz="1800" kern="1200">
+      <a:lvl2pPr algn="l" defTabSz="914400" eaLnBrk="1" hangingPunct="1" latinLnBrk="0" marL="457200" rtl="0">
+        <a:defRPr kern="1200" sz="1800">
           <a:solidFill>
             <a:schemeClr val="tx1"/>
           </a:solidFill>
@@ -3547,8 +3252,8 @@
           <a:cs typeface="+mn-cs"/>
         </a:defRPr>
       </a:lvl2pPr>
-      <a:lvl3pPr marL="914400" algn="l" defTabSz="914400" rtl="0" eaLnBrk="1" latinLnBrk="0" hangingPunct="1">
-        <a:defRPr sz="1800" kern="1200">
+      <a:lvl3pPr algn="l" defTabSz="914400" eaLnBrk="1" hangingPunct="1" latinLnBrk="0" marL="914400" rtl="0">
+        <a:defRPr kern="1200" sz="1800">
           <a:solidFill>
             <a:schemeClr val="tx1"/>
           </a:solidFill>
@@ -3557,8 +3262,8 @@
           <a:cs typeface="+mn-cs"/>
         </a:defRPr>
       </a:lvl3pPr>
-      <a:lvl4pPr marL="1371600" algn="l" defTabSz="914400" rtl="0" eaLnBrk="1" latinLnBrk="0" hangingPunct="1">
-        <a:defRPr sz="1800" kern="1200">
+      <a:lvl4pPr algn="l" defTabSz="914400" eaLnBrk="1" hangingPunct="1" latinLnBrk="0" marL="1371600" rtl="0">
+        <a:defRPr kern="1200" sz="1800">
           <a:solidFill>
             <a:schemeClr val="tx1"/>
           </a:solidFill>
@@ -3567,8 +3272,8 @@
           <a:cs typeface="+mn-cs"/>
         </a:defRPr>
       </a:lvl4pPr>
-      <a:lvl5pPr marL="1828800" algn="l" defTabSz="914400" rtl="0" eaLnBrk="1" latinLnBrk="0" hangingPunct="1">
-        <a:defRPr sz="1800" kern="1200">
+      <a:lvl5pPr algn="l" defTabSz="914400" eaLnBrk="1" hangingPunct="1" latinLnBrk="0" marL="1828800" rtl="0">
+        <a:defRPr kern="1200" sz="1800">
           <a:solidFill>
             <a:schemeClr val="tx1"/>
           </a:solidFill>
@@ -3577,8 +3282,8 @@
           <a:cs typeface="+mn-cs"/>
         </a:defRPr>
       </a:lvl5pPr>
-      <a:lvl6pPr marL="2286000" algn="l" defTabSz="914400" rtl="0" eaLnBrk="1" latinLnBrk="0" hangingPunct="1">
-        <a:defRPr sz="1800" kern="1200">
+      <a:lvl6pPr algn="l" defTabSz="914400" eaLnBrk="1" hangingPunct="1" latinLnBrk="0" marL="2286000" rtl="0">
+        <a:defRPr kern="1200" sz="1800">
           <a:solidFill>
             <a:schemeClr val="tx1"/>
           </a:solidFill>
@@ -3587,8 +3292,8 @@
           <a:cs typeface="+mn-cs"/>
         </a:defRPr>
       </a:lvl6pPr>
-      <a:lvl7pPr marL="2743200" algn="l" defTabSz="914400" rtl="0" eaLnBrk="1" latinLnBrk="0" hangingPunct="1">
-        <a:defRPr sz="1800" kern="1200">
+      <a:lvl7pPr algn="l" defTabSz="914400" eaLnBrk="1" hangingPunct="1" latinLnBrk="0" marL="2743200" rtl="0">
+        <a:defRPr kern="1200" sz="1800">
           <a:solidFill>
             <a:schemeClr val="tx1"/>
           </a:solidFill>
@@ -3597,8 +3302,8 @@
           <a:cs typeface="+mn-cs"/>
         </a:defRPr>
       </a:lvl7pPr>
-      <a:lvl8pPr marL="3200400" algn="l" defTabSz="914400" rtl="0" eaLnBrk="1" latinLnBrk="0" hangingPunct="1">
-        <a:defRPr sz="1800" kern="1200">
+      <a:lvl8pPr algn="l" defTabSz="914400" eaLnBrk="1" hangingPunct="1" latinLnBrk="0" marL="3200400" rtl="0">
+        <a:defRPr kern="1200" sz="1800">
           <a:solidFill>
             <a:schemeClr val="tx1"/>
           </a:solidFill>
@@ -3607,8 +3312,8 @@
           <a:cs typeface="+mn-cs"/>
         </a:defRPr>
       </a:lvl8pPr>
-      <a:lvl9pPr marL="3657600" algn="l" defTabSz="914400" rtl="0" eaLnBrk="1" latinLnBrk="0" hangingPunct="1">
-        <a:defRPr sz="1800" kern="1200">
+      <a:lvl9pPr algn="l" defTabSz="914400" eaLnBrk="1" hangingPunct="1" latinLnBrk="0" marL="3657600" rtl="0">
+        <a:defRPr kern="1200" sz="1800">
           <a:solidFill>
             <a:schemeClr val="tx1"/>
           </a:solidFill>
@@ -3656,13 +3361,13 @@
           </a:xfrm>
         </p:spPr>
         <p:txBody>
-          <a:bodyPr>
+          <a:bodyPr numCol="1">
             <a:noAutofit/>
           </a:bodyPr>
           <a:lstStyle/>
           <a:p>
             <a:r>
-              <a:rPr lang="en-US" dirty="0"/>
+              <a:rPr dirty="0" lang="en-US"/>
               <a:t>Programming Frameworks</a:t>
             </a:r>
           </a:p>
@@ -3685,17 +3390,17 @@
           <a:noFill/>
         </p:spPr>
         <p:txBody>
-          <a:bodyPr wrap="square" rtlCol="0">
+          <a:bodyPr numCol="1" rtlCol="0" wrap="square">
             <a:spAutoFit/>
           </a:bodyPr>
           <a:lstStyle/>
           <a:p>
             <a:pPr algn="ctr"/>
             <a:r>
-              <a:rPr lang="en-US" sz="6600" dirty="0" err="1"/>
+              <a:rPr dirty="0" err="1" lang="en-US" sz="6600"/>
               <a:t>TensorFlow</a:t>
             </a:r>
-            <a:endParaRPr lang="en-US" sz="6600" dirty="0"/>
+            <a:endParaRPr dirty="0" lang="en-US" sz="6600"/>
           </a:p>
         </p:txBody>
       </p:sp>
@@ -3716,7 +3421,7 @@
           <a:noFill/>
         </p:spPr>
         <p:txBody>
-          <a:bodyPr wrap="square" rtlCol="0">
+          <a:bodyPr numCol="1" rtlCol="0" wrap="square">
             <a:spAutoFit/>
           </a:bodyPr>
           <a:lstStyle/>
@@ -3739,7 +3444,7 @@
           <a:prstGeom prst="line">
             <a:avLst/>
           </a:prstGeom>
-          <a:ln w="19050" cmpd="sng">
+          <a:ln cmpd="sng" w="19050">
             <a:solidFill>
               <a:schemeClr val="tx1">
                 <a:lumMod val="75000"/>
@@ -3838,11 +3543,11 @@
             </a:prstGeom>
           </p:spPr>
           <p:txBody>
-            <a:bodyPr vert="horz" lIns="91440" tIns="45720" rIns="91440" bIns="45720" rtlCol="0" anchor="b">
+            <a:bodyPr anchor="b" bIns="45720" lIns="91440" numCol="1" rIns="91440" rtlCol="0" tIns="45720" vert="horz">
               <a:noAutofit/>
             </a:bodyPr>
             <a:lstStyle>
-              <a:lvl1pPr algn="ctr" defTabSz="914400" rtl="0" eaLnBrk="1" latinLnBrk="0" hangingPunct="1">
+              <a:lvl1pPr algn="ctr" defTabSz="914400" eaLnBrk="1" hangingPunct="1" latinLnBrk="0" rtl="0">
                 <a:lnSpc>
                   <a:spcPct val="90000"/>
                 </a:lnSpc>
@@ -3850,7 +3555,7 @@
                   <a:spcPct val="0"/>
                 </a:spcBef>
                 <a:buNone/>
-                <a:defRPr sz="6000" kern="1200">
+                <a:defRPr kern="1200" sz="6000">
                   <a:solidFill>
                     <a:schemeClr val="tx1"/>
                   </a:solidFill>
@@ -3862,10 +3567,10 @@
             </a:lstStyle>
             <a:p>
               <a:r>
-                <a:rPr lang="en-US" sz="3200" b="1" dirty="0"/>
+                <a:rPr b="1" dirty="0" lang="en-US" sz="3200"/>
                 <a:t>deeplearning.ai</a:t>
               </a:r>
-              <a:endParaRPr lang="en-US" sz="3600" b="1" dirty="0"/>
+              <a:endParaRPr b="1" dirty="0" lang="en-US" sz="3600"/>
             </a:p>
           </p:txBody>
         </p:sp>
@@ -3917,11 +3622,11 @@
           </a:xfrm>
         </p:spPr>
         <p:txBody>
-          <a:bodyPr anchor="t"/>
-          <a:lstStyle/>
-          <a:p>
-            <a:r>
-              <a:rPr lang="en-US" dirty="0"/>
+          <a:bodyPr anchor="t" numCol="1"/>
+          <a:lstStyle/>
+          <a:p>
+            <a:r>
+              <a:rPr dirty="0" lang="en-US"/>
               <a:t>Motivating problem</a:t>
             </a:r>
           </a:p>
@@ -3939,64 +3644,41 @@
         </p:nvSpPr>
         <p:spPr/>
         <p:txBody>
-          <a:bodyPr/>
+          <a:bodyPr numCol="1"/>
           <a:lstStyle/>
           <a:p>
             <a:endParaRPr lang="en-US"/>
           </a:p>
         </p:txBody>
       </p:sp>
-      <mc:AlternateContent xmlns:mc="http://schemas.openxmlformats.org/markup-compatibility/2006">
-        <mc:Choice xmlns:p14="http://schemas.microsoft.com/office/powerpoint/2010/main" Requires="p14">
-          <p:contentPart p14:bwMode="auto" r:id="rId2">
-            <p14:nvContentPartPr>
-              <p14:cNvPr id="3" name="Ink 2">
-                <a:extLst>
-                  <a:ext uri="{FF2B5EF4-FFF2-40B4-BE49-F238E27FC236}">
-                    <a16:creationId xmlns:a16="http://schemas.microsoft.com/office/drawing/2014/main" id="{F55535C4-6F2D-408E-823B-FA256EB21536}"/>
-                  </a:ext>
-                </a:extLst>
-              </p14:cNvPr>
-              <p14:cNvContentPartPr/>
-              <p14:nvPr/>
-            </p14:nvContentPartPr>
-            <p14:xfrm>
-              <a:off x="1714680" y="1542960"/>
-              <a:ext cx="6909120" cy="3651840"/>
-            </p14:xfrm>
-          </p:contentPart>
-        </mc:Choice>
-        <mc:Fallback>
-          <p:pic>
-            <p:nvPicPr>
-              <p:cNvPr id="3" name="Ink 2">
-                <a:extLst>
-                  <a:ext uri="{FF2B5EF4-FFF2-40B4-BE49-F238E27FC236}">
-                    <a16:creationId xmlns:a16="http://schemas.microsoft.com/office/drawing/2014/main" id="{F55535C4-6F2D-408E-823B-FA256EB21536}"/>
-                  </a:ext>
-                </a:extLst>
-              </p:cNvPr>
-              <p:cNvPicPr/>
-              <p:nvPr/>
-            </p:nvPicPr>
-            <p:blipFill>
-              <a:blip r:embed="rId3"/>
-              <a:stretch>
-                <a:fillRect/>
-              </a:stretch>
-            </p:blipFill>
-            <p:spPr>
-              <a:xfrm>
-                <a:off x="1705320" y="1533600"/>
-                <a:ext cx="6927840" cy="3670560"/>
-              </a:xfrm>
-              <a:prstGeom prst="rect">
-                <a:avLst/>
-              </a:prstGeom>
-            </p:spPr>
-          </p:pic>
-        </mc:Fallback>
-      </mc:AlternateContent>
+      <p:pic>
+        <p:nvPicPr>
+          <p:cNvPr id="3" name="Ink 2">
+            <a:extLst>
+              <a:ext uri="{FF2B5EF4-FFF2-40B4-BE49-F238E27FC236}">
+                <a16:creationId xmlns:a16="http://schemas.microsoft.com/office/drawing/2014/main" id="{F55535C4-6F2D-408E-823B-FA256EB21536}"/>
+              </a:ext>
+            </a:extLst>
+          </p:cNvPr>
+          <p:cNvPicPr/>
+          <p:nvPr/>
+        </p:nvPicPr>
+        <p:blipFill>
+          <a:blip r:embed="rId2"/>
+          <a:stretch>
+            <a:fillRect/>
+          </a:stretch>
+        </p:blipFill>
+        <p:spPr>
+          <a:xfrm>
+            <a:off x="1705320" y="1533600"/>
+            <a:ext cx="6927840" cy="3670560"/>
+          </a:xfrm>
+          <a:prstGeom prst="rect">
+            <a:avLst/>
+          </a:prstGeom>
+        </p:spPr>
+      </p:pic>
     </p:spTree>
     <p:extLst>
       <p:ext uri="{BB962C8B-B14F-4D97-AF65-F5344CB8AC3E}">
@@ -4044,11 +3726,11 @@
           </a:xfrm>
         </p:spPr>
         <p:txBody>
-          <a:bodyPr anchor="t"/>
-          <a:lstStyle/>
-          <a:p>
-            <a:r>
-              <a:rPr lang="en-US" dirty="0"/>
+          <a:bodyPr anchor="t" numCol="1"/>
+          <a:lstStyle/>
+          <a:p>
+            <a:r>
+              <a:rPr dirty="0" lang="en-US"/>
               <a:t>Code example</a:t>
             </a:r>
           </a:p>
@@ -4077,807 +3759,807 @@
           </a:xfrm>
         </p:spPr>
         <p:txBody>
-          <a:bodyPr>
+          <a:bodyPr numCol="1">
             <a:noAutofit/>
           </a:bodyPr>
           <a:lstStyle/>
           <a:p>
-            <a:pPr marL="0" indent="0">
+            <a:pPr indent="0" marL="0">
               <a:buNone/>
             </a:pPr>
             <a:r>
-              <a:rPr lang="en-US" sz="1800" dirty="0">
-                <a:solidFill>
-                  <a:schemeClr val="accent1">
-                    <a:lumMod val="75000"/>
-                  </a:schemeClr>
-                </a:solidFill>
-                <a:latin typeface="American Typewriter" charset="0"/>
-                <a:ea typeface="American Typewriter" charset="0"/>
-                <a:cs typeface="American Typewriter" charset="0"/>
+              <a:rPr dirty="0" lang="en-US" sz="1800">
+                <a:solidFill>
+                  <a:schemeClr val="accent1">
+                    <a:lumMod val="75000"/>
+                  </a:schemeClr>
+                </a:solidFill>
+                <a:latin charset="0" typeface="American Typewriter"/>
+                <a:ea charset="0" typeface="American Typewriter"/>
+                <a:cs charset="0" typeface="American Typewriter"/>
               </a:rPr>
               <a:t>import </a:t>
             </a:r>
             <a:r>
-              <a:rPr lang="en-US" sz="1800" dirty="0" err="1">
-                <a:solidFill>
-                  <a:schemeClr val="accent1">
-                    <a:lumMod val="75000"/>
-                  </a:schemeClr>
-                </a:solidFill>
-                <a:latin typeface="American Typewriter" charset="0"/>
-                <a:ea typeface="American Typewriter" charset="0"/>
-                <a:cs typeface="American Typewriter" charset="0"/>
+              <a:rPr dirty="0" err="1" lang="en-US" sz="1800">
+                <a:solidFill>
+                  <a:schemeClr val="accent1">
+                    <a:lumMod val="75000"/>
+                  </a:schemeClr>
+                </a:solidFill>
+                <a:latin charset="0" typeface="American Typewriter"/>
+                <a:ea charset="0" typeface="American Typewriter"/>
+                <a:cs charset="0" typeface="American Typewriter"/>
               </a:rPr>
               <a:t>numpy</a:t>
             </a:r>
             <a:r>
-              <a:rPr lang="en-US" sz="1800" dirty="0">
-                <a:solidFill>
-                  <a:schemeClr val="accent1">
-                    <a:lumMod val="75000"/>
-                  </a:schemeClr>
-                </a:solidFill>
-                <a:latin typeface="American Typewriter" charset="0"/>
-                <a:ea typeface="American Typewriter" charset="0"/>
-                <a:cs typeface="American Typewriter" charset="0"/>
+              <a:rPr dirty="0" lang="en-US" sz="1800">
+                <a:solidFill>
+                  <a:schemeClr val="accent1">
+                    <a:lumMod val="75000"/>
+                  </a:schemeClr>
+                </a:solidFill>
+                <a:latin charset="0" typeface="American Typewriter"/>
+                <a:ea charset="0" typeface="American Typewriter"/>
+                <a:cs charset="0" typeface="American Typewriter"/>
               </a:rPr>
               <a:t> as np </a:t>
             </a:r>
           </a:p>
           <a:p>
-            <a:pPr marL="0" indent="0">
+            <a:pPr indent="0" marL="0">
               <a:buNone/>
             </a:pPr>
             <a:r>
-              <a:rPr lang="en-US" sz="1800" dirty="0">
-                <a:solidFill>
-                  <a:schemeClr val="accent1">
-                    <a:lumMod val="75000"/>
-                  </a:schemeClr>
-                </a:solidFill>
-                <a:latin typeface="American Typewriter" charset="0"/>
-                <a:ea typeface="American Typewriter" charset="0"/>
-                <a:cs typeface="American Typewriter" charset="0"/>
+              <a:rPr dirty="0" lang="en-US" sz="1800">
+                <a:solidFill>
+                  <a:schemeClr val="accent1">
+                    <a:lumMod val="75000"/>
+                  </a:schemeClr>
+                </a:solidFill>
+                <a:latin charset="0" typeface="American Typewriter"/>
+                <a:ea charset="0" typeface="American Typewriter"/>
+                <a:cs charset="0" typeface="American Typewriter"/>
               </a:rPr>
               <a:t>import </a:t>
             </a:r>
             <a:r>
-              <a:rPr lang="en-US" sz="1800" dirty="0" err="1">
-                <a:solidFill>
-                  <a:schemeClr val="accent1">
-                    <a:lumMod val="75000"/>
-                  </a:schemeClr>
-                </a:solidFill>
-                <a:latin typeface="American Typewriter" charset="0"/>
-                <a:ea typeface="American Typewriter" charset="0"/>
-                <a:cs typeface="American Typewriter" charset="0"/>
+              <a:rPr dirty="0" err="1" lang="en-US" sz="1800">
+                <a:solidFill>
+                  <a:schemeClr val="accent1">
+                    <a:lumMod val="75000"/>
+                  </a:schemeClr>
+                </a:solidFill>
+                <a:latin charset="0" typeface="American Typewriter"/>
+                <a:ea charset="0" typeface="American Typewriter"/>
+                <a:cs charset="0" typeface="American Typewriter"/>
               </a:rPr>
               <a:t>tensorflow</a:t>
             </a:r>
             <a:r>
-              <a:rPr lang="en-US" sz="1800" dirty="0">
-                <a:solidFill>
-                  <a:schemeClr val="accent1">
-                    <a:lumMod val="75000"/>
-                  </a:schemeClr>
-                </a:solidFill>
-                <a:latin typeface="American Typewriter" charset="0"/>
-                <a:ea typeface="American Typewriter" charset="0"/>
-                <a:cs typeface="American Typewriter" charset="0"/>
+              <a:rPr dirty="0" lang="en-US" sz="1800">
+                <a:solidFill>
+                  <a:schemeClr val="accent1">
+                    <a:lumMod val="75000"/>
+                  </a:schemeClr>
+                </a:solidFill>
+                <a:latin charset="0" typeface="American Typewriter"/>
+                <a:ea charset="0" typeface="American Typewriter"/>
+                <a:cs charset="0" typeface="American Typewriter"/>
               </a:rPr>
               <a:t> as </a:t>
             </a:r>
             <a:r>
-              <a:rPr lang="en-US" sz="1800" dirty="0" err="1">
-                <a:solidFill>
-                  <a:schemeClr val="accent1">
-                    <a:lumMod val="75000"/>
-                  </a:schemeClr>
-                </a:solidFill>
-                <a:latin typeface="American Typewriter" charset="0"/>
-                <a:ea typeface="American Typewriter" charset="0"/>
-                <a:cs typeface="American Typewriter" charset="0"/>
+              <a:rPr dirty="0" err="1" lang="en-US" sz="1800">
+                <a:solidFill>
+                  <a:schemeClr val="accent1">
+                    <a:lumMod val="75000"/>
+                  </a:schemeClr>
+                </a:solidFill>
+                <a:latin charset="0" typeface="American Typewriter"/>
+                <a:ea charset="0" typeface="American Typewriter"/>
+                <a:cs charset="0" typeface="American Typewriter"/>
               </a:rPr>
               <a:t>tf</a:t>
             </a:r>
-            <a:endParaRPr lang="en-US" sz="1800" dirty="0">
+            <a:endParaRPr dirty="0" lang="en-US" sz="1800">
               <a:solidFill>
                 <a:schemeClr val="accent1">
                   <a:lumMod val="75000"/>
                 </a:schemeClr>
               </a:solidFill>
-              <a:latin typeface="American Typewriter" charset="0"/>
-              <a:ea typeface="American Typewriter" charset="0"/>
-              <a:cs typeface="American Typewriter" charset="0"/>
+              <a:latin charset="0" typeface="American Typewriter"/>
+              <a:ea charset="0" typeface="American Typewriter"/>
+              <a:cs charset="0" typeface="American Typewriter"/>
             </a:endParaRPr>
           </a:p>
           <a:p>
-            <a:pPr marL="0" indent="0">
+            <a:pPr indent="0" marL="0">
               <a:buNone/>
             </a:pPr>
-            <a:endParaRPr lang="en-US" sz="1000" dirty="0">
+            <a:endParaRPr dirty="0" lang="en-US" sz="1000">
               <a:solidFill>
                 <a:schemeClr val="accent1">
                   <a:lumMod val="75000"/>
                 </a:schemeClr>
               </a:solidFill>
-              <a:latin typeface="American Typewriter" charset="0"/>
-              <a:ea typeface="American Typewriter" charset="0"/>
-              <a:cs typeface="American Typewriter" charset="0"/>
+              <a:latin charset="0" typeface="American Typewriter"/>
+              <a:ea charset="0" typeface="American Typewriter"/>
+              <a:cs charset="0" typeface="American Typewriter"/>
             </a:endParaRPr>
           </a:p>
           <a:p>
-            <a:pPr marL="0" indent="0">
+            <a:pPr indent="0" marL="0">
               <a:buNone/>
             </a:pPr>
             <a:r>
-              <a:rPr lang="en-US" sz="1800" dirty="0">
-                <a:solidFill>
-                  <a:schemeClr val="accent1">
-                    <a:lumMod val="75000"/>
-                  </a:schemeClr>
-                </a:solidFill>
-                <a:latin typeface="American Typewriter" charset="0"/>
-                <a:ea typeface="American Typewriter" charset="0"/>
-                <a:cs typeface="American Typewriter" charset="0"/>
+              <a:rPr dirty="0" lang="en-US" sz="1800">
+                <a:solidFill>
+                  <a:schemeClr val="accent1">
+                    <a:lumMod val="75000"/>
+                  </a:schemeClr>
+                </a:solidFill>
+                <a:latin charset="0" typeface="American Typewriter"/>
+                <a:ea charset="0" typeface="American Typewriter"/>
+                <a:cs charset="0" typeface="American Typewriter"/>
               </a:rPr>
               <a:t>coefficients = </a:t>
             </a:r>
             <a:r>
-              <a:rPr lang="en-US" sz="1800" dirty="0" err="1">
-                <a:solidFill>
-                  <a:schemeClr val="accent1">
-                    <a:lumMod val="75000"/>
-                  </a:schemeClr>
-                </a:solidFill>
-                <a:latin typeface="American Typewriter" charset="0"/>
-                <a:ea typeface="American Typewriter" charset="0"/>
-                <a:cs typeface="American Typewriter" charset="0"/>
+              <a:rPr dirty="0" err="1" lang="en-US" sz="1800">
+                <a:solidFill>
+                  <a:schemeClr val="accent1">
+                    <a:lumMod val="75000"/>
+                  </a:schemeClr>
+                </a:solidFill>
+                <a:latin charset="0" typeface="American Typewriter"/>
+                <a:ea charset="0" typeface="American Typewriter"/>
+                <a:cs charset="0" typeface="American Typewriter"/>
               </a:rPr>
               <a:t>np.array</a:t>
             </a:r>
             <a:r>
-              <a:rPr lang="en-US" sz="1800" dirty="0">
-                <a:solidFill>
-                  <a:schemeClr val="accent1">
-                    <a:lumMod val="75000"/>
-                  </a:schemeClr>
-                </a:solidFill>
-                <a:latin typeface="American Typewriter" charset="0"/>
-                <a:ea typeface="American Typewriter" charset="0"/>
-                <a:cs typeface="American Typewriter" charset="0"/>
+              <a:rPr dirty="0" lang="en-US" sz="1800">
+                <a:solidFill>
+                  <a:schemeClr val="accent1">
+                    <a:lumMod val="75000"/>
+                  </a:schemeClr>
+                </a:solidFill>
+                <a:latin charset="0" typeface="American Typewriter"/>
+                <a:ea charset="0" typeface="American Typewriter"/>
+                <a:cs charset="0" typeface="American Typewriter"/>
               </a:rPr>
               <a:t>([[1], [-20], [25]])</a:t>
             </a:r>
             <a:br>
-              <a:rPr lang="en-US" sz="1800" dirty="0">
-                <a:solidFill>
-                  <a:schemeClr val="accent1">
-                    <a:lumMod val="75000"/>
-                  </a:schemeClr>
-                </a:solidFill>
-                <a:latin typeface="American Typewriter" charset="0"/>
-                <a:ea typeface="American Typewriter" charset="0"/>
-                <a:cs typeface="American Typewriter" charset="0"/>
+              <a:rPr dirty="0" lang="en-US" sz="1800">
+                <a:solidFill>
+                  <a:schemeClr val="accent1">
+                    <a:lumMod val="75000"/>
+                  </a:schemeClr>
+                </a:solidFill>
+                <a:latin charset="0" typeface="American Typewriter"/>
+                <a:ea charset="0" typeface="American Typewriter"/>
+                <a:cs charset="0" typeface="American Typewriter"/>
               </a:rPr>
             </a:br>
-            <a:endParaRPr lang="en-US" sz="1800" dirty="0">
+            <a:endParaRPr dirty="0" lang="en-US" sz="1800">
               <a:solidFill>
                 <a:schemeClr val="accent1">
                   <a:lumMod val="75000"/>
                 </a:schemeClr>
               </a:solidFill>
-              <a:latin typeface="American Typewriter" charset="0"/>
-              <a:ea typeface="American Typewriter" charset="0"/>
-              <a:cs typeface="American Typewriter" charset="0"/>
+              <a:latin charset="0" typeface="American Typewriter"/>
+              <a:ea charset="0" typeface="American Typewriter"/>
+              <a:cs charset="0" typeface="American Typewriter"/>
             </a:endParaRPr>
           </a:p>
           <a:p>
-            <a:pPr marL="0" indent="0">
+            <a:pPr indent="0" marL="0">
               <a:buNone/>
             </a:pPr>
             <a:r>
-              <a:rPr lang="en-US" sz="1800" dirty="0">
-                <a:solidFill>
-                  <a:schemeClr val="accent1">
-                    <a:lumMod val="75000"/>
-                  </a:schemeClr>
-                </a:solidFill>
-                <a:latin typeface="American Typewriter" charset="0"/>
-                <a:ea typeface="American Typewriter" charset="0"/>
-                <a:cs typeface="American Typewriter" charset="0"/>
+              <a:rPr dirty="0" lang="en-US" sz="1800">
+                <a:solidFill>
+                  <a:schemeClr val="accent1">
+                    <a:lumMod val="75000"/>
+                  </a:schemeClr>
+                </a:solidFill>
+                <a:latin charset="0" typeface="American Typewriter"/>
+                <a:ea charset="0" typeface="American Typewriter"/>
+                <a:cs charset="0" typeface="American Typewriter"/>
               </a:rPr>
               <a:t>w = </a:t>
             </a:r>
             <a:r>
-              <a:rPr lang="en-US" sz="1800" dirty="0" err="1">
-                <a:solidFill>
-                  <a:schemeClr val="accent1">
-                    <a:lumMod val="75000"/>
-                  </a:schemeClr>
-                </a:solidFill>
-                <a:latin typeface="American Typewriter" charset="0"/>
-                <a:ea typeface="American Typewriter" charset="0"/>
-                <a:cs typeface="American Typewriter" charset="0"/>
+              <a:rPr dirty="0" err="1" lang="en-US" sz="1800">
+                <a:solidFill>
+                  <a:schemeClr val="accent1">
+                    <a:lumMod val="75000"/>
+                  </a:schemeClr>
+                </a:solidFill>
+                <a:latin charset="0" typeface="American Typewriter"/>
+                <a:ea charset="0" typeface="American Typewriter"/>
+                <a:cs charset="0" typeface="American Typewriter"/>
               </a:rPr>
               <a:t>tf.Variable</a:t>
             </a:r>
             <a:r>
-              <a:rPr lang="en-US" sz="1800" dirty="0">
-                <a:solidFill>
-                  <a:schemeClr val="accent1">
-                    <a:lumMod val="75000"/>
-                  </a:schemeClr>
-                </a:solidFill>
-                <a:latin typeface="American Typewriter" charset="0"/>
-                <a:ea typeface="American Typewriter" charset="0"/>
-                <a:cs typeface="American Typewriter" charset="0"/>
+              <a:rPr dirty="0" lang="en-US" sz="1800">
+                <a:solidFill>
+                  <a:schemeClr val="accent1">
+                    <a:lumMod val="75000"/>
+                  </a:schemeClr>
+                </a:solidFill>
+                <a:latin charset="0" typeface="American Typewriter"/>
+                <a:ea charset="0" typeface="American Typewriter"/>
+                <a:cs charset="0" typeface="American Typewriter"/>
               </a:rPr>
               <a:t>([0],</a:t>
             </a:r>
             <a:r>
-              <a:rPr lang="en-US" sz="1800" dirty="0" err="1">
-                <a:solidFill>
-                  <a:schemeClr val="accent1">
-                    <a:lumMod val="75000"/>
-                  </a:schemeClr>
-                </a:solidFill>
-                <a:latin typeface="American Typewriter" charset="0"/>
-                <a:ea typeface="American Typewriter" charset="0"/>
-                <a:cs typeface="American Typewriter" charset="0"/>
+              <a:rPr dirty="0" err="1" lang="en-US" sz="1800">
+                <a:solidFill>
+                  <a:schemeClr val="accent1">
+                    <a:lumMod val="75000"/>
+                  </a:schemeClr>
+                </a:solidFill>
+                <a:latin charset="0" typeface="American Typewriter"/>
+                <a:ea charset="0" typeface="American Typewriter"/>
+                <a:cs charset="0" typeface="American Typewriter"/>
               </a:rPr>
               <a:t>dtype</a:t>
             </a:r>
             <a:r>
-              <a:rPr lang="en-US" sz="1800" dirty="0">
-                <a:solidFill>
-                  <a:schemeClr val="accent1">
-                    <a:lumMod val="75000"/>
-                  </a:schemeClr>
-                </a:solidFill>
-                <a:latin typeface="American Typewriter" charset="0"/>
-                <a:ea typeface="American Typewriter" charset="0"/>
-                <a:cs typeface="American Typewriter" charset="0"/>
+              <a:rPr dirty="0" lang="en-US" sz="1800">
+                <a:solidFill>
+                  <a:schemeClr val="accent1">
+                    <a:lumMod val="75000"/>
+                  </a:schemeClr>
+                </a:solidFill>
+                <a:latin charset="0" typeface="American Typewriter"/>
+                <a:ea charset="0" typeface="American Typewriter"/>
+                <a:cs charset="0" typeface="American Typewriter"/>
               </a:rPr>
               <a:t>=tf.float32)</a:t>
             </a:r>
           </a:p>
           <a:p>
-            <a:pPr marL="0" indent="0">
+            <a:pPr indent="0" marL="0">
               <a:buNone/>
             </a:pPr>
             <a:r>
-              <a:rPr lang="en-US" sz="1800" dirty="0">
-                <a:solidFill>
-                  <a:schemeClr val="accent1">
-                    <a:lumMod val="75000"/>
-                  </a:schemeClr>
-                </a:solidFill>
-                <a:latin typeface="American Typewriter" charset="0"/>
-                <a:ea typeface="American Typewriter" charset="0"/>
-                <a:cs typeface="American Typewriter" charset="0"/>
+              <a:rPr dirty="0" lang="en-US" sz="1800">
+                <a:solidFill>
+                  <a:schemeClr val="accent1">
+                    <a:lumMod val="75000"/>
+                  </a:schemeClr>
+                </a:solidFill>
+                <a:latin charset="0" typeface="American Typewriter"/>
+                <a:ea charset="0" typeface="American Typewriter"/>
+                <a:cs charset="0" typeface="American Typewriter"/>
               </a:rPr>
               <a:t>x = </a:t>
             </a:r>
             <a:r>
-              <a:rPr lang="en-US" sz="1800" dirty="0" err="1">
-                <a:solidFill>
-                  <a:schemeClr val="accent1">
-                    <a:lumMod val="75000"/>
-                  </a:schemeClr>
-                </a:solidFill>
-                <a:latin typeface="American Typewriter" charset="0"/>
-                <a:ea typeface="American Typewriter" charset="0"/>
-                <a:cs typeface="American Typewriter" charset="0"/>
+              <a:rPr dirty="0" err="1" lang="en-US" sz="1800">
+                <a:solidFill>
+                  <a:schemeClr val="accent1">
+                    <a:lumMod val="75000"/>
+                  </a:schemeClr>
+                </a:solidFill>
+                <a:latin charset="0" typeface="American Typewriter"/>
+                <a:ea charset="0" typeface="American Typewriter"/>
+                <a:cs charset="0" typeface="American Typewriter"/>
               </a:rPr>
               <a:t>tf.placeholder</a:t>
             </a:r>
             <a:r>
-              <a:rPr lang="en-US" sz="1800" dirty="0">
-                <a:solidFill>
-                  <a:schemeClr val="accent1">
-                    <a:lumMod val="75000"/>
-                  </a:schemeClr>
-                </a:solidFill>
-                <a:latin typeface="American Typewriter" charset="0"/>
-                <a:ea typeface="American Typewriter" charset="0"/>
-                <a:cs typeface="American Typewriter" charset="0"/>
+              <a:rPr dirty="0" lang="en-US" sz="1800">
+                <a:solidFill>
+                  <a:schemeClr val="accent1">
+                    <a:lumMod val="75000"/>
+                  </a:schemeClr>
+                </a:solidFill>
+                <a:latin charset="0" typeface="American Typewriter"/>
+                <a:ea charset="0" typeface="American Typewriter"/>
+                <a:cs charset="0" typeface="American Typewriter"/>
               </a:rPr>
               <a:t>(tf.float32, [3,1])</a:t>
             </a:r>
           </a:p>
           <a:p>
-            <a:pPr marL="0" indent="0">
+            <a:pPr indent="0" marL="0">
               <a:buNone/>
             </a:pPr>
             <a:r>
-              <a:rPr lang="en-US" sz="1800" dirty="0">
-                <a:solidFill>
-                  <a:schemeClr val="accent1">
-                    <a:lumMod val="75000"/>
-                  </a:schemeClr>
-                </a:solidFill>
-                <a:latin typeface="American Typewriter" charset="0"/>
-                <a:ea typeface="American Typewriter" charset="0"/>
-                <a:cs typeface="American Typewriter" charset="0"/>
+              <a:rPr dirty="0" lang="en-US" sz="1800">
+                <a:solidFill>
+                  <a:schemeClr val="accent1">
+                    <a:lumMod val="75000"/>
+                  </a:schemeClr>
+                </a:solidFill>
+                <a:latin charset="0" typeface="American Typewriter"/>
+                <a:ea charset="0" typeface="American Typewriter"/>
+                <a:cs charset="0" typeface="American Typewriter"/>
               </a:rPr>
               <a:t>cost = x[0][0]*w**2 + x[1][0]*w + x[2][0]    # (w-5)**2</a:t>
             </a:r>
           </a:p>
           <a:p>
-            <a:pPr marL="0" indent="0">
+            <a:pPr indent="0" marL="0">
               <a:buNone/>
             </a:pPr>
             <a:r>
-              <a:rPr lang="en-US" sz="1800" dirty="0">
-                <a:solidFill>
-                  <a:schemeClr val="accent1">
-                    <a:lumMod val="75000"/>
-                  </a:schemeClr>
-                </a:solidFill>
-                <a:latin typeface="American Typewriter" charset="0"/>
-                <a:ea typeface="American Typewriter" charset="0"/>
-                <a:cs typeface="American Typewriter" charset="0"/>
+              <a:rPr dirty="0" lang="en-US" sz="1800">
+                <a:solidFill>
+                  <a:schemeClr val="accent1">
+                    <a:lumMod val="75000"/>
+                  </a:schemeClr>
+                </a:solidFill>
+                <a:latin charset="0" typeface="American Typewriter"/>
+                <a:ea charset="0" typeface="American Typewriter"/>
+                <a:cs charset="0" typeface="American Typewriter"/>
               </a:rPr>
               <a:t>train = </a:t>
             </a:r>
             <a:r>
-              <a:rPr lang="en-US" sz="1800" dirty="0" err="1">
-                <a:solidFill>
-                  <a:schemeClr val="accent1">
-                    <a:lumMod val="75000"/>
-                  </a:schemeClr>
-                </a:solidFill>
-                <a:latin typeface="American Typewriter" charset="0"/>
-                <a:ea typeface="American Typewriter" charset="0"/>
-                <a:cs typeface="American Typewriter" charset="0"/>
+              <a:rPr dirty="0" err="1" lang="en-US" sz="1800">
+                <a:solidFill>
+                  <a:schemeClr val="accent1">
+                    <a:lumMod val="75000"/>
+                  </a:schemeClr>
+                </a:solidFill>
+                <a:latin charset="0" typeface="American Typewriter"/>
+                <a:ea charset="0" typeface="American Typewriter"/>
+                <a:cs charset="0" typeface="American Typewriter"/>
               </a:rPr>
               <a:t>tf.train.GradientDescentOptimizer</a:t>
             </a:r>
             <a:r>
-              <a:rPr lang="en-US" sz="1800" dirty="0">
-                <a:solidFill>
-                  <a:schemeClr val="accent1">
-                    <a:lumMod val="75000"/>
-                  </a:schemeClr>
-                </a:solidFill>
-                <a:latin typeface="American Typewriter" charset="0"/>
-                <a:ea typeface="American Typewriter" charset="0"/>
-                <a:cs typeface="American Typewriter" charset="0"/>
+              <a:rPr dirty="0" lang="en-US" sz="1800">
+                <a:solidFill>
+                  <a:schemeClr val="accent1">
+                    <a:lumMod val="75000"/>
+                  </a:schemeClr>
+                </a:solidFill>
+                <a:latin charset="0" typeface="American Typewriter"/>
+                <a:ea charset="0" typeface="American Typewriter"/>
+                <a:cs charset="0" typeface="American Typewriter"/>
               </a:rPr>
               <a:t>(0.01).minimize(cost)</a:t>
             </a:r>
           </a:p>
           <a:p>
-            <a:pPr marL="0" indent="0">
+            <a:pPr indent="0" marL="0">
               <a:buNone/>
             </a:pPr>
             <a:r>
-              <a:rPr lang="en-US" sz="1800" dirty="0" err="1">
-                <a:solidFill>
-                  <a:schemeClr val="accent1">
-                    <a:lumMod val="75000"/>
-                  </a:schemeClr>
-                </a:solidFill>
-                <a:latin typeface="American Typewriter" charset="0"/>
-                <a:ea typeface="American Typewriter" charset="0"/>
-                <a:cs typeface="American Typewriter" charset="0"/>
+              <a:rPr dirty="0" err="1" lang="en-US" sz="1800">
+                <a:solidFill>
+                  <a:schemeClr val="accent1">
+                    <a:lumMod val="75000"/>
+                  </a:schemeClr>
+                </a:solidFill>
+                <a:latin charset="0" typeface="American Typewriter"/>
+                <a:ea charset="0" typeface="American Typewriter"/>
+                <a:cs charset="0" typeface="American Typewriter"/>
               </a:rPr>
               <a:t>init</a:t>
             </a:r>
             <a:r>
-              <a:rPr lang="en-US" sz="1800" dirty="0">
-                <a:solidFill>
-                  <a:schemeClr val="accent1">
-                    <a:lumMod val="75000"/>
-                  </a:schemeClr>
-                </a:solidFill>
-                <a:latin typeface="American Typewriter" charset="0"/>
-                <a:ea typeface="American Typewriter" charset="0"/>
-                <a:cs typeface="American Typewriter" charset="0"/>
+              <a:rPr dirty="0" lang="en-US" sz="1800">
+                <a:solidFill>
+                  <a:schemeClr val="accent1">
+                    <a:lumMod val="75000"/>
+                  </a:schemeClr>
+                </a:solidFill>
+                <a:latin charset="0" typeface="American Typewriter"/>
+                <a:ea charset="0" typeface="American Typewriter"/>
+                <a:cs charset="0" typeface="American Typewriter"/>
               </a:rPr>
               <a:t> = </a:t>
             </a:r>
             <a:r>
-              <a:rPr lang="en-US" sz="1800" dirty="0" err="1">
-                <a:solidFill>
-                  <a:schemeClr val="accent1">
-                    <a:lumMod val="75000"/>
-                  </a:schemeClr>
-                </a:solidFill>
-                <a:latin typeface="American Typewriter" charset="0"/>
-                <a:ea typeface="American Typewriter" charset="0"/>
-                <a:cs typeface="American Typewriter" charset="0"/>
+              <a:rPr dirty="0" err="1" lang="en-US" sz="1800">
+                <a:solidFill>
+                  <a:schemeClr val="accent1">
+                    <a:lumMod val="75000"/>
+                  </a:schemeClr>
+                </a:solidFill>
+                <a:latin charset="0" typeface="American Typewriter"/>
+                <a:ea charset="0" typeface="American Typewriter"/>
+                <a:cs charset="0" typeface="American Typewriter"/>
               </a:rPr>
               <a:t>tf.global_variables_initializer</a:t>
             </a:r>
             <a:r>
-              <a:rPr lang="en-US" sz="1800" dirty="0">
-                <a:solidFill>
-                  <a:schemeClr val="accent1">
-                    <a:lumMod val="75000"/>
-                  </a:schemeClr>
-                </a:solidFill>
-                <a:latin typeface="American Typewriter" charset="0"/>
-                <a:ea typeface="American Typewriter" charset="0"/>
-                <a:cs typeface="American Typewriter" charset="0"/>
+              <a:rPr dirty="0" lang="en-US" sz="1800">
+                <a:solidFill>
+                  <a:schemeClr val="accent1">
+                    <a:lumMod val="75000"/>
+                  </a:schemeClr>
+                </a:solidFill>
+                <a:latin charset="0" typeface="American Typewriter"/>
+                <a:ea charset="0" typeface="American Typewriter"/>
+                <a:cs charset="0" typeface="American Typewriter"/>
               </a:rPr>
               <a:t>()</a:t>
             </a:r>
           </a:p>
           <a:p>
-            <a:pPr marL="0" indent="0">
+            <a:pPr indent="0" marL="0">
               <a:buNone/>
             </a:pPr>
             <a:r>
-              <a:rPr lang="en-US" sz="1800" dirty="0">
-                <a:solidFill>
-                  <a:schemeClr val="accent1">
-                    <a:lumMod val="75000"/>
-                  </a:schemeClr>
-                </a:solidFill>
-                <a:latin typeface="American Typewriter" charset="0"/>
-                <a:ea typeface="American Typewriter" charset="0"/>
-                <a:cs typeface="American Typewriter" charset="0"/>
+              <a:rPr dirty="0" lang="en-US" sz="1800">
+                <a:solidFill>
+                  <a:schemeClr val="accent1">
+                    <a:lumMod val="75000"/>
+                  </a:schemeClr>
+                </a:solidFill>
+                <a:latin charset="0" typeface="American Typewriter"/>
+                <a:ea charset="0" typeface="American Typewriter"/>
+                <a:cs charset="0" typeface="American Typewriter"/>
               </a:rPr>
               <a:t>session = </a:t>
             </a:r>
             <a:r>
-              <a:rPr lang="en-US" sz="1800" dirty="0" err="1">
-                <a:solidFill>
-                  <a:schemeClr val="accent1">
-                    <a:lumMod val="75000"/>
-                  </a:schemeClr>
-                </a:solidFill>
-                <a:latin typeface="American Typewriter" charset="0"/>
-                <a:ea typeface="American Typewriter" charset="0"/>
-                <a:cs typeface="American Typewriter" charset="0"/>
+              <a:rPr dirty="0" err="1" lang="en-US" sz="1800">
+                <a:solidFill>
+                  <a:schemeClr val="accent1">
+                    <a:lumMod val="75000"/>
+                  </a:schemeClr>
+                </a:solidFill>
+                <a:latin charset="0" typeface="American Typewriter"/>
+                <a:ea charset="0" typeface="American Typewriter"/>
+                <a:cs charset="0" typeface="American Typewriter"/>
               </a:rPr>
               <a:t>tf.Session</a:t>
             </a:r>
             <a:r>
-              <a:rPr lang="en-US" sz="1800" dirty="0">
-                <a:solidFill>
-                  <a:schemeClr val="accent1">
-                    <a:lumMod val="75000"/>
-                  </a:schemeClr>
-                </a:solidFill>
-                <a:latin typeface="American Typewriter" charset="0"/>
-                <a:ea typeface="American Typewriter" charset="0"/>
-                <a:cs typeface="American Typewriter" charset="0"/>
+              <a:rPr dirty="0" lang="en-US" sz="1800">
+                <a:solidFill>
+                  <a:schemeClr val="accent1">
+                    <a:lumMod val="75000"/>
+                  </a:schemeClr>
+                </a:solidFill>
+                <a:latin charset="0" typeface="American Typewriter"/>
+                <a:ea charset="0" typeface="American Typewriter"/>
+                <a:cs charset="0" typeface="American Typewriter"/>
               </a:rPr>
               <a:t>()</a:t>
             </a:r>
           </a:p>
           <a:p>
-            <a:pPr marL="0" indent="0">
+            <a:pPr indent="0" marL="0">
               <a:buNone/>
             </a:pPr>
             <a:r>
-              <a:rPr lang="en-US" sz="1800" dirty="0" err="1">
-                <a:solidFill>
-                  <a:schemeClr val="accent1">
-                    <a:lumMod val="75000"/>
-                  </a:schemeClr>
-                </a:solidFill>
-                <a:latin typeface="American Typewriter" charset="0"/>
-                <a:ea typeface="American Typewriter" charset="0"/>
-                <a:cs typeface="American Typewriter" charset="0"/>
+              <a:rPr dirty="0" err="1" lang="en-US" sz="1800">
+                <a:solidFill>
+                  <a:schemeClr val="accent1">
+                    <a:lumMod val="75000"/>
+                  </a:schemeClr>
+                </a:solidFill>
+                <a:latin charset="0" typeface="American Typewriter"/>
+                <a:ea charset="0" typeface="American Typewriter"/>
+                <a:cs charset="0" typeface="American Typewriter"/>
               </a:rPr>
               <a:t>session.run</a:t>
             </a:r>
             <a:r>
-              <a:rPr lang="en-US" sz="1800" dirty="0">
-                <a:solidFill>
-                  <a:schemeClr val="accent1">
-                    <a:lumMod val="75000"/>
-                  </a:schemeClr>
-                </a:solidFill>
-                <a:latin typeface="American Typewriter" charset="0"/>
-                <a:ea typeface="American Typewriter" charset="0"/>
-                <a:cs typeface="American Typewriter" charset="0"/>
+              <a:rPr dirty="0" lang="en-US" sz="1800">
+                <a:solidFill>
+                  <a:schemeClr val="accent1">
+                    <a:lumMod val="75000"/>
+                  </a:schemeClr>
+                </a:solidFill>
+                <a:latin charset="0" typeface="American Typewriter"/>
+                <a:ea charset="0" typeface="American Typewriter"/>
+                <a:cs charset="0" typeface="American Typewriter"/>
               </a:rPr>
               <a:t>(</a:t>
             </a:r>
             <a:r>
-              <a:rPr lang="en-US" sz="1800" dirty="0" err="1">
-                <a:solidFill>
-                  <a:schemeClr val="accent1">
-                    <a:lumMod val="75000"/>
-                  </a:schemeClr>
-                </a:solidFill>
-                <a:latin typeface="American Typewriter" charset="0"/>
-                <a:ea typeface="American Typewriter" charset="0"/>
-                <a:cs typeface="American Typewriter" charset="0"/>
+              <a:rPr dirty="0" err="1" lang="en-US" sz="1800">
+                <a:solidFill>
+                  <a:schemeClr val="accent1">
+                    <a:lumMod val="75000"/>
+                  </a:schemeClr>
+                </a:solidFill>
+                <a:latin charset="0" typeface="American Typewriter"/>
+                <a:ea charset="0" typeface="American Typewriter"/>
+                <a:cs charset="0" typeface="American Typewriter"/>
               </a:rPr>
               <a:t>init</a:t>
             </a:r>
             <a:r>
-              <a:rPr lang="en-US" sz="1800" dirty="0">
-                <a:solidFill>
-                  <a:schemeClr val="accent1">
-                    <a:lumMod val="75000"/>
-                  </a:schemeClr>
-                </a:solidFill>
-                <a:latin typeface="American Typewriter" charset="0"/>
-                <a:ea typeface="American Typewriter" charset="0"/>
-                <a:cs typeface="American Typewriter" charset="0"/>
+              <a:rPr dirty="0" lang="en-US" sz="1800">
+                <a:solidFill>
+                  <a:schemeClr val="accent1">
+                    <a:lumMod val="75000"/>
+                  </a:schemeClr>
+                </a:solidFill>
+                <a:latin charset="0" typeface="American Typewriter"/>
+                <a:ea charset="0" typeface="American Typewriter"/>
+                <a:cs charset="0" typeface="American Typewriter"/>
               </a:rPr>
               <a:t>) </a:t>
             </a:r>
           </a:p>
           <a:p>
-            <a:pPr marL="0" indent="0">
+            <a:pPr indent="0" marL="0">
               <a:buNone/>
             </a:pPr>
             <a:r>
-              <a:rPr lang="en-US" sz="1800" dirty="0">
-                <a:solidFill>
-                  <a:schemeClr val="accent1">
-                    <a:lumMod val="75000"/>
-                  </a:schemeClr>
-                </a:solidFill>
-                <a:latin typeface="American Typewriter" charset="0"/>
-                <a:ea typeface="American Typewriter" charset="0"/>
-                <a:cs typeface="American Typewriter" charset="0"/>
+              <a:rPr dirty="0" lang="en-US" sz="1800">
+                <a:solidFill>
+                  <a:schemeClr val="accent1">
+                    <a:lumMod val="75000"/>
+                  </a:schemeClr>
+                </a:solidFill>
+                <a:latin charset="0" typeface="American Typewriter"/>
+                <a:ea charset="0" typeface="American Typewriter"/>
+                <a:cs charset="0" typeface="American Typewriter"/>
               </a:rPr>
               <a:t>print(</a:t>
             </a:r>
             <a:r>
-              <a:rPr lang="en-US" sz="1800" dirty="0" err="1">
-                <a:solidFill>
-                  <a:schemeClr val="accent1">
-                    <a:lumMod val="75000"/>
-                  </a:schemeClr>
-                </a:solidFill>
-                <a:latin typeface="American Typewriter" charset="0"/>
-                <a:ea typeface="American Typewriter" charset="0"/>
-                <a:cs typeface="American Typewriter" charset="0"/>
+              <a:rPr dirty="0" err="1" lang="en-US" sz="1800">
+                <a:solidFill>
+                  <a:schemeClr val="accent1">
+                    <a:lumMod val="75000"/>
+                  </a:schemeClr>
+                </a:solidFill>
+                <a:latin charset="0" typeface="American Typewriter"/>
+                <a:ea charset="0" typeface="American Typewriter"/>
+                <a:cs charset="0" typeface="American Typewriter"/>
               </a:rPr>
               <a:t>session.run</a:t>
             </a:r>
             <a:r>
-              <a:rPr lang="en-US" sz="1800" dirty="0">
-                <a:solidFill>
-                  <a:schemeClr val="accent1">
-                    <a:lumMod val="75000"/>
-                  </a:schemeClr>
-                </a:solidFill>
-                <a:latin typeface="American Typewriter" charset="0"/>
-                <a:ea typeface="American Typewriter" charset="0"/>
-                <a:cs typeface="American Typewriter" charset="0"/>
+              <a:rPr dirty="0" lang="en-US" sz="1800">
+                <a:solidFill>
+                  <a:schemeClr val="accent1">
+                    <a:lumMod val="75000"/>
+                  </a:schemeClr>
+                </a:solidFill>
+                <a:latin charset="0" typeface="American Typewriter"/>
+                <a:ea charset="0" typeface="American Typewriter"/>
+                <a:cs charset="0" typeface="American Typewriter"/>
               </a:rPr>
               <a:t>(w))</a:t>
             </a:r>
           </a:p>
           <a:p>
-            <a:pPr marL="0" indent="0">
+            <a:pPr indent="0" marL="0">
               <a:buNone/>
             </a:pPr>
-            <a:endParaRPr lang="en-US" sz="1000" dirty="0">
+            <a:endParaRPr dirty="0" lang="en-US" sz="1000">
               <a:solidFill>
                 <a:schemeClr val="accent1">
                   <a:lumMod val="75000"/>
                 </a:schemeClr>
               </a:solidFill>
-              <a:latin typeface="American Typewriter" charset="0"/>
-              <a:ea typeface="American Typewriter" charset="0"/>
-              <a:cs typeface="American Typewriter" charset="0"/>
+              <a:latin charset="0" typeface="American Typewriter"/>
+              <a:ea charset="0" typeface="American Typewriter"/>
+              <a:cs charset="0" typeface="American Typewriter"/>
             </a:endParaRPr>
           </a:p>
           <a:p>
-            <a:pPr marL="0" indent="0">
+            <a:pPr indent="0" marL="0">
               <a:buNone/>
             </a:pPr>
             <a:r>
-              <a:rPr lang="en-US" sz="1800" dirty="0">
-                <a:solidFill>
-                  <a:schemeClr val="accent1">
-                    <a:lumMod val="75000"/>
-                  </a:schemeClr>
-                </a:solidFill>
-                <a:latin typeface="American Typewriter" charset="0"/>
-                <a:ea typeface="American Typewriter" charset="0"/>
-                <a:cs typeface="American Typewriter" charset="0"/>
+              <a:rPr dirty="0" lang="en-US" sz="1800">
+                <a:solidFill>
+                  <a:schemeClr val="accent1">
+                    <a:lumMod val="75000"/>
+                  </a:schemeClr>
+                </a:solidFill>
+                <a:latin charset="0" typeface="American Typewriter"/>
+                <a:ea charset="0" typeface="American Typewriter"/>
+                <a:cs charset="0" typeface="American Typewriter"/>
               </a:rPr>
               <a:t>for </a:t>
             </a:r>
             <a:r>
-              <a:rPr lang="en-US" sz="1800" dirty="0" err="1">
-                <a:solidFill>
-                  <a:schemeClr val="accent1">
-                    <a:lumMod val="75000"/>
-                  </a:schemeClr>
-                </a:solidFill>
-                <a:latin typeface="American Typewriter" charset="0"/>
-                <a:ea typeface="American Typewriter" charset="0"/>
-                <a:cs typeface="American Typewriter" charset="0"/>
+              <a:rPr dirty="0" err="1" lang="en-US" sz="1800">
+                <a:solidFill>
+                  <a:schemeClr val="accent1">
+                    <a:lumMod val="75000"/>
+                  </a:schemeClr>
+                </a:solidFill>
+                <a:latin charset="0" typeface="American Typewriter"/>
+                <a:ea charset="0" typeface="American Typewriter"/>
+                <a:cs charset="0" typeface="American Typewriter"/>
               </a:rPr>
               <a:t>i</a:t>
             </a:r>
             <a:r>
-              <a:rPr lang="en-US" sz="1800" dirty="0">
-                <a:solidFill>
-                  <a:schemeClr val="accent1">
-                    <a:lumMod val="75000"/>
-                  </a:schemeClr>
-                </a:solidFill>
-                <a:latin typeface="American Typewriter" charset="0"/>
-                <a:ea typeface="American Typewriter" charset="0"/>
-                <a:cs typeface="American Typewriter" charset="0"/>
+              <a:rPr dirty="0" lang="en-US" sz="1800">
+                <a:solidFill>
+                  <a:schemeClr val="accent1">
+                    <a:lumMod val="75000"/>
+                  </a:schemeClr>
+                </a:solidFill>
+                <a:latin charset="0" typeface="American Typewriter"/>
+                <a:ea charset="0" typeface="American Typewriter"/>
+                <a:cs charset="0" typeface="American Typewriter"/>
               </a:rPr>
               <a:t> in range(1000):</a:t>
             </a:r>
           </a:p>
           <a:p>
-            <a:pPr marL="0" indent="0">
+            <a:pPr indent="0" marL="0">
               <a:buNone/>
             </a:pPr>
             <a:r>
-              <a:rPr lang="en-US" sz="1800" dirty="0">
-                <a:solidFill>
-                  <a:schemeClr val="accent1">
-                    <a:lumMod val="75000"/>
-                  </a:schemeClr>
-                </a:solidFill>
-                <a:latin typeface="American Typewriter" charset="0"/>
-                <a:ea typeface="American Typewriter" charset="0"/>
-                <a:cs typeface="American Typewriter" charset="0"/>
+              <a:rPr dirty="0" lang="en-US" sz="1800">
+                <a:solidFill>
+                  <a:schemeClr val="accent1">
+                    <a:lumMod val="75000"/>
+                  </a:schemeClr>
+                </a:solidFill>
+                <a:latin charset="0" typeface="American Typewriter"/>
+                <a:ea charset="0" typeface="American Typewriter"/>
+                <a:cs charset="0" typeface="American Typewriter"/>
               </a:rPr>
               <a:t>     </a:t>
             </a:r>
             <a:r>
-              <a:rPr lang="en-US" sz="1800" dirty="0" err="1">
-                <a:solidFill>
-                  <a:schemeClr val="accent1">
-                    <a:lumMod val="75000"/>
-                  </a:schemeClr>
-                </a:solidFill>
-                <a:latin typeface="American Typewriter" charset="0"/>
-                <a:ea typeface="American Typewriter" charset="0"/>
-                <a:cs typeface="American Typewriter" charset="0"/>
+              <a:rPr dirty="0" err="1" lang="en-US" sz="1800">
+                <a:solidFill>
+                  <a:schemeClr val="accent1">
+                    <a:lumMod val="75000"/>
+                  </a:schemeClr>
+                </a:solidFill>
+                <a:latin charset="0" typeface="American Typewriter"/>
+                <a:ea charset="0" typeface="American Typewriter"/>
+                <a:cs charset="0" typeface="American Typewriter"/>
               </a:rPr>
               <a:t>session.run</a:t>
             </a:r>
             <a:r>
-              <a:rPr lang="en-US" sz="1800" dirty="0">
-                <a:solidFill>
-                  <a:schemeClr val="accent1">
-                    <a:lumMod val="75000"/>
-                  </a:schemeClr>
-                </a:solidFill>
-                <a:latin typeface="American Typewriter" charset="0"/>
-                <a:ea typeface="American Typewriter" charset="0"/>
-                <a:cs typeface="American Typewriter" charset="0"/>
+              <a:rPr dirty="0" lang="en-US" sz="1800">
+                <a:solidFill>
+                  <a:schemeClr val="accent1">
+                    <a:lumMod val="75000"/>
+                  </a:schemeClr>
+                </a:solidFill>
+                <a:latin charset="0" typeface="American Typewriter"/>
+                <a:ea charset="0" typeface="American Typewriter"/>
+                <a:cs charset="0" typeface="American Typewriter"/>
               </a:rPr>
               <a:t>(train, </a:t>
             </a:r>
             <a:r>
-              <a:rPr lang="en-US" sz="1800" dirty="0" err="1">
-                <a:solidFill>
-                  <a:schemeClr val="accent1">
-                    <a:lumMod val="75000"/>
-                  </a:schemeClr>
-                </a:solidFill>
-                <a:latin typeface="American Typewriter" charset="0"/>
-                <a:ea typeface="American Typewriter" charset="0"/>
-                <a:cs typeface="American Typewriter" charset="0"/>
+              <a:rPr dirty="0" err="1" lang="en-US" sz="1800">
+                <a:solidFill>
+                  <a:schemeClr val="accent1">
+                    <a:lumMod val="75000"/>
+                  </a:schemeClr>
+                </a:solidFill>
+                <a:latin charset="0" typeface="American Typewriter"/>
+                <a:ea charset="0" typeface="American Typewriter"/>
+                <a:cs charset="0" typeface="American Typewriter"/>
               </a:rPr>
               <a:t>feed_dict</a:t>
             </a:r>
             <a:r>
-              <a:rPr lang="en-US" sz="1800" dirty="0">
-                <a:solidFill>
-                  <a:schemeClr val="accent1">
-                    <a:lumMod val="75000"/>
-                  </a:schemeClr>
-                </a:solidFill>
-                <a:latin typeface="American Typewriter" charset="0"/>
-                <a:ea typeface="American Typewriter" charset="0"/>
-                <a:cs typeface="American Typewriter" charset="0"/>
+              <a:rPr dirty="0" lang="en-US" sz="1800">
+                <a:solidFill>
+                  <a:schemeClr val="accent1">
+                    <a:lumMod val="75000"/>
+                  </a:schemeClr>
+                </a:solidFill>
+                <a:latin charset="0" typeface="American Typewriter"/>
+                <a:ea charset="0" typeface="American Typewriter"/>
+                <a:cs charset="0" typeface="American Typewriter"/>
               </a:rPr>
               <a:t>={</a:t>
             </a:r>
             <a:r>
-              <a:rPr lang="en-US" sz="1800" dirty="0" err="1">
-                <a:solidFill>
-                  <a:schemeClr val="accent1">
-                    <a:lumMod val="75000"/>
-                  </a:schemeClr>
-                </a:solidFill>
-                <a:latin typeface="American Typewriter" charset="0"/>
-                <a:ea typeface="American Typewriter" charset="0"/>
-                <a:cs typeface="American Typewriter" charset="0"/>
+              <a:rPr dirty="0" err="1" lang="en-US" sz="1800">
+                <a:solidFill>
+                  <a:schemeClr val="accent1">
+                    <a:lumMod val="75000"/>
+                  </a:schemeClr>
+                </a:solidFill>
+                <a:latin charset="0" typeface="American Typewriter"/>
+                <a:ea charset="0" typeface="American Typewriter"/>
+                <a:cs charset="0" typeface="American Typewriter"/>
               </a:rPr>
               <a:t>x:coefficients</a:t>
             </a:r>
             <a:r>
-              <a:rPr lang="en-US" sz="1800" dirty="0">
-                <a:solidFill>
-                  <a:schemeClr val="accent1">
-                    <a:lumMod val="75000"/>
-                  </a:schemeClr>
-                </a:solidFill>
-                <a:latin typeface="American Typewriter" charset="0"/>
-                <a:ea typeface="American Typewriter" charset="0"/>
-                <a:cs typeface="American Typewriter" charset="0"/>
+              <a:rPr dirty="0" lang="en-US" sz="1800">
+                <a:solidFill>
+                  <a:schemeClr val="accent1">
+                    <a:lumMod val="75000"/>
+                  </a:schemeClr>
+                </a:solidFill>
+                <a:latin charset="0" typeface="American Typewriter"/>
+                <a:ea charset="0" typeface="American Typewriter"/>
+                <a:cs charset="0" typeface="American Typewriter"/>
               </a:rPr>
               <a:t>})</a:t>
             </a:r>
           </a:p>
           <a:p>
-            <a:pPr marL="0" indent="0">
+            <a:pPr indent="0" marL="0">
               <a:buNone/>
             </a:pPr>
             <a:r>
-              <a:rPr lang="en-US" sz="1800" dirty="0">
-                <a:solidFill>
-                  <a:schemeClr val="accent1">
-                    <a:lumMod val="75000"/>
-                  </a:schemeClr>
-                </a:solidFill>
-                <a:latin typeface="American Typewriter" charset="0"/>
-                <a:ea typeface="American Typewriter" charset="0"/>
-                <a:cs typeface="American Typewriter" charset="0"/>
+              <a:rPr dirty="0" lang="en-US" sz="1800">
+                <a:solidFill>
+                  <a:schemeClr val="accent1">
+                    <a:lumMod val="75000"/>
+                  </a:schemeClr>
+                </a:solidFill>
+                <a:latin charset="0" typeface="American Typewriter"/>
+                <a:ea charset="0" typeface="American Typewriter"/>
+                <a:cs charset="0" typeface="American Typewriter"/>
               </a:rPr>
               <a:t>print(</a:t>
             </a:r>
             <a:r>
-              <a:rPr lang="en-US" sz="1800" dirty="0" err="1">
-                <a:solidFill>
-                  <a:schemeClr val="accent1">
-                    <a:lumMod val="75000"/>
-                  </a:schemeClr>
-                </a:solidFill>
-                <a:latin typeface="American Typewriter" charset="0"/>
-                <a:ea typeface="American Typewriter" charset="0"/>
-                <a:cs typeface="American Typewriter" charset="0"/>
+              <a:rPr dirty="0" err="1" lang="en-US" sz="1800">
+                <a:solidFill>
+                  <a:schemeClr val="accent1">
+                    <a:lumMod val="75000"/>
+                  </a:schemeClr>
+                </a:solidFill>
+                <a:latin charset="0" typeface="American Typewriter"/>
+                <a:ea charset="0" typeface="American Typewriter"/>
+                <a:cs charset="0" typeface="American Typewriter"/>
               </a:rPr>
               <a:t>session.run</a:t>
             </a:r>
             <a:r>
-              <a:rPr lang="en-US" sz="1800" dirty="0">
-                <a:solidFill>
-                  <a:schemeClr val="accent1">
-                    <a:lumMod val="75000"/>
-                  </a:schemeClr>
-                </a:solidFill>
-                <a:latin typeface="American Typewriter" charset="0"/>
-                <a:ea typeface="American Typewriter" charset="0"/>
-                <a:cs typeface="American Typewriter" charset="0"/>
+              <a:rPr dirty="0" lang="en-US" sz="1800">
+                <a:solidFill>
+                  <a:schemeClr val="accent1">
+                    <a:lumMod val="75000"/>
+                  </a:schemeClr>
+                </a:solidFill>
+                <a:latin charset="0" typeface="American Typewriter"/>
+                <a:ea charset="0" typeface="American Typewriter"/>
+                <a:cs charset="0" typeface="American Typewriter"/>
               </a:rPr>
               <a:t>(w))</a:t>
             </a:r>
           </a:p>
           <a:p>
-            <a:pPr marL="0" indent="0">
+            <a:pPr indent="0" marL="0">
               <a:buNone/>
             </a:pPr>
-            <a:endParaRPr lang="en-US" sz="1800" dirty="0">
+            <a:endParaRPr dirty="0" lang="en-US" sz="1800">
               <a:solidFill>
                 <a:schemeClr val="accent1">
                   <a:lumMod val="75000"/>
                 </a:schemeClr>
               </a:solidFill>
-              <a:latin typeface="American Typewriter" charset="0"/>
-              <a:ea typeface="American Typewriter" charset="0"/>
-              <a:cs typeface="American Typewriter" charset="0"/>
+              <a:latin charset="0" typeface="American Typewriter"/>
+              <a:ea charset="0" typeface="American Typewriter"/>
+              <a:cs charset="0" typeface="American Typewriter"/>
             </a:endParaRPr>
           </a:p>
           <a:p>
-            <a:pPr marL="0" indent="0">
+            <a:pPr indent="0" marL="0">
               <a:buNone/>
             </a:pPr>
-            <a:endParaRPr lang="en-US" sz="1800" dirty="0">
+            <a:endParaRPr dirty="0" lang="en-US" sz="1800">
               <a:solidFill>
                 <a:schemeClr val="accent1">
                   <a:lumMod val="75000"/>
                 </a:schemeClr>
               </a:solidFill>
-              <a:latin typeface="American Typewriter" charset="0"/>
-              <a:ea typeface="American Typewriter" charset="0"/>
-              <a:cs typeface="American Typewriter" charset="0"/>
+              <a:latin charset="0" typeface="American Typewriter"/>
+              <a:ea charset="0" typeface="American Typewriter"/>
+              <a:cs charset="0" typeface="American Typewriter"/>
             </a:endParaRPr>
           </a:p>
         </p:txBody>
@@ -4898,7 +4580,7 @@
           </a:prstGeom>
         </p:spPr>
         <p:txBody>
-          <a:bodyPr>
+          <a:bodyPr numCol="1">
             <a:spAutoFit/>
           </a:bodyPr>
           <a:lstStyle/>
@@ -4912,41 +4594,41 @@
               </a:spcBef>
             </a:pPr>
             <a:r>
-              <a:rPr lang="en-US" dirty="0">
-                <a:solidFill>
-                  <a:schemeClr val="accent1">
-                    <a:lumMod val="75000"/>
-                  </a:schemeClr>
-                </a:solidFill>
-                <a:latin typeface="American Typewriter" charset="0"/>
-                <a:ea typeface="American Typewriter" charset="0"/>
-                <a:cs typeface="American Typewriter" charset="0"/>
+              <a:rPr dirty="0" lang="en-US">
+                <a:solidFill>
+                  <a:schemeClr val="accent1">
+                    <a:lumMod val="75000"/>
+                  </a:schemeClr>
+                </a:solidFill>
+                <a:latin charset="0" typeface="American Typewriter"/>
+                <a:ea charset="0" typeface="American Typewriter"/>
+                <a:cs charset="0" typeface="American Typewriter"/>
               </a:rPr>
               <a:t>with </a:t>
             </a:r>
             <a:r>
-              <a:rPr lang="en-US" dirty="0" err="1">
-                <a:solidFill>
-                  <a:schemeClr val="accent1">
-                    <a:lumMod val="75000"/>
-                  </a:schemeClr>
-                </a:solidFill>
-                <a:latin typeface="American Typewriter" charset="0"/>
-                <a:ea typeface="American Typewriter" charset="0"/>
-                <a:cs typeface="American Typewriter" charset="0"/>
+              <a:rPr dirty="0" err="1" lang="en-US">
+                <a:solidFill>
+                  <a:schemeClr val="accent1">
+                    <a:lumMod val="75000"/>
+                  </a:schemeClr>
+                </a:solidFill>
+                <a:latin charset="0" typeface="American Typewriter"/>
+                <a:ea charset="0" typeface="American Typewriter"/>
+                <a:cs charset="0" typeface="American Typewriter"/>
               </a:rPr>
               <a:t>tf.Session</a:t>
             </a:r>
             <a:r>
-              <a:rPr lang="en-US" dirty="0">
-                <a:solidFill>
-                  <a:schemeClr val="accent1">
-                    <a:lumMod val="75000"/>
-                  </a:schemeClr>
-                </a:solidFill>
-                <a:latin typeface="American Typewriter" charset="0"/>
-                <a:ea typeface="American Typewriter" charset="0"/>
-                <a:cs typeface="American Typewriter" charset="0"/>
+              <a:rPr dirty="0" lang="en-US">
+                <a:solidFill>
+                  <a:schemeClr val="accent1">
+                    <a:lumMod val="75000"/>
+                  </a:schemeClr>
+                </a:solidFill>
+                <a:latin charset="0" typeface="American Typewriter"/>
+                <a:ea charset="0" typeface="American Typewriter"/>
+                <a:cs charset="0" typeface="American Typewriter"/>
               </a:rPr>
               <a:t>() as session:                        </a:t>
             </a:r>
@@ -4961,67 +4643,67 @@
               </a:spcBef>
             </a:pPr>
             <a:r>
-              <a:rPr lang="en-US" dirty="0">
-                <a:solidFill>
-                  <a:schemeClr val="accent1">
-                    <a:lumMod val="75000"/>
-                  </a:schemeClr>
-                </a:solidFill>
-                <a:latin typeface="American Typewriter" charset="0"/>
-                <a:ea typeface="American Typewriter" charset="0"/>
-                <a:cs typeface="American Typewriter" charset="0"/>
+              <a:rPr dirty="0" lang="en-US">
+                <a:solidFill>
+                  <a:schemeClr val="accent1">
+                    <a:lumMod val="75000"/>
+                  </a:schemeClr>
+                </a:solidFill>
+                <a:latin charset="0" typeface="American Typewriter"/>
+                <a:ea charset="0" typeface="American Typewriter"/>
+                <a:cs charset="0" typeface="American Typewriter"/>
               </a:rPr>
               <a:t>    </a:t>
             </a:r>
             <a:r>
-              <a:rPr lang="en-US" dirty="0" err="1">
-                <a:solidFill>
-                  <a:schemeClr val="accent1">
-                    <a:lumMod val="75000"/>
-                  </a:schemeClr>
-                </a:solidFill>
-                <a:latin typeface="American Typewriter" charset="0"/>
-                <a:ea typeface="American Typewriter" charset="0"/>
-                <a:cs typeface="American Typewriter" charset="0"/>
+              <a:rPr dirty="0" err="1" lang="en-US">
+                <a:solidFill>
+                  <a:schemeClr val="accent1">
+                    <a:lumMod val="75000"/>
+                  </a:schemeClr>
+                </a:solidFill>
+                <a:latin charset="0" typeface="American Typewriter"/>
+                <a:ea charset="0" typeface="American Typewriter"/>
+                <a:cs charset="0" typeface="American Typewriter"/>
               </a:rPr>
               <a:t>session.run</a:t>
             </a:r>
             <a:r>
-              <a:rPr lang="en-US" dirty="0">
-                <a:solidFill>
-                  <a:schemeClr val="accent1">
-                    <a:lumMod val="75000"/>
-                  </a:schemeClr>
-                </a:solidFill>
-                <a:latin typeface="American Typewriter" charset="0"/>
-                <a:ea typeface="American Typewriter" charset="0"/>
-                <a:cs typeface="American Typewriter" charset="0"/>
+              <a:rPr dirty="0" lang="en-US">
+                <a:solidFill>
+                  <a:schemeClr val="accent1">
+                    <a:lumMod val="75000"/>
+                  </a:schemeClr>
+                </a:solidFill>
+                <a:latin charset="0" typeface="American Typewriter"/>
+                <a:ea charset="0" typeface="American Typewriter"/>
+                <a:cs charset="0" typeface="American Typewriter"/>
               </a:rPr>
               <a:t>(</a:t>
             </a:r>
             <a:r>
-              <a:rPr lang="en-US" dirty="0" err="1">
-                <a:solidFill>
-                  <a:schemeClr val="accent1">
-                    <a:lumMod val="75000"/>
-                  </a:schemeClr>
-                </a:solidFill>
-                <a:latin typeface="American Typewriter" charset="0"/>
-                <a:ea typeface="American Typewriter" charset="0"/>
-                <a:cs typeface="American Typewriter" charset="0"/>
+              <a:rPr dirty="0" err="1" lang="en-US">
+                <a:solidFill>
+                  <a:schemeClr val="accent1">
+                    <a:lumMod val="75000"/>
+                  </a:schemeClr>
+                </a:solidFill>
+                <a:latin charset="0" typeface="American Typewriter"/>
+                <a:ea charset="0" typeface="American Typewriter"/>
+                <a:cs charset="0" typeface="American Typewriter"/>
               </a:rPr>
               <a:t>init</a:t>
             </a:r>
             <a:r>
-              <a:rPr lang="en-US" dirty="0">
-                <a:solidFill>
-                  <a:schemeClr val="accent1">
-                    <a:lumMod val="75000"/>
-                  </a:schemeClr>
-                </a:solidFill>
-                <a:latin typeface="American Typewriter" charset="0"/>
-                <a:ea typeface="American Typewriter" charset="0"/>
-                <a:cs typeface="American Typewriter" charset="0"/>
+              <a:rPr dirty="0" lang="en-US">
+                <a:solidFill>
+                  <a:schemeClr val="accent1">
+                    <a:lumMod val="75000"/>
+                  </a:schemeClr>
+                </a:solidFill>
+                <a:latin charset="0" typeface="American Typewriter"/>
+                <a:ea charset="0" typeface="American Typewriter"/>
+                <a:cs charset="0" typeface="American Typewriter"/>
               </a:rPr>
               <a:t>)</a:t>
             </a:r>
@@ -5042,105 +4724,82 @@
                     <a:lumMod val="75000"/>
                   </a:schemeClr>
                 </a:solidFill>
-                <a:latin typeface="American Typewriter" charset="0"/>
-                <a:ea typeface="American Typewriter" charset="0"/>
-                <a:cs typeface="American Typewriter" charset="0"/>
+                <a:latin charset="0" typeface="American Typewriter"/>
+                <a:ea charset="0" typeface="American Typewriter"/>
+                <a:cs charset="0" typeface="American Typewriter"/>
               </a:rPr>
               <a:t>    print</a:t>
             </a:r>
             <a:r>
-              <a:rPr lang="en-US" dirty="0">
-                <a:solidFill>
-                  <a:schemeClr val="accent1">
-                    <a:lumMod val="75000"/>
-                  </a:schemeClr>
-                </a:solidFill>
-                <a:latin typeface="American Typewriter" charset="0"/>
-                <a:ea typeface="American Typewriter" charset="0"/>
-                <a:cs typeface="American Typewriter" charset="0"/>
+              <a:rPr dirty="0" lang="en-US">
+                <a:solidFill>
+                  <a:schemeClr val="accent1">
+                    <a:lumMod val="75000"/>
+                  </a:schemeClr>
+                </a:solidFill>
+                <a:latin charset="0" typeface="American Typewriter"/>
+                <a:ea charset="0" typeface="American Typewriter"/>
+                <a:cs charset="0" typeface="American Typewriter"/>
               </a:rPr>
               <a:t>(</a:t>
             </a:r>
             <a:r>
-              <a:rPr lang="en-US" dirty="0" err="1">
-                <a:solidFill>
-                  <a:schemeClr val="accent1">
-                    <a:lumMod val="75000"/>
-                  </a:schemeClr>
-                </a:solidFill>
-                <a:latin typeface="American Typewriter" charset="0"/>
-                <a:ea typeface="American Typewriter" charset="0"/>
-                <a:cs typeface="American Typewriter" charset="0"/>
+              <a:rPr dirty="0" err="1" lang="en-US">
+                <a:solidFill>
+                  <a:schemeClr val="accent1">
+                    <a:lumMod val="75000"/>
+                  </a:schemeClr>
+                </a:solidFill>
+                <a:latin charset="0" typeface="American Typewriter"/>
+                <a:ea charset="0" typeface="American Typewriter"/>
+                <a:cs charset="0" typeface="American Typewriter"/>
               </a:rPr>
               <a:t>session.run</a:t>
             </a:r>
             <a:r>
-              <a:rPr lang="en-US" dirty="0">
-                <a:solidFill>
-                  <a:schemeClr val="accent1">
-                    <a:lumMod val="75000"/>
-                  </a:schemeClr>
-                </a:solidFill>
-                <a:latin typeface="American Typewriter" charset="0"/>
-                <a:ea typeface="American Typewriter" charset="0"/>
-                <a:cs typeface="American Typewriter" charset="0"/>
+              <a:rPr dirty="0" lang="en-US">
+                <a:solidFill>
+                  <a:schemeClr val="accent1">
+                    <a:lumMod val="75000"/>
+                  </a:schemeClr>
+                </a:solidFill>
+                <a:latin charset="0" typeface="American Typewriter"/>
+                <a:ea charset="0" typeface="American Typewriter"/>
+                <a:cs charset="0" typeface="American Typewriter"/>
               </a:rPr>
               <a:t>(w))</a:t>
             </a:r>
           </a:p>
         </p:txBody>
       </p:sp>
-      <mc:AlternateContent xmlns:mc="http://schemas.openxmlformats.org/markup-compatibility/2006">
-        <mc:Choice xmlns:p14="http://schemas.microsoft.com/office/powerpoint/2010/main" Requires="p14">
-          <p:contentPart p14:bwMode="auto" r:id="rId2">
-            <p14:nvContentPartPr>
-              <p14:cNvPr id="6" name="Ink 5">
-                <a:extLst>
-                  <a:ext uri="{FF2B5EF4-FFF2-40B4-BE49-F238E27FC236}">
-                    <a16:creationId xmlns:a16="http://schemas.microsoft.com/office/drawing/2014/main" id="{1AF32D83-2250-4751-A192-8D6825B38BE3}"/>
-                  </a:ext>
-                </a:extLst>
-              </p14:cNvPr>
-              <p14:cNvContentPartPr/>
-              <p14:nvPr/>
-            </p14:nvContentPartPr>
-            <p14:xfrm>
-              <a:off x="641520" y="216000"/>
-              <a:ext cx="11500200" cy="5239080"/>
-            </p14:xfrm>
-          </p:contentPart>
-        </mc:Choice>
-        <mc:Fallback>
-          <p:pic>
-            <p:nvPicPr>
-              <p:cNvPr id="6" name="Ink 5">
-                <a:extLst>
-                  <a:ext uri="{FF2B5EF4-FFF2-40B4-BE49-F238E27FC236}">
-                    <a16:creationId xmlns:a16="http://schemas.microsoft.com/office/drawing/2014/main" id="{1AF32D83-2250-4751-A192-8D6825B38BE3}"/>
-                  </a:ext>
-                </a:extLst>
-              </p:cNvPr>
-              <p:cNvPicPr/>
-              <p:nvPr/>
-            </p:nvPicPr>
-            <p:blipFill>
-              <a:blip r:embed="rId3"/>
-              <a:stretch>
-                <a:fillRect/>
-              </a:stretch>
-            </p:blipFill>
-            <p:spPr>
-              <a:xfrm>
-                <a:off x="632160" y="206640"/>
-                <a:ext cx="11518920" cy="5257800"/>
-              </a:xfrm>
-              <a:prstGeom prst="rect">
-                <a:avLst/>
-              </a:prstGeom>
-            </p:spPr>
-          </p:pic>
-        </mc:Fallback>
-      </mc:AlternateContent>
+      <p:pic>
+        <p:nvPicPr>
+          <p:cNvPr id="6" name="Ink 5">
+            <a:extLst>
+              <a:ext uri="{FF2B5EF4-FFF2-40B4-BE49-F238E27FC236}">
+                <a16:creationId xmlns:a16="http://schemas.microsoft.com/office/drawing/2014/main" id="{1AF32D83-2250-4751-A192-8D6825B38BE3}"/>
+              </a:ext>
+            </a:extLst>
+          </p:cNvPr>
+          <p:cNvPicPr/>
+          <p:nvPr/>
+        </p:nvPicPr>
+        <p:blipFill>
+          <a:blip r:embed="rId2"/>
+          <a:stretch>
+            <a:fillRect/>
+          </a:stretch>
+        </p:blipFill>
+        <p:spPr>
+          <a:xfrm>
+            <a:off x="541595" y="357581"/>
+            <a:ext cx="11518868" cy="5257543"/>
+          </a:xfrm>
+          <a:prstGeom prst="rect">
+            <a:avLst/>
+          </a:prstGeom>
+        </p:spPr>
+      </p:pic>
     </p:spTree>
     <p:extLst>
       <p:ext uri="{BB962C8B-B14F-4D97-AF65-F5344CB8AC3E}">
@@ -5154,32 +4813,32 @@
   <p:timing>
     <p:tnLst>
       <p:par>
-        <p:cTn id="1" dur="indefinite" restart="never" nodeType="tmRoot">
+        <p:cTn dur="indefinite" id="1" nodeType="tmRoot" restart="never">
           <p:childTnLst>
             <p:seq concurrent="1" nextAc="seek">
-              <p:cTn id="2" dur="indefinite" nodeType="mainSeq">
+              <p:cTn dur="indefinite" id="2" nodeType="mainSeq">
                 <p:childTnLst>
                   <p:par>
-                    <p:cTn id="3" fill="hold">
+                    <p:cTn fill="hold" id="3">
                       <p:stCondLst>
                         <p:cond delay="indefinite"/>
                       </p:stCondLst>
                       <p:childTnLst>
                         <p:par>
-                          <p:cTn id="4" fill="hold">
+                          <p:cTn fill="hold" id="4">
                             <p:stCondLst>
                               <p:cond delay="0"/>
                             </p:stCondLst>
                             <p:childTnLst>
                               <p:par>
-                                <p:cTn id="5" presetID="1" presetClass="entr" presetSubtype="0" fill="hold" grpId="0" nodeType="clickEffect">
+                                <p:cTn fill="hold" grpId="0" id="5" nodeType="clickEffect" presetClass="entr" presetID="1" presetSubtype="0">
                                   <p:stCondLst>
                                     <p:cond delay="0"/>
                                   </p:stCondLst>
                                   <p:childTnLst>
                                     <p:set>
                                       <p:cBhvr>
-                                        <p:cTn id="6" dur="1" fill="hold">
+                                        <p:cTn dur="1" fill="hold" id="6">
                                           <p:stCondLst>
                                             <p:cond delay="0"/>
                                           </p:stCondLst>
@@ -5207,14 +4866,14 @@
                 </p:childTnLst>
               </p:cTn>
               <p:prevCondLst>
-                <p:cond evt="onPrev" delay="0">
+                <p:cond delay="0" evt="onPrev">
                   <p:tgtEl>
                     <p:sldTgt/>
                   </p:tgtEl>
                 </p:cond>
               </p:prevCondLst>
               <p:nextCondLst>
-                <p:cond evt="onNext" delay="0">
+                <p:cond delay="0" evt="onNext">
                   <p:tgtEl>
                     <p:sldTgt/>
                   </p:tgtEl>
@@ -5226,7 +4885,7 @@
       </p:par>
     </p:tnLst>
     <p:bldLst>
-      <p:bldP spid="2" grpId="0"/>
+      <p:bldP grpId="0" spid="2"/>
     </p:bldLst>
   </p:timing>
 </p:sld>
@@ -5237,10 +4896,10 @@
   <a:themeElements>
     <a:clrScheme name="Office">
       <a:dk1>
-        <a:sysClr val="windowText" lastClr="000000"/>
+        <a:sysClr lastClr="000000" val="windowText"/>
       </a:dk1>
       <a:lt1>
-        <a:sysClr val="window" lastClr="FFFFFF"/>
+        <a:sysClr lastClr="FFFFFF" val="window"/>
       </a:lt1>
       <a:dk2>
         <a:srgbClr val="44546A"/>
@@ -5275,7 +4934,7 @@
     </a:clrScheme>
     <a:fontScheme name="Office">
       <a:majorFont>
-        <a:latin typeface="Calibri Light" panose="020F0302020204030204"/>
+        <a:latin panose="020F0302020204030204" typeface="Calibri Light"/>
         <a:ea typeface=""/>
         <a:cs typeface=""/>
         <a:font script="Jpan" typeface="Yu Gothic Light"/>
@@ -5310,7 +4969,7 @@
         <a:font script="Geor" typeface="Sylfaen"/>
       </a:majorFont>
       <a:minorFont>
-        <a:latin typeface="Calibri" panose="020F0502020204030204"/>
+        <a:latin panose="020F0502020204030204" typeface="Calibri"/>
         <a:ea typeface=""/>
         <a:cs typeface=""/>
         <a:font script="Jpan" typeface="Yu Gothic"/>
@@ -5404,21 +5063,21 @@
         </a:gradFill>
       </a:fillStyleLst>
       <a:lnStyleLst>
-        <a:ln w="6350" cap="flat" cmpd="sng" algn="ctr">
+        <a:ln algn="ctr" cap="flat" cmpd="sng" w="6350">
           <a:solidFill>
             <a:schemeClr val="phClr"/>
           </a:solidFill>
           <a:prstDash val="solid"/>
           <a:miter lim="800000"/>
         </a:ln>
-        <a:ln w="12700" cap="flat" cmpd="sng" algn="ctr">
+        <a:ln algn="ctr" cap="flat" cmpd="sng" w="12700">
           <a:solidFill>
             <a:schemeClr val="phClr"/>
           </a:solidFill>
           <a:prstDash val="solid"/>
           <a:miter lim="800000"/>
         </a:ln>
-        <a:ln w="19050" cap="flat" cmpd="sng" algn="ctr">
+        <a:ln algn="ctr" cap="flat" cmpd="sng" w="19050">
           <a:solidFill>
             <a:schemeClr val="phClr"/>
           </a:solidFill>
@@ -5435,7 +5094,7 @@
         </a:effectStyle>
         <a:effectStyle>
           <a:effectLst>
-            <a:outerShdw blurRad="57150" dist="19050" dir="5400000" algn="ctr" rotWithShape="0">
+            <a:outerShdw algn="ctr" blurRad="57150" dir="5400000" dist="19050" rotWithShape="0">
               <a:srgbClr val="000000">
                 <a:alpha val="63000"/>
               </a:srgbClr>
@@ -5487,7 +5146,7 @@
   <a:extraClrSchemeLst/>
   <a:extLst>
     <a:ext uri="{05A4C25C-085E-4340-85A3-A5531E510DB2}">
-      <thm15:themeFamily xmlns:thm15="http://schemas.microsoft.com/office/thememl/2012/main" name="Office Theme" id="{62F939B6-93AF-4DB8-9C6B-D6C7DFDC589F}" vid="{4A3C46E8-61CC-4603-A589-7422A47A8E4A}"/>
+      <thm15:themeFamily xmlns:thm15="http://schemas.microsoft.com/office/thememl/2012/main" id="{62F939B6-93AF-4DB8-9C6B-D6C7DFDC589F}" name="Office Theme" vid="{4A3C46E8-61CC-4603-A589-7422A47A8E4A}"/>
     </a:ext>
   </a:extLst>
 </a:theme>
@@ -5498,10 +5157,10 @@
   <a:themeElements>
     <a:clrScheme name="Office">
       <a:dk1>
-        <a:sysClr val="windowText" lastClr="000000"/>
+        <a:sysClr lastClr="000000" val="windowText"/>
       </a:dk1>
       <a:lt1>
-        <a:sysClr val="window" lastClr="FFFFFF"/>
+        <a:sysClr lastClr="FFFFFF" val="window"/>
       </a:lt1>
       <a:dk2>
         <a:srgbClr val="44546A"/>
@@ -5536,7 +5195,7 @@
     </a:clrScheme>
     <a:fontScheme name="Office">
       <a:majorFont>
-        <a:latin typeface="Calibri Light" panose="020F0302020204030204"/>
+        <a:latin panose="020F0302020204030204" typeface="Calibri Light"/>
         <a:ea typeface=""/>
         <a:cs typeface=""/>
         <a:font script="Jpan" typeface="Yu Gothic Light"/>
@@ -5571,7 +5230,7 @@
         <a:font script="Geor" typeface="Sylfaen"/>
       </a:majorFont>
       <a:minorFont>
-        <a:latin typeface="Calibri" panose="020F0502020204030204"/>
+        <a:latin panose="020F0502020204030204" typeface="Calibri"/>
         <a:ea typeface=""/>
         <a:cs typeface=""/>
         <a:font script="Jpan" typeface="Yu Gothic"/>
@@ -5665,21 +5324,21 @@
         </a:gradFill>
       </a:fillStyleLst>
       <a:lnStyleLst>
-        <a:ln w="6350" cap="flat" cmpd="sng" algn="ctr">
+        <a:ln algn="ctr" cap="flat" cmpd="sng" w="6350">
           <a:solidFill>
             <a:schemeClr val="phClr"/>
           </a:solidFill>
           <a:prstDash val="solid"/>
           <a:miter lim="800000"/>
         </a:ln>
-        <a:ln w="12700" cap="flat" cmpd="sng" algn="ctr">
+        <a:ln algn="ctr" cap="flat" cmpd="sng" w="12700">
           <a:solidFill>
             <a:schemeClr val="phClr"/>
           </a:solidFill>
           <a:prstDash val="solid"/>
           <a:miter lim="800000"/>
         </a:ln>
-        <a:ln w="19050" cap="flat" cmpd="sng" algn="ctr">
+        <a:ln algn="ctr" cap="flat" cmpd="sng" w="19050">
           <a:solidFill>
             <a:schemeClr val="phClr"/>
           </a:solidFill>
@@ -5696,7 +5355,7 @@
         </a:effectStyle>
         <a:effectStyle>
           <a:effectLst>
-            <a:outerShdw blurRad="57150" dist="19050" dir="5400000" algn="ctr" rotWithShape="0">
+            <a:outerShdw algn="ctr" blurRad="57150" dir="5400000" dist="19050" rotWithShape="0">
               <a:srgbClr val="000000">
                 <a:alpha val="63000"/>
               </a:srgbClr>
@@ -5748,7 +5407,7 @@
   <a:extraClrSchemeLst/>
   <a:extLst>
     <a:ext uri="{05A4C25C-085E-4340-85A3-A5531E510DB2}">
-      <thm15:themeFamily xmlns:thm15="http://schemas.microsoft.com/office/thememl/2012/main" name="Office Theme" id="{62F939B6-93AF-4DB8-9C6B-D6C7DFDC589F}" vid="{4A3C46E8-61CC-4603-A589-7422A47A8E4A}"/>
+      <thm15:themeFamily xmlns:thm15="http://schemas.microsoft.com/office/thememl/2012/main" id="{62F939B6-93AF-4DB8-9C6B-D6C7DFDC589F}" name="Office Theme" vid="{4A3C46E8-61CC-4603-A589-7422A47A8E4A}"/>
     </a:ext>
   </a:extLst>
 </a:theme>
